--- a/Samsung_Презентация.pptx
+++ b/Samsung_Презентация.pptx
@@ -4,20 +4,21 @@
   <p:sldMasterIdLst>
     <p:sldMasterId id="2147483648" r:id="rId2"/>
     <p:sldMasterId id="2147483661" r:id="rId3"/>
+    <p:sldMasterId id="2147483674" r:id="rId4"/>
   </p:sldMasterIdLst>
   <p:notesMasterIdLst>
-    <p:notesMasterId r:id="rId4"/>
+    <p:notesMasterId r:id="rId5"/>
   </p:notesMasterIdLst>
   <p:sldIdLst>
-    <p:sldId id="256" r:id="rId5"/>
-    <p:sldId id="257" r:id="rId6"/>
-    <p:sldId id="258" r:id="rId7"/>
-    <p:sldId id="259" r:id="rId8"/>
-    <p:sldId id="260" r:id="rId9"/>
-    <p:sldId id="261" r:id="rId10"/>
-    <p:sldId id="262" r:id="rId11"/>
-    <p:sldId id="263" r:id="rId12"/>
-    <p:sldId id="264" r:id="rId13"/>
+    <p:sldId id="256" r:id="rId6"/>
+    <p:sldId id="257" r:id="rId7"/>
+    <p:sldId id="258" r:id="rId8"/>
+    <p:sldId id="259" r:id="rId9"/>
+    <p:sldId id="260" r:id="rId10"/>
+    <p:sldId id="261" r:id="rId11"/>
+    <p:sldId id="262" r:id="rId12"/>
+    <p:sldId id="263" r:id="rId13"/>
+    <p:sldId id="264" r:id="rId14"/>
   </p:sldIdLst>
   <p:sldSz cx="12192000" cy="6858000"/>
   <p:notesSz cx="6858000" cy="9144000"/>
@@ -43,7 +44,7 @@
       </p:grpSpPr>
       <p:sp>
         <p:nvSpPr>
-          <p:cNvPr id="96" name="PlaceHolder 1"/>
+          <p:cNvPr id="146" name="PlaceHolder 1"/>
           <p:cNvSpPr>
             <a:spLocks noGrp="1"/>
           </p:cNvSpPr>
@@ -59,19 +60,13 @@
           <a:prstGeom prst="rect">
             <a:avLst/>
           </a:prstGeom>
-          <a:noFill/>
-          <a:ln w="0">
-            <a:noFill/>
-          </a:ln>
         </p:spPr>
         <p:txBody>
           <a:bodyPr lIns="0" rIns="0" tIns="0" bIns="0" anchor="ctr">
             <a:noAutofit/>
           </a:bodyPr>
           <a:p>
-            <a:pPr algn="ctr">
-              <a:buNone/>
-            </a:pPr>
+            <a:pPr algn="ctr"/>
             <a:r>
               <a:rPr b="0" lang="ru-RU" sz="4400" spc="-1" strike="noStrike">
                 <a:latin typeface="Arial"/>
@@ -86,7 +81,7 @@
       </p:sp>
       <p:sp>
         <p:nvSpPr>
-          <p:cNvPr id="97" name="PlaceHolder 2"/>
+          <p:cNvPr id="147" name="PlaceHolder 2"/>
           <p:cNvSpPr>
             <a:spLocks noGrp="1"/>
           </p:cNvSpPr>
@@ -102,13 +97,9 @@
           <a:prstGeom prst="rect">
             <a:avLst/>
           </a:prstGeom>
-          <a:noFill/>
-          <a:ln w="0">
-            <a:noFill/>
-          </a:ln>
-        </p:spPr>
-        <p:txBody>
-          <a:bodyPr lIns="0" rIns="0" tIns="0" bIns="0" anchor="t">
+        </p:spPr>
+        <p:txBody>
+          <a:bodyPr lIns="0" rIns="0" tIns="0" bIns="0">
             <a:noAutofit/>
           </a:bodyPr>
           <a:p>
@@ -126,7 +117,7 @@
       </p:sp>
       <p:sp>
         <p:nvSpPr>
-          <p:cNvPr id="98" name="PlaceHolder 3"/>
+          <p:cNvPr id="148" name="PlaceHolder 3"/>
           <p:cNvSpPr>
             <a:spLocks noGrp="1"/>
           </p:cNvSpPr>
@@ -142,13 +133,9 @@
           <a:prstGeom prst="rect">
             <a:avLst/>
           </a:prstGeom>
-          <a:noFill/>
-          <a:ln w="0">
-            <a:noFill/>
-          </a:ln>
-        </p:spPr>
-        <p:txBody>
-          <a:bodyPr lIns="0" rIns="0" tIns="0" bIns="0" anchor="t">
+        </p:spPr>
+        <p:txBody>
+          <a:bodyPr lIns="0" rIns="0" tIns="0" bIns="0">
             <a:noAutofit/>
           </a:bodyPr>
           <a:p>
@@ -156,7 +143,7 @@
               <a:rPr b="0" lang="ru-RU" sz="1400" spc="-1" strike="noStrike">
                 <a:latin typeface="Times New Roman"/>
               </a:rPr>
-              <a:t>&lt;верхний колонтитул&gt;</a:t>
+              <a:t> </a:t>
             </a:r>
             <a:endParaRPr b="0" lang="ru-RU" sz="1400" spc="-1" strike="noStrike">
               <a:latin typeface="Times New Roman"/>
@@ -166,12 +153,12 @@
       </p:sp>
       <p:sp>
         <p:nvSpPr>
-          <p:cNvPr id="99" name="PlaceHolder 4"/>
-          <p:cNvSpPr>
-            <a:spLocks noGrp="1"/>
-          </p:cNvSpPr>
-          <p:nvPr>
-            <p:ph type="dt" idx="7"/>
+          <p:cNvPr id="149" name="PlaceHolder 4"/>
+          <p:cNvSpPr>
+            <a:spLocks noGrp="1"/>
+          </p:cNvSpPr>
+          <p:nvPr>
+            <p:ph type="dt"/>
           </p:nvPr>
         </p:nvSpPr>
         <p:spPr>
@@ -182,32 +169,18 @@
           <a:prstGeom prst="rect">
             <a:avLst/>
           </a:prstGeom>
-          <a:noFill/>
-          <a:ln w="0">
-            <a:noFill/>
-          </a:ln>
-        </p:spPr>
-        <p:txBody>
-          <a:bodyPr lIns="0" rIns="0" tIns="0" bIns="0" anchor="t">
+        </p:spPr>
+        <p:txBody>
+          <a:bodyPr lIns="0" rIns="0" tIns="0" bIns="0">
             <a:noAutofit/>
           </a:bodyPr>
-          <a:lstStyle>
-            <a:lvl1pPr algn="r">
-              <a:buNone/>
-              <a:defRPr b="0" lang="ru-RU" sz="1400" spc="-1" strike="noStrike">
-                <a:latin typeface="Times New Roman"/>
-              </a:defRPr>
-            </a:lvl1pPr>
-          </a:lstStyle>
-          <a:p>
-            <a:pPr algn="r">
-              <a:buNone/>
-            </a:pPr>
+          <a:p>
+            <a:pPr algn="r"/>
             <a:r>
               <a:rPr b="0" lang="ru-RU" sz="1400" spc="-1" strike="noStrike">
                 <a:latin typeface="Times New Roman"/>
               </a:rPr>
-              <a:t>&lt;дата/время&gt;</a:t>
+              <a:t> </a:t>
             </a:r>
             <a:endParaRPr b="0" lang="ru-RU" sz="1400" spc="-1" strike="noStrike">
               <a:latin typeface="Times New Roman"/>
@@ -217,12 +190,12 @@
       </p:sp>
       <p:sp>
         <p:nvSpPr>
-          <p:cNvPr id="100" name="PlaceHolder 5"/>
-          <p:cNvSpPr>
-            <a:spLocks noGrp="1"/>
-          </p:cNvSpPr>
-          <p:nvPr>
-            <p:ph type="ftr" idx="8"/>
+          <p:cNvPr id="150" name="PlaceHolder 5"/>
+          <p:cNvSpPr>
+            <a:spLocks noGrp="1"/>
+          </p:cNvSpPr>
+          <p:nvPr>
+            <p:ph type="ftr"/>
           </p:nvPr>
         </p:nvSpPr>
         <p:spPr>
@@ -233,28 +206,17 @@
           <a:prstGeom prst="rect">
             <a:avLst/>
           </a:prstGeom>
-          <a:noFill/>
-          <a:ln w="0">
-            <a:noFill/>
-          </a:ln>
         </p:spPr>
         <p:txBody>
           <a:bodyPr lIns="0" rIns="0" tIns="0" bIns="0" anchor="b">
             <a:noAutofit/>
           </a:bodyPr>
-          <a:lstStyle>
-            <a:lvl1pPr>
-              <a:defRPr b="0" lang="ru-RU" sz="1400" spc="-1" strike="noStrike">
-                <a:latin typeface="Times New Roman"/>
-              </a:defRPr>
-            </a:lvl1pPr>
-          </a:lstStyle>
           <a:p>
             <a:r>
               <a:rPr b="0" lang="ru-RU" sz="1400" spc="-1" strike="noStrike">
                 <a:latin typeface="Times New Roman"/>
               </a:rPr>
-              <a:t>&lt;нижний колонтитул&gt;</a:t>
+              <a:t> </a:t>
             </a:r>
             <a:endParaRPr b="0" lang="ru-RU" sz="1400" spc="-1" strike="noStrike">
               <a:latin typeface="Times New Roman"/>
@@ -264,12 +226,12 @@
       </p:sp>
       <p:sp>
         <p:nvSpPr>
-          <p:cNvPr id="101" name="PlaceHolder 6"/>
-          <p:cNvSpPr>
-            <a:spLocks noGrp="1"/>
-          </p:cNvSpPr>
-          <p:nvPr>
-            <p:ph type="sldNum" idx="9"/>
+          <p:cNvPr id="151" name="PlaceHolder 6"/>
+          <p:cNvSpPr>
+            <a:spLocks noGrp="1"/>
+          </p:cNvSpPr>
+          <p:nvPr>
+            <p:ph type="sldNum"/>
           </p:nvPr>
         </p:nvSpPr>
         <p:spPr>
@@ -280,32 +242,18 @@
           <a:prstGeom prst="rect">
             <a:avLst/>
           </a:prstGeom>
-          <a:noFill/>
-          <a:ln w="0">
-            <a:noFill/>
-          </a:ln>
         </p:spPr>
         <p:txBody>
           <a:bodyPr lIns="0" rIns="0" tIns="0" bIns="0" anchor="b">
             <a:noAutofit/>
           </a:bodyPr>
-          <a:lstStyle>
-            <a:lvl1pPr algn="r">
-              <a:buNone/>
-              <a:defRPr b="0" lang="ru-RU" sz="1400" spc="-1" strike="noStrike">
-                <a:latin typeface="Times New Roman"/>
-              </a:defRPr>
-            </a:lvl1pPr>
-          </a:lstStyle>
-          <a:p>
-            <a:pPr algn="r">
-              <a:buNone/>
-            </a:pPr>
-            <a:fld id="{0119240F-78CB-4C24-97B9-EA50B96D70C8}" type="slidenum">
+          <a:p>
+            <a:pPr algn="r"/>
+            <a:fld id="{3238AFCE-02C0-4660-98BB-778D551913F9}" type="slidenum">
               <a:rPr b="0" lang="ru-RU" sz="1400" spc="-1" strike="noStrike">
                 <a:latin typeface="Times New Roman"/>
               </a:rPr>
-              <a:t>&lt;номер&gt;</a:t>
+              <a:t>1</a:t>
             </a:fld>
             <a:endParaRPr b="0" lang="ru-RU" sz="1400" spc="-1" strike="noStrike">
               <a:latin typeface="Times New Roman"/>
@@ -338,7 +286,7 @@
       </p:grpSpPr>
       <p:sp>
         <p:nvSpPr>
-          <p:cNvPr id="132" name="PlaceHolder 1"/>
+          <p:cNvPr id="191" name="PlaceHolder 1"/>
           <p:cNvSpPr>
             <a:spLocks noGrp="1"/>
           </p:cNvSpPr>
@@ -349,100 +297,73 @@
         <p:spPr>
           <a:xfrm>
             <a:off x="685800" y="1143000"/>
-            <a:ext cx="5485320" cy="3085200"/>
-          </a:xfrm>
-          <a:prstGeom prst="rect">
-            <a:avLst/>
-          </a:prstGeom>
-          <a:ln w="0">
+            <a:ext cx="5484960" cy="3084840"/>
+          </a:xfrm>
+          <a:prstGeom prst="rect">
+            <a:avLst/>
+          </a:prstGeom>
+        </p:spPr>
+      </p:sp>
+      <p:sp>
+        <p:nvSpPr>
+          <p:cNvPr id="192" name="PlaceHolder 2"/>
+          <p:cNvSpPr>
+            <a:spLocks noGrp="1"/>
+          </p:cNvSpPr>
+          <p:nvPr>
+            <p:ph type="body"/>
+          </p:nvPr>
+        </p:nvSpPr>
+        <p:spPr>
+          <a:xfrm>
+            <a:off x="685800" y="4400640"/>
+            <a:ext cx="5484960" cy="3598920"/>
+          </a:xfrm>
+          <a:prstGeom prst="rect">
+            <a:avLst/>
+          </a:prstGeom>
+        </p:spPr>
+        <p:txBody>
+          <a:bodyPr lIns="0" rIns="0" tIns="0" bIns="0">
+            <a:noAutofit/>
+          </a:bodyPr>
+          <a:p>
+            <a:endParaRPr b="0" lang="ru-RU" sz="2000" spc="-1" strike="noStrike">
+              <a:latin typeface="Arial"/>
+            </a:endParaRPr>
+          </a:p>
+        </p:txBody>
+      </p:sp>
+      <p:sp>
+        <p:nvSpPr>
+          <p:cNvPr id="193" name="TextShape 3"/>
+          <p:cNvSpPr txBox="1"/>
+          <p:nvPr/>
+        </p:nvSpPr>
+        <p:spPr>
+          <a:xfrm>
+            <a:off x="3884760" y="8685360"/>
+            <a:ext cx="2970360" cy="457200"/>
+          </a:xfrm>
+          <a:prstGeom prst="rect">
+            <a:avLst/>
+          </a:prstGeom>
+          <a:noFill/>
+          <a:ln>
             <a:noFill/>
           </a:ln>
         </p:spPr>
-      </p:sp>
-      <p:sp>
-        <p:nvSpPr>
-          <p:cNvPr id="133" name="PlaceHolder 2"/>
-          <p:cNvSpPr>
-            <a:spLocks noGrp="1"/>
-          </p:cNvSpPr>
-          <p:nvPr>
-            <p:ph type="body"/>
-          </p:nvPr>
-        </p:nvSpPr>
-        <p:spPr>
-          <a:xfrm>
-            <a:off x="685800" y="4400640"/>
-            <a:ext cx="5485320" cy="3599280"/>
-          </a:xfrm>
-          <a:prstGeom prst="rect">
-            <a:avLst/>
-          </a:prstGeom>
-          <a:noFill/>
-          <a:ln w="0">
-            <a:noFill/>
-          </a:ln>
-        </p:spPr>
-        <p:txBody>
-          <a:bodyPr lIns="0" rIns="0" tIns="0" bIns="0" anchor="t">
-            <a:noAutofit/>
-          </a:bodyPr>
-          <a:p>
-            <a:endParaRPr b="0" lang="ru-RU" sz="2000" spc="-1" strike="noStrike">
-              <a:latin typeface="Arial"/>
-            </a:endParaRPr>
-          </a:p>
-        </p:txBody>
-      </p:sp>
-      <p:sp>
-        <p:nvSpPr>
-          <p:cNvPr id="134" name="PlaceHolder 3"/>
-          <p:cNvSpPr>
-            <a:spLocks noGrp="1"/>
-          </p:cNvSpPr>
-          <p:nvPr>
-            <p:ph type="sldNum" idx="10"/>
-          </p:nvPr>
-        </p:nvSpPr>
-        <p:spPr>
-          <a:xfrm>
-            <a:off x="3884760" y="8685360"/>
-            <a:ext cx="2970720" cy="457560"/>
-          </a:xfrm>
-          <a:prstGeom prst="rect">
-            <a:avLst/>
-          </a:prstGeom>
-          <a:noFill/>
-          <a:ln w="0">
-            <a:noFill/>
-          </a:ln>
-        </p:spPr>
         <p:txBody>
           <a:bodyPr lIns="0" rIns="0" tIns="0" bIns="0" anchor="b">
             <a:noAutofit/>
           </a:bodyPr>
-          <a:lstStyle>
-            <a:lvl1pPr algn="r">
-              <a:lnSpc>
-                <a:spcPct val="100000"/>
-              </a:lnSpc>
-              <a:buNone/>
-              <a:defRPr b="0" lang="ru-RU" sz="1200" spc="-1" strike="noStrike">
-                <a:solidFill>
-                  <a:srgbClr val="000000"/>
-                </a:solidFill>
-                <a:latin typeface="+mn-lt"/>
-                <a:ea typeface="+mn-ea"/>
-              </a:defRPr>
-            </a:lvl1pPr>
-          </a:lstStyle>
           <a:p>
             <a:pPr algn="r">
               <a:lnSpc>
                 <a:spcPct val="100000"/>
               </a:lnSpc>
-              <a:buNone/>
             </a:pPr>
-            <a:fld id="{7E950AB0-86F3-4251-8879-185F12289B0B}" type="slidenum">
+            <a:fld id="{3BE39EE1-519A-4BDA-A79F-2F297D029DC3}" type="slidenum">
               <a:rPr b="0" lang="ru-RU" sz="1200" spc="-1" strike="noStrike">
                 <a:solidFill>
                   <a:srgbClr val="000000"/>
@@ -482,7 +403,7 @@
       </p:grpSpPr>
       <p:sp>
         <p:nvSpPr>
-          <p:cNvPr id="135" name="PlaceHolder 1"/>
+          <p:cNvPr id="194" name="PlaceHolder 1"/>
           <p:cNvSpPr>
             <a:spLocks noGrp="1"/>
           </p:cNvSpPr>
@@ -493,100 +414,73 @@
         <p:spPr>
           <a:xfrm>
             <a:off x="685800" y="1143000"/>
-            <a:ext cx="5485320" cy="3085200"/>
-          </a:xfrm>
-          <a:prstGeom prst="rect">
-            <a:avLst/>
-          </a:prstGeom>
-          <a:ln w="0">
+            <a:ext cx="5484960" cy="3084840"/>
+          </a:xfrm>
+          <a:prstGeom prst="rect">
+            <a:avLst/>
+          </a:prstGeom>
+        </p:spPr>
+      </p:sp>
+      <p:sp>
+        <p:nvSpPr>
+          <p:cNvPr id="195" name="PlaceHolder 2"/>
+          <p:cNvSpPr>
+            <a:spLocks noGrp="1"/>
+          </p:cNvSpPr>
+          <p:nvPr>
+            <p:ph type="body"/>
+          </p:nvPr>
+        </p:nvSpPr>
+        <p:spPr>
+          <a:xfrm>
+            <a:off x="685800" y="4400640"/>
+            <a:ext cx="5484960" cy="3598920"/>
+          </a:xfrm>
+          <a:prstGeom prst="rect">
+            <a:avLst/>
+          </a:prstGeom>
+        </p:spPr>
+        <p:txBody>
+          <a:bodyPr lIns="0" rIns="0" tIns="0" bIns="0">
+            <a:noAutofit/>
+          </a:bodyPr>
+          <a:p>
+            <a:endParaRPr b="0" lang="ru-RU" sz="2000" spc="-1" strike="noStrike">
+              <a:latin typeface="Arial"/>
+            </a:endParaRPr>
+          </a:p>
+        </p:txBody>
+      </p:sp>
+      <p:sp>
+        <p:nvSpPr>
+          <p:cNvPr id="196" name="TextShape 3"/>
+          <p:cNvSpPr txBox="1"/>
+          <p:nvPr/>
+        </p:nvSpPr>
+        <p:spPr>
+          <a:xfrm>
+            <a:off x="3884760" y="8685360"/>
+            <a:ext cx="2970360" cy="457200"/>
+          </a:xfrm>
+          <a:prstGeom prst="rect">
+            <a:avLst/>
+          </a:prstGeom>
+          <a:noFill/>
+          <a:ln>
             <a:noFill/>
           </a:ln>
         </p:spPr>
-      </p:sp>
-      <p:sp>
-        <p:nvSpPr>
-          <p:cNvPr id="136" name="PlaceHolder 2"/>
-          <p:cNvSpPr>
-            <a:spLocks noGrp="1"/>
-          </p:cNvSpPr>
-          <p:nvPr>
-            <p:ph type="body"/>
-          </p:nvPr>
-        </p:nvSpPr>
-        <p:spPr>
-          <a:xfrm>
-            <a:off x="685800" y="4400640"/>
-            <a:ext cx="5485320" cy="3599280"/>
-          </a:xfrm>
-          <a:prstGeom prst="rect">
-            <a:avLst/>
-          </a:prstGeom>
-          <a:noFill/>
-          <a:ln w="0">
-            <a:noFill/>
-          </a:ln>
-        </p:spPr>
-        <p:txBody>
-          <a:bodyPr lIns="0" rIns="0" tIns="0" bIns="0" anchor="t">
-            <a:noAutofit/>
-          </a:bodyPr>
-          <a:p>
-            <a:endParaRPr b="0" lang="ru-RU" sz="2000" spc="-1" strike="noStrike">
-              <a:latin typeface="Arial"/>
-            </a:endParaRPr>
-          </a:p>
-        </p:txBody>
-      </p:sp>
-      <p:sp>
-        <p:nvSpPr>
-          <p:cNvPr id="137" name="PlaceHolder 3"/>
-          <p:cNvSpPr>
-            <a:spLocks noGrp="1"/>
-          </p:cNvSpPr>
-          <p:nvPr>
-            <p:ph type="sldNum" idx="11"/>
-          </p:nvPr>
-        </p:nvSpPr>
-        <p:spPr>
-          <a:xfrm>
-            <a:off x="3884760" y="8685360"/>
-            <a:ext cx="2970720" cy="457560"/>
-          </a:xfrm>
-          <a:prstGeom prst="rect">
-            <a:avLst/>
-          </a:prstGeom>
-          <a:noFill/>
-          <a:ln w="0">
-            <a:noFill/>
-          </a:ln>
-        </p:spPr>
         <p:txBody>
           <a:bodyPr lIns="0" rIns="0" tIns="0" bIns="0" anchor="b">
             <a:noAutofit/>
           </a:bodyPr>
-          <a:lstStyle>
-            <a:lvl1pPr algn="r">
-              <a:lnSpc>
-                <a:spcPct val="100000"/>
-              </a:lnSpc>
-              <a:buNone/>
-              <a:defRPr b="0" lang="ru-RU" sz="1200" spc="-1" strike="noStrike">
-                <a:solidFill>
-                  <a:srgbClr val="000000"/>
-                </a:solidFill>
-                <a:latin typeface="+mn-lt"/>
-                <a:ea typeface="+mn-ea"/>
-              </a:defRPr>
-            </a:lvl1pPr>
-          </a:lstStyle>
           <a:p>
             <a:pPr algn="r">
               <a:lnSpc>
                 <a:spcPct val="100000"/>
               </a:lnSpc>
-              <a:buNone/>
             </a:pPr>
-            <a:fld id="{28D78648-5D7C-401E-97F3-E4FB8AAEBCD6}" type="slidenum">
+            <a:fld id="{C5DA5696-15D1-4FD9-8479-828601CFBD44}" type="slidenum">
               <a:rPr b="0" lang="ru-RU" sz="1200" spc="-1" strike="noStrike">
                 <a:solidFill>
                   <a:srgbClr val="000000"/>
@@ -624,67 +518,6 @@
           <a:chExt cx="0" cy="0"/>
         </a:xfrm>
       </p:grpSpPr>
-      <p:sp>
-        <p:nvSpPr>
-          <p:cNvPr id="2" name="PlaceHolder 1"/>
-          <p:cNvSpPr>
-            <a:spLocks noGrp="1"/>
-          </p:cNvSpPr>
-          <p:nvPr>
-            <p:ph type="ftr" idx="1"/>
-          </p:nvPr>
-        </p:nvSpPr>
-        <p:spPr/>
-        <p:txBody>
-          <a:bodyPr/>
-          <a:p>
-            <a:r>
-              <a:t>Footer</a:t>
-            </a:r>
-          </a:p>
-        </p:txBody>
-      </p:sp>
-      <p:sp>
-        <p:nvSpPr>
-          <p:cNvPr id="3" name="PlaceHolder 2"/>
-          <p:cNvSpPr>
-            <a:spLocks noGrp="1"/>
-          </p:cNvSpPr>
-          <p:nvPr>
-            <p:ph type="sldNum" idx="2"/>
-          </p:nvPr>
-        </p:nvSpPr>
-        <p:spPr/>
-        <p:txBody>
-          <a:bodyPr/>
-          <a:p>
-            <a:fld id="{5A163865-4C5B-4788-B0A6-707A6BC1E708}" type="slidenum">
-              <a:t>&lt;#&gt;</a:t>
-            </a:fld>
-          </a:p>
-        </p:txBody>
-      </p:sp>
-      <p:sp>
-        <p:nvSpPr>
-          <p:cNvPr id="4" name="PlaceHolder 3"/>
-          <p:cNvSpPr>
-            <a:spLocks noGrp="1"/>
-          </p:cNvSpPr>
-          <p:nvPr>
-            <p:ph type="dt" idx="3"/>
-          </p:nvPr>
-        </p:nvSpPr>
-        <p:spPr/>
-        <p:txBody>
-          <a:bodyPr/>
-          <a:p>
-            <a:r>
-              <a:rPr lang="ru-RU"/>
-              <a:t/>
-            </a:r>
-          </a:p>
-        </p:txBody>
-      </p:sp>
     </p:spTree>
   </p:cSld>
 </p:sldLayout>
@@ -725,19 +558,13 @@
           <a:prstGeom prst="rect">
             <a:avLst/>
           </a:prstGeom>
-          <a:noFill/>
-          <a:ln w="0">
-            <a:noFill/>
-          </a:ln>
         </p:spPr>
         <p:txBody>
           <a:bodyPr lIns="0" rIns="0" tIns="0" bIns="0" anchor="ctr">
-            <a:noAutofit/>
-          </a:bodyPr>
-          <a:p>
-            <a:pPr algn="ctr">
-              <a:buNone/>
-            </a:pPr>
+            <a:spAutoFit/>
+          </a:bodyPr>
+          <a:p>
+            <a:pPr algn="ctr"/>
             <a:endParaRPr b="0" lang="ru-RU" sz="4400" spc="-1" strike="noStrike">
               <a:latin typeface="Arial"/>
             </a:endParaRPr>
@@ -751,7 +578,7 @@
             <a:spLocks noGrp="1"/>
           </p:cNvSpPr>
           <p:nvPr>
-            <p:ph/>
+            <p:ph type="body"/>
           </p:nvPr>
         </p:nvSpPr>
         <p:spPr>
@@ -762,13 +589,9 @@
           <a:prstGeom prst="rect">
             <a:avLst/>
           </a:prstGeom>
-          <a:noFill/>
-          <a:ln w="0">
-            <a:noFill/>
-          </a:ln>
-        </p:spPr>
-        <p:txBody>
-          <a:bodyPr lIns="0" rIns="0" tIns="0" bIns="0" anchor="t">
+        </p:spPr>
+        <p:txBody>
+          <a:bodyPr lIns="0" rIns="0" tIns="0" bIns="0">
             <a:normAutofit/>
           </a:bodyPr>
           <a:p>
@@ -785,7 +608,7 @@
             <a:spLocks noGrp="1"/>
           </p:cNvSpPr>
           <p:nvPr>
-            <p:ph/>
+            <p:ph type="body"/>
           </p:nvPr>
         </p:nvSpPr>
         <p:spPr>
@@ -796,80 +619,15 @@
           <a:prstGeom prst="rect">
             <a:avLst/>
           </a:prstGeom>
-          <a:noFill/>
-          <a:ln w="0">
-            <a:noFill/>
-          </a:ln>
-        </p:spPr>
-        <p:txBody>
-          <a:bodyPr lIns="0" rIns="0" tIns="0" bIns="0" anchor="t">
+        </p:spPr>
+        <p:txBody>
+          <a:bodyPr lIns="0" rIns="0" tIns="0" bIns="0">
             <a:normAutofit/>
           </a:bodyPr>
           <a:p>
             <a:endParaRPr b="0" lang="ru-RU" sz="3200" spc="-1" strike="noStrike">
               <a:latin typeface="Arial"/>
             </a:endParaRPr>
-          </a:p>
-        </p:txBody>
-      </p:sp>
-      <p:sp>
-        <p:nvSpPr>
-          <p:cNvPr id="5" name="PlaceHolder 4"/>
-          <p:cNvSpPr>
-            <a:spLocks noGrp="1"/>
-          </p:cNvSpPr>
-          <p:nvPr>
-            <p:ph type="ftr" idx="1"/>
-          </p:nvPr>
-        </p:nvSpPr>
-        <p:spPr/>
-        <p:txBody>
-          <a:bodyPr/>
-          <a:p>
-            <a:r>
-              <a:t>Footer</a:t>
-            </a:r>
-          </a:p>
-        </p:txBody>
-      </p:sp>
-      <p:sp>
-        <p:nvSpPr>
-          <p:cNvPr id="6" name="PlaceHolder 5"/>
-          <p:cNvSpPr>
-            <a:spLocks noGrp="1"/>
-          </p:cNvSpPr>
-          <p:nvPr>
-            <p:ph type="sldNum" idx="2"/>
-          </p:nvPr>
-        </p:nvSpPr>
-        <p:spPr/>
-        <p:txBody>
-          <a:bodyPr/>
-          <a:p>
-            <a:fld id="{C6EA3743-7B8F-4037-B111-3BEE2761C508}" type="slidenum">
-              <a:t>&lt;#&gt;</a:t>
-            </a:fld>
-          </a:p>
-        </p:txBody>
-      </p:sp>
-      <p:sp>
-        <p:nvSpPr>
-          <p:cNvPr id="7" name="PlaceHolder 6"/>
-          <p:cNvSpPr>
-            <a:spLocks noGrp="1"/>
-          </p:cNvSpPr>
-          <p:nvPr>
-            <p:ph type="dt" idx="3"/>
-          </p:nvPr>
-        </p:nvSpPr>
-        <p:spPr/>
-        <p:txBody>
-          <a:bodyPr/>
-          <a:p>
-            <a:r>
-              <a:rPr lang="ru-RU"/>
-              <a:t/>
-            </a:r>
           </a:p>
         </p:txBody>
       </p:sp>
@@ -913,19 +671,13 @@
           <a:prstGeom prst="rect">
             <a:avLst/>
           </a:prstGeom>
-          <a:noFill/>
-          <a:ln w="0">
-            <a:noFill/>
-          </a:ln>
         </p:spPr>
         <p:txBody>
           <a:bodyPr lIns="0" rIns="0" tIns="0" bIns="0" anchor="ctr">
-            <a:noAutofit/>
-          </a:bodyPr>
-          <a:p>
-            <a:pPr algn="ctr">
-              <a:buNone/>
-            </a:pPr>
+            <a:spAutoFit/>
+          </a:bodyPr>
+          <a:p>
+            <a:pPr algn="ctr"/>
             <a:endParaRPr b="0" lang="ru-RU" sz="4400" spc="-1" strike="noStrike">
               <a:latin typeface="Arial"/>
             </a:endParaRPr>
@@ -939,7 +691,7 @@
             <a:spLocks noGrp="1"/>
           </p:cNvSpPr>
           <p:nvPr>
-            <p:ph/>
+            <p:ph type="body"/>
           </p:nvPr>
         </p:nvSpPr>
         <p:spPr>
@@ -950,13 +702,9 @@
           <a:prstGeom prst="rect">
             <a:avLst/>
           </a:prstGeom>
-          <a:noFill/>
-          <a:ln w="0">
-            <a:noFill/>
-          </a:ln>
-        </p:spPr>
-        <p:txBody>
-          <a:bodyPr lIns="0" rIns="0" tIns="0" bIns="0" anchor="t">
+        </p:spPr>
+        <p:txBody>
+          <a:bodyPr lIns="0" rIns="0" tIns="0" bIns="0">
             <a:normAutofit/>
           </a:bodyPr>
           <a:p>
@@ -973,7 +721,7 @@
             <a:spLocks noGrp="1"/>
           </p:cNvSpPr>
           <p:nvPr>
-            <p:ph/>
+            <p:ph type="body"/>
           </p:nvPr>
         </p:nvSpPr>
         <p:spPr>
@@ -984,13 +732,9 @@
           <a:prstGeom prst="rect">
             <a:avLst/>
           </a:prstGeom>
-          <a:noFill/>
-          <a:ln w="0">
-            <a:noFill/>
-          </a:ln>
-        </p:spPr>
-        <p:txBody>
-          <a:bodyPr lIns="0" rIns="0" tIns="0" bIns="0" anchor="t">
+        </p:spPr>
+        <p:txBody>
+          <a:bodyPr lIns="0" rIns="0" tIns="0" bIns="0">
             <a:normAutofit/>
           </a:bodyPr>
           <a:p>
@@ -1007,7 +751,7 @@
             <a:spLocks noGrp="1"/>
           </p:cNvSpPr>
           <p:nvPr>
-            <p:ph/>
+            <p:ph type="body"/>
           </p:nvPr>
         </p:nvSpPr>
         <p:spPr>
@@ -1018,13 +762,9 @@
           <a:prstGeom prst="rect">
             <a:avLst/>
           </a:prstGeom>
-          <a:noFill/>
-          <a:ln w="0">
-            <a:noFill/>
-          </a:ln>
-        </p:spPr>
-        <p:txBody>
-          <a:bodyPr lIns="0" rIns="0" tIns="0" bIns="0" anchor="t">
+        </p:spPr>
+        <p:txBody>
+          <a:bodyPr lIns="0" rIns="0" tIns="0" bIns="0">
             <a:normAutofit/>
           </a:bodyPr>
           <a:p>
@@ -1041,7 +781,7 @@
             <a:spLocks noGrp="1"/>
           </p:cNvSpPr>
           <p:nvPr>
-            <p:ph/>
+            <p:ph type="body"/>
           </p:nvPr>
         </p:nvSpPr>
         <p:spPr>
@@ -1052,80 +792,15 @@
           <a:prstGeom prst="rect">
             <a:avLst/>
           </a:prstGeom>
-          <a:noFill/>
-          <a:ln w="0">
-            <a:noFill/>
-          </a:ln>
-        </p:spPr>
-        <p:txBody>
-          <a:bodyPr lIns="0" rIns="0" tIns="0" bIns="0" anchor="t">
+        </p:spPr>
+        <p:txBody>
+          <a:bodyPr lIns="0" rIns="0" tIns="0" bIns="0">
             <a:normAutofit/>
           </a:bodyPr>
           <a:p>
             <a:endParaRPr b="0" lang="ru-RU" sz="3200" spc="-1" strike="noStrike">
               <a:latin typeface="Arial"/>
             </a:endParaRPr>
-          </a:p>
-        </p:txBody>
-      </p:sp>
-      <p:sp>
-        <p:nvSpPr>
-          <p:cNvPr id="7" name="PlaceHolder 6"/>
-          <p:cNvSpPr>
-            <a:spLocks noGrp="1"/>
-          </p:cNvSpPr>
-          <p:nvPr>
-            <p:ph type="ftr" idx="1"/>
-          </p:nvPr>
-        </p:nvSpPr>
-        <p:spPr/>
-        <p:txBody>
-          <a:bodyPr/>
-          <a:p>
-            <a:r>
-              <a:t>Footer</a:t>
-            </a:r>
-          </a:p>
-        </p:txBody>
-      </p:sp>
-      <p:sp>
-        <p:nvSpPr>
-          <p:cNvPr id="8" name="PlaceHolder 7"/>
-          <p:cNvSpPr>
-            <a:spLocks noGrp="1"/>
-          </p:cNvSpPr>
-          <p:nvPr>
-            <p:ph type="sldNum" idx="2"/>
-          </p:nvPr>
-        </p:nvSpPr>
-        <p:spPr/>
-        <p:txBody>
-          <a:bodyPr/>
-          <a:p>
-            <a:fld id="{12A8102A-8A6E-4D55-B7F6-BC65B563D1EB}" type="slidenum">
-              <a:t>&lt;#&gt;</a:t>
-            </a:fld>
-          </a:p>
-        </p:txBody>
-      </p:sp>
-      <p:sp>
-        <p:nvSpPr>
-          <p:cNvPr id="9" name="PlaceHolder 8"/>
-          <p:cNvSpPr>
-            <a:spLocks noGrp="1"/>
-          </p:cNvSpPr>
-          <p:nvPr>
-            <p:ph type="dt" idx="3"/>
-          </p:nvPr>
-        </p:nvSpPr>
-        <p:spPr/>
-        <p:txBody>
-          <a:bodyPr/>
-          <a:p>
-            <a:r>
-              <a:rPr lang="ru-RU"/>
-              <a:t/>
-            </a:r>
           </a:p>
         </p:txBody>
       </p:sp>
@@ -1169,19 +844,13 @@
           <a:prstGeom prst="rect">
             <a:avLst/>
           </a:prstGeom>
-          <a:noFill/>
-          <a:ln w="0">
-            <a:noFill/>
-          </a:ln>
         </p:spPr>
         <p:txBody>
           <a:bodyPr lIns="0" rIns="0" tIns="0" bIns="0" anchor="ctr">
-            <a:noAutofit/>
-          </a:bodyPr>
-          <a:p>
-            <a:pPr algn="ctr">
-              <a:buNone/>
-            </a:pPr>
+            <a:spAutoFit/>
+          </a:bodyPr>
+          <a:p>
+            <a:pPr algn="ctr"/>
             <a:endParaRPr b="0" lang="ru-RU" sz="4400" spc="-1" strike="noStrike">
               <a:latin typeface="Arial"/>
             </a:endParaRPr>
@@ -1195,7 +864,7 @@
             <a:spLocks noGrp="1"/>
           </p:cNvSpPr>
           <p:nvPr>
-            <p:ph/>
+            <p:ph type="body"/>
           </p:nvPr>
         </p:nvSpPr>
         <p:spPr>
@@ -1206,14 +875,10 @@
           <a:prstGeom prst="rect">
             <a:avLst/>
           </a:prstGeom>
-          <a:noFill/>
-          <a:ln w="0">
-            <a:noFill/>
-          </a:ln>
-        </p:spPr>
-        <p:txBody>
-          <a:bodyPr lIns="0" rIns="0" tIns="0" bIns="0" anchor="t">
-            <a:normAutofit fontScale="91000"/>
+        </p:spPr>
+        <p:txBody>
+          <a:bodyPr lIns="0" rIns="0" tIns="0" bIns="0">
+            <a:normAutofit/>
           </a:bodyPr>
           <a:p>
             <a:endParaRPr b="0" lang="ru-RU" sz="3200" spc="-1" strike="noStrike">
@@ -1229,7 +894,7 @@
             <a:spLocks noGrp="1"/>
           </p:cNvSpPr>
           <p:nvPr>
-            <p:ph/>
+            <p:ph type="body"/>
           </p:nvPr>
         </p:nvSpPr>
         <p:spPr>
@@ -1240,14 +905,10 @@
           <a:prstGeom prst="rect">
             <a:avLst/>
           </a:prstGeom>
-          <a:noFill/>
-          <a:ln w="0">
-            <a:noFill/>
-          </a:ln>
-        </p:spPr>
-        <p:txBody>
-          <a:bodyPr lIns="0" rIns="0" tIns="0" bIns="0" anchor="t">
-            <a:normAutofit fontScale="91000"/>
+        </p:spPr>
+        <p:txBody>
+          <a:bodyPr lIns="0" rIns="0" tIns="0" bIns="0">
+            <a:normAutofit/>
           </a:bodyPr>
           <a:p>
             <a:endParaRPr b="0" lang="ru-RU" sz="3200" spc="-1" strike="noStrike">
@@ -1263,7 +924,7 @@
             <a:spLocks noGrp="1"/>
           </p:cNvSpPr>
           <p:nvPr>
-            <p:ph/>
+            <p:ph type="body"/>
           </p:nvPr>
         </p:nvSpPr>
         <p:spPr>
@@ -1274,14 +935,10 @@
           <a:prstGeom prst="rect">
             <a:avLst/>
           </a:prstGeom>
-          <a:noFill/>
-          <a:ln w="0">
-            <a:noFill/>
-          </a:ln>
-        </p:spPr>
-        <p:txBody>
-          <a:bodyPr lIns="0" rIns="0" tIns="0" bIns="0" anchor="t">
-            <a:normAutofit fontScale="91000"/>
+        </p:spPr>
+        <p:txBody>
+          <a:bodyPr lIns="0" rIns="0" tIns="0" bIns="0">
+            <a:normAutofit/>
           </a:bodyPr>
           <a:p>
             <a:endParaRPr b="0" lang="ru-RU" sz="3200" spc="-1" strike="noStrike">
@@ -1297,7 +954,7 @@
             <a:spLocks noGrp="1"/>
           </p:cNvSpPr>
           <p:nvPr>
-            <p:ph/>
+            <p:ph type="body"/>
           </p:nvPr>
         </p:nvSpPr>
         <p:spPr>
@@ -1308,14 +965,10 @@
           <a:prstGeom prst="rect">
             <a:avLst/>
           </a:prstGeom>
-          <a:noFill/>
-          <a:ln w="0">
-            <a:noFill/>
-          </a:ln>
-        </p:spPr>
-        <p:txBody>
-          <a:bodyPr lIns="0" rIns="0" tIns="0" bIns="0" anchor="t">
-            <a:normAutofit fontScale="91000"/>
+        </p:spPr>
+        <p:txBody>
+          <a:bodyPr lIns="0" rIns="0" tIns="0" bIns="0">
+            <a:normAutofit/>
           </a:bodyPr>
           <a:p>
             <a:endParaRPr b="0" lang="ru-RU" sz="3200" spc="-1" strike="noStrike">
@@ -1331,7 +984,7 @@
             <a:spLocks noGrp="1"/>
           </p:cNvSpPr>
           <p:nvPr>
-            <p:ph/>
+            <p:ph type="body"/>
           </p:nvPr>
         </p:nvSpPr>
         <p:spPr>
@@ -1342,14 +995,10 @@
           <a:prstGeom prst="rect">
             <a:avLst/>
           </a:prstGeom>
-          <a:noFill/>
-          <a:ln w="0">
-            <a:noFill/>
-          </a:ln>
-        </p:spPr>
-        <p:txBody>
-          <a:bodyPr lIns="0" rIns="0" tIns="0" bIns="0" anchor="t">
-            <a:normAutofit fontScale="91000"/>
+        </p:spPr>
+        <p:txBody>
+          <a:bodyPr lIns="0" rIns="0" tIns="0" bIns="0">
+            <a:normAutofit/>
           </a:bodyPr>
           <a:p>
             <a:endParaRPr b="0" lang="ru-RU" sz="3200" spc="-1" strike="noStrike">
@@ -1365,7 +1014,7 @@
             <a:spLocks noGrp="1"/>
           </p:cNvSpPr>
           <p:nvPr>
-            <p:ph/>
+            <p:ph type="body"/>
           </p:nvPr>
         </p:nvSpPr>
         <p:spPr>
@@ -1376,80 +1025,15 @@
           <a:prstGeom prst="rect">
             <a:avLst/>
           </a:prstGeom>
-          <a:noFill/>
-          <a:ln w="0">
-            <a:noFill/>
-          </a:ln>
-        </p:spPr>
-        <p:txBody>
-          <a:bodyPr lIns="0" rIns="0" tIns="0" bIns="0" anchor="t">
-            <a:normAutofit fontScale="91000"/>
+        </p:spPr>
+        <p:txBody>
+          <a:bodyPr lIns="0" rIns="0" tIns="0" bIns="0">
+            <a:normAutofit/>
           </a:bodyPr>
           <a:p>
             <a:endParaRPr b="0" lang="ru-RU" sz="3200" spc="-1" strike="noStrike">
               <a:latin typeface="Arial"/>
             </a:endParaRPr>
-          </a:p>
-        </p:txBody>
-      </p:sp>
-      <p:sp>
-        <p:nvSpPr>
-          <p:cNvPr id="9" name="PlaceHolder 8"/>
-          <p:cNvSpPr>
-            <a:spLocks noGrp="1"/>
-          </p:cNvSpPr>
-          <p:nvPr>
-            <p:ph type="ftr" idx="1"/>
-          </p:nvPr>
-        </p:nvSpPr>
-        <p:spPr/>
-        <p:txBody>
-          <a:bodyPr/>
-          <a:p>
-            <a:r>
-              <a:t>Footer</a:t>
-            </a:r>
-          </a:p>
-        </p:txBody>
-      </p:sp>
-      <p:sp>
-        <p:nvSpPr>
-          <p:cNvPr id="10" name="PlaceHolder 9"/>
-          <p:cNvSpPr>
-            <a:spLocks noGrp="1"/>
-          </p:cNvSpPr>
-          <p:nvPr>
-            <p:ph type="sldNum" idx="2"/>
-          </p:nvPr>
-        </p:nvSpPr>
-        <p:spPr/>
-        <p:txBody>
-          <a:bodyPr/>
-          <a:p>
-            <a:fld id="{BCED7933-8A5B-494F-ABC4-B7C93E6ECFAA}" type="slidenum">
-              <a:t>&lt;#&gt;</a:t>
-            </a:fld>
-          </a:p>
-        </p:txBody>
-      </p:sp>
-      <p:sp>
-        <p:nvSpPr>
-          <p:cNvPr id="11" name="PlaceHolder 10"/>
-          <p:cNvSpPr>
-            <a:spLocks noGrp="1"/>
-          </p:cNvSpPr>
-          <p:nvPr>
-            <p:ph type="dt" idx="3"/>
-          </p:nvPr>
-        </p:nvSpPr>
-        <p:spPr/>
-        <p:txBody>
-          <a:bodyPr/>
-          <a:p>
-            <a:r>
-              <a:rPr lang="ru-RU"/>
-              <a:t/>
-            </a:r>
           </a:p>
         </p:txBody>
       </p:sp>
@@ -1475,67 +1059,6 @@
           <a:chExt cx="0" cy="0"/>
         </a:xfrm>
       </p:grpSpPr>
-      <p:sp>
-        <p:nvSpPr>
-          <p:cNvPr id="2" name="PlaceHolder 1"/>
-          <p:cNvSpPr>
-            <a:spLocks noGrp="1"/>
-          </p:cNvSpPr>
-          <p:nvPr>
-            <p:ph type="ftr" idx="4"/>
-          </p:nvPr>
-        </p:nvSpPr>
-        <p:spPr/>
-        <p:txBody>
-          <a:bodyPr/>
-          <a:p>
-            <a:r>
-              <a:t>Footer</a:t>
-            </a:r>
-          </a:p>
-        </p:txBody>
-      </p:sp>
-      <p:sp>
-        <p:nvSpPr>
-          <p:cNvPr id="3" name="PlaceHolder 2"/>
-          <p:cNvSpPr>
-            <a:spLocks noGrp="1"/>
-          </p:cNvSpPr>
-          <p:nvPr>
-            <p:ph type="sldNum" idx="5"/>
-          </p:nvPr>
-        </p:nvSpPr>
-        <p:spPr/>
-        <p:txBody>
-          <a:bodyPr/>
-          <a:p>
-            <a:fld id="{C909598A-70DC-4717-BAD9-9D21067A6E30}" type="slidenum">
-              <a:t>&lt;#&gt;</a:t>
-            </a:fld>
-          </a:p>
-        </p:txBody>
-      </p:sp>
-      <p:sp>
-        <p:nvSpPr>
-          <p:cNvPr id="4" name="PlaceHolder 3"/>
-          <p:cNvSpPr>
-            <a:spLocks noGrp="1"/>
-          </p:cNvSpPr>
-          <p:nvPr>
-            <p:ph type="dt" idx="6"/>
-          </p:nvPr>
-        </p:nvSpPr>
-        <p:spPr/>
-        <p:txBody>
-          <a:bodyPr/>
-          <a:p>
-            <a:r>
-              <a:rPr lang="ru-RU"/>
-              <a:t/>
-            </a:r>
-          </a:p>
-        </p:txBody>
-      </p:sp>
     </p:spTree>
   </p:cSld>
 </p:sldLayout>
@@ -1576,19 +1099,13 @@
           <a:prstGeom prst="rect">
             <a:avLst/>
           </a:prstGeom>
-          <a:noFill/>
-          <a:ln w="0">
-            <a:noFill/>
-          </a:ln>
         </p:spPr>
         <p:txBody>
           <a:bodyPr lIns="0" rIns="0" tIns="0" bIns="0" anchor="ctr">
-            <a:noAutofit/>
-          </a:bodyPr>
-          <a:p>
-            <a:pPr algn="ctr">
-              <a:buNone/>
-            </a:pPr>
+            <a:spAutoFit/>
+          </a:bodyPr>
+          <a:p>
+            <a:pPr algn="ctr"/>
             <a:endParaRPr b="0" lang="ru-RU" sz="4400" spc="-1" strike="noStrike">
               <a:latin typeface="Arial"/>
             </a:endParaRPr>
@@ -1613,83 +1130,16 @@
           <a:prstGeom prst="rect">
             <a:avLst/>
           </a:prstGeom>
-          <a:noFill/>
-          <a:ln w="0">
-            <a:noFill/>
-          </a:ln>
         </p:spPr>
         <p:txBody>
           <a:bodyPr lIns="0" rIns="0" tIns="0" bIns="0" anchor="ctr">
-            <a:noAutofit/>
-          </a:bodyPr>
-          <a:p>
-            <a:pPr algn="ctr">
-              <a:buNone/>
-            </a:pPr>
+            <a:spAutoFit/>
+          </a:bodyPr>
+          <a:p>
+            <a:pPr algn="ctr"/>
             <a:endParaRPr b="0" lang="ru-RU" sz="3200" spc="-1" strike="noStrike">
               <a:latin typeface="Arial"/>
             </a:endParaRPr>
-          </a:p>
-        </p:txBody>
-      </p:sp>
-      <p:sp>
-        <p:nvSpPr>
-          <p:cNvPr id="4" name="PlaceHolder 3"/>
-          <p:cNvSpPr>
-            <a:spLocks noGrp="1"/>
-          </p:cNvSpPr>
-          <p:nvPr>
-            <p:ph type="ftr" idx="4"/>
-          </p:nvPr>
-        </p:nvSpPr>
-        <p:spPr/>
-        <p:txBody>
-          <a:bodyPr/>
-          <a:p>
-            <a:r>
-              <a:t>Footer</a:t>
-            </a:r>
-          </a:p>
-        </p:txBody>
-      </p:sp>
-      <p:sp>
-        <p:nvSpPr>
-          <p:cNvPr id="5" name="PlaceHolder 4"/>
-          <p:cNvSpPr>
-            <a:spLocks noGrp="1"/>
-          </p:cNvSpPr>
-          <p:nvPr>
-            <p:ph type="sldNum" idx="5"/>
-          </p:nvPr>
-        </p:nvSpPr>
-        <p:spPr/>
-        <p:txBody>
-          <a:bodyPr/>
-          <a:p>
-            <a:fld id="{232741E4-8751-4ECA-AE87-6F5EC0D913BB}" type="slidenum">
-              <a:t>&lt;#&gt;</a:t>
-            </a:fld>
-          </a:p>
-        </p:txBody>
-      </p:sp>
-      <p:sp>
-        <p:nvSpPr>
-          <p:cNvPr id="6" name="PlaceHolder 5"/>
-          <p:cNvSpPr>
-            <a:spLocks noGrp="1"/>
-          </p:cNvSpPr>
-          <p:nvPr>
-            <p:ph type="dt" idx="6"/>
-          </p:nvPr>
-        </p:nvSpPr>
-        <p:spPr/>
-        <p:txBody>
-          <a:bodyPr/>
-          <a:p>
-            <a:r>
-              <a:rPr lang="ru-RU"/>
-              <a:t/>
-            </a:r>
           </a:p>
         </p:txBody>
       </p:sp>
@@ -1733,19 +1183,13 @@
           <a:prstGeom prst="rect">
             <a:avLst/>
           </a:prstGeom>
-          <a:noFill/>
-          <a:ln w="0">
-            <a:noFill/>
-          </a:ln>
         </p:spPr>
         <p:txBody>
           <a:bodyPr lIns="0" rIns="0" tIns="0" bIns="0" anchor="ctr">
-            <a:noAutofit/>
-          </a:bodyPr>
-          <a:p>
-            <a:pPr algn="ctr">
-              <a:buNone/>
-            </a:pPr>
+            <a:spAutoFit/>
+          </a:bodyPr>
+          <a:p>
+            <a:pPr algn="ctr"/>
             <a:endParaRPr b="0" lang="ru-RU" sz="4400" spc="-1" strike="noStrike">
               <a:latin typeface="Arial"/>
             </a:endParaRPr>
@@ -1759,7 +1203,7 @@
             <a:spLocks noGrp="1"/>
           </p:cNvSpPr>
           <p:nvPr>
-            <p:ph/>
+            <p:ph type="body"/>
           </p:nvPr>
         </p:nvSpPr>
         <p:spPr>
@@ -1770,80 +1214,15 @@
           <a:prstGeom prst="rect">
             <a:avLst/>
           </a:prstGeom>
-          <a:noFill/>
-          <a:ln w="0">
-            <a:noFill/>
-          </a:ln>
-        </p:spPr>
-        <p:txBody>
-          <a:bodyPr lIns="0" rIns="0" tIns="0" bIns="0" anchor="t">
+        </p:spPr>
+        <p:txBody>
+          <a:bodyPr lIns="0" rIns="0" tIns="0" bIns="0">
             <a:normAutofit/>
           </a:bodyPr>
           <a:p>
             <a:endParaRPr b="0" lang="ru-RU" sz="3200" spc="-1" strike="noStrike">
               <a:latin typeface="Arial"/>
             </a:endParaRPr>
-          </a:p>
-        </p:txBody>
-      </p:sp>
-      <p:sp>
-        <p:nvSpPr>
-          <p:cNvPr id="4" name="PlaceHolder 3"/>
-          <p:cNvSpPr>
-            <a:spLocks noGrp="1"/>
-          </p:cNvSpPr>
-          <p:nvPr>
-            <p:ph type="ftr" idx="4"/>
-          </p:nvPr>
-        </p:nvSpPr>
-        <p:spPr/>
-        <p:txBody>
-          <a:bodyPr/>
-          <a:p>
-            <a:r>
-              <a:t>Footer</a:t>
-            </a:r>
-          </a:p>
-        </p:txBody>
-      </p:sp>
-      <p:sp>
-        <p:nvSpPr>
-          <p:cNvPr id="5" name="PlaceHolder 4"/>
-          <p:cNvSpPr>
-            <a:spLocks noGrp="1"/>
-          </p:cNvSpPr>
-          <p:nvPr>
-            <p:ph type="sldNum" idx="5"/>
-          </p:nvPr>
-        </p:nvSpPr>
-        <p:spPr/>
-        <p:txBody>
-          <a:bodyPr/>
-          <a:p>
-            <a:fld id="{CF89CAA5-853C-4FBD-BE46-30E9FF06C5FE}" type="slidenum">
-              <a:t>&lt;#&gt;</a:t>
-            </a:fld>
-          </a:p>
-        </p:txBody>
-      </p:sp>
-      <p:sp>
-        <p:nvSpPr>
-          <p:cNvPr id="6" name="PlaceHolder 5"/>
-          <p:cNvSpPr>
-            <a:spLocks noGrp="1"/>
-          </p:cNvSpPr>
-          <p:nvPr>
-            <p:ph type="dt" idx="6"/>
-          </p:nvPr>
-        </p:nvSpPr>
-        <p:spPr/>
-        <p:txBody>
-          <a:bodyPr/>
-          <a:p>
-            <a:r>
-              <a:rPr lang="ru-RU"/>
-              <a:t/>
-            </a:r>
           </a:p>
         </p:txBody>
       </p:sp>
@@ -1887,19 +1266,13 @@
           <a:prstGeom prst="rect">
             <a:avLst/>
           </a:prstGeom>
-          <a:noFill/>
-          <a:ln w="0">
-            <a:noFill/>
-          </a:ln>
         </p:spPr>
         <p:txBody>
           <a:bodyPr lIns="0" rIns="0" tIns="0" bIns="0" anchor="ctr">
-            <a:noAutofit/>
-          </a:bodyPr>
-          <a:p>
-            <a:pPr algn="ctr">
-              <a:buNone/>
-            </a:pPr>
+            <a:spAutoFit/>
+          </a:bodyPr>
+          <a:p>
+            <a:pPr algn="ctr"/>
             <a:endParaRPr b="0" lang="ru-RU" sz="4400" spc="-1" strike="noStrike">
               <a:latin typeface="Arial"/>
             </a:endParaRPr>
@@ -1913,7 +1286,7 @@
             <a:spLocks noGrp="1"/>
           </p:cNvSpPr>
           <p:nvPr>
-            <p:ph/>
+            <p:ph type="body"/>
           </p:nvPr>
         </p:nvSpPr>
         <p:spPr>
@@ -1924,13 +1297,9 @@
           <a:prstGeom prst="rect">
             <a:avLst/>
           </a:prstGeom>
-          <a:noFill/>
-          <a:ln w="0">
-            <a:noFill/>
-          </a:ln>
-        </p:spPr>
-        <p:txBody>
-          <a:bodyPr lIns="0" rIns="0" tIns="0" bIns="0" anchor="t">
+        </p:spPr>
+        <p:txBody>
+          <a:bodyPr lIns="0" rIns="0" tIns="0" bIns="0">
             <a:normAutofit/>
           </a:bodyPr>
           <a:p>
@@ -1947,7 +1316,7 @@
             <a:spLocks noGrp="1"/>
           </p:cNvSpPr>
           <p:nvPr>
-            <p:ph/>
+            <p:ph type="body"/>
           </p:nvPr>
         </p:nvSpPr>
         <p:spPr>
@@ -1958,80 +1327,15 @@
           <a:prstGeom prst="rect">
             <a:avLst/>
           </a:prstGeom>
-          <a:noFill/>
-          <a:ln w="0">
-            <a:noFill/>
-          </a:ln>
-        </p:spPr>
-        <p:txBody>
-          <a:bodyPr lIns="0" rIns="0" tIns="0" bIns="0" anchor="t">
+        </p:spPr>
+        <p:txBody>
+          <a:bodyPr lIns="0" rIns="0" tIns="0" bIns="0">
             <a:normAutofit/>
           </a:bodyPr>
           <a:p>
             <a:endParaRPr b="0" lang="ru-RU" sz="3200" spc="-1" strike="noStrike">
               <a:latin typeface="Arial"/>
             </a:endParaRPr>
-          </a:p>
-        </p:txBody>
-      </p:sp>
-      <p:sp>
-        <p:nvSpPr>
-          <p:cNvPr id="5" name="PlaceHolder 4"/>
-          <p:cNvSpPr>
-            <a:spLocks noGrp="1"/>
-          </p:cNvSpPr>
-          <p:nvPr>
-            <p:ph type="ftr" idx="4"/>
-          </p:nvPr>
-        </p:nvSpPr>
-        <p:spPr/>
-        <p:txBody>
-          <a:bodyPr/>
-          <a:p>
-            <a:r>
-              <a:t>Footer</a:t>
-            </a:r>
-          </a:p>
-        </p:txBody>
-      </p:sp>
-      <p:sp>
-        <p:nvSpPr>
-          <p:cNvPr id="6" name="PlaceHolder 5"/>
-          <p:cNvSpPr>
-            <a:spLocks noGrp="1"/>
-          </p:cNvSpPr>
-          <p:nvPr>
-            <p:ph type="sldNum" idx="5"/>
-          </p:nvPr>
-        </p:nvSpPr>
-        <p:spPr/>
-        <p:txBody>
-          <a:bodyPr/>
-          <a:p>
-            <a:fld id="{35BA88E5-114D-458B-92AC-C724FD5EBCA3}" type="slidenum">
-              <a:t>&lt;#&gt;</a:t>
-            </a:fld>
-          </a:p>
-        </p:txBody>
-      </p:sp>
-      <p:sp>
-        <p:nvSpPr>
-          <p:cNvPr id="7" name="PlaceHolder 6"/>
-          <p:cNvSpPr>
-            <a:spLocks noGrp="1"/>
-          </p:cNvSpPr>
-          <p:nvPr>
-            <p:ph type="dt" idx="6"/>
-          </p:nvPr>
-        </p:nvSpPr>
-        <p:spPr/>
-        <p:txBody>
-          <a:bodyPr/>
-          <a:p>
-            <a:r>
-              <a:rPr lang="ru-RU"/>
-              <a:t/>
-            </a:r>
           </a:p>
         </p:txBody>
       </p:sp>
@@ -2075,83 +1379,16 @@
           <a:prstGeom prst="rect">
             <a:avLst/>
           </a:prstGeom>
-          <a:noFill/>
-          <a:ln w="0">
-            <a:noFill/>
-          </a:ln>
         </p:spPr>
         <p:txBody>
           <a:bodyPr lIns="0" rIns="0" tIns="0" bIns="0" anchor="ctr">
-            <a:noAutofit/>
-          </a:bodyPr>
-          <a:p>
-            <a:pPr algn="ctr">
-              <a:buNone/>
-            </a:pPr>
+            <a:spAutoFit/>
+          </a:bodyPr>
+          <a:p>
+            <a:pPr algn="ctr"/>
             <a:endParaRPr b="0" lang="ru-RU" sz="4400" spc="-1" strike="noStrike">
               <a:latin typeface="Arial"/>
             </a:endParaRPr>
-          </a:p>
-        </p:txBody>
-      </p:sp>
-      <p:sp>
-        <p:nvSpPr>
-          <p:cNvPr id="3" name="PlaceHolder 2"/>
-          <p:cNvSpPr>
-            <a:spLocks noGrp="1"/>
-          </p:cNvSpPr>
-          <p:nvPr>
-            <p:ph type="ftr" idx="4"/>
-          </p:nvPr>
-        </p:nvSpPr>
-        <p:spPr/>
-        <p:txBody>
-          <a:bodyPr/>
-          <a:p>
-            <a:r>
-              <a:t>Footer</a:t>
-            </a:r>
-          </a:p>
-        </p:txBody>
-      </p:sp>
-      <p:sp>
-        <p:nvSpPr>
-          <p:cNvPr id="4" name="PlaceHolder 3"/>
-          <p:cNvSpPr>
-            <a:spLocks noGrp="1"/>
-          </p:cNvSpPr>
-          <p:nvPr>
-            <p:ph type="sldNum" idx="5"/>
-          </p:nvPr>
-        </p:nvSpPr>
-        <p:spPr/>
-        <p:txBody>
-          <a:bodyPr/>
-          <a:p>
-            <a:fld id="{2525F4A1-75C9-4D9A-B4E1-BC21759A8516}" type="slidenum">
-              <a:t>&lt;#&gt;</a:t>
-            </a:fld>
-          </a:p>
-        </p:txBody>
-      </p:sp>
-      <p:sp>
-        <p:nvSpPr>
-          <p:cNvPr id="5" name="PlaceHolder 4"/>
-          <p:cNvSpPr>
-            <a:spLocks noGrp="1"/>
-          </p:cNvSpPr>
-          <p:nvPr>
-            <p:ph type="dt" idx="6"/>
-          </p:nvPr>
-        </p:nvSpPr>
-        <p:spPr/>
-        <p:txBody>
-          <a:bodyPr/>
-          <a:p>
-            <a:r>
-              <a:rPr lang="ru-RU"/>
-              <a:t/>
-            </a:r>
           </a:p>
         </p:txBody>
       </p:sp>
@@ -2195,83 +1432,16 @@
           <a:prstGeom prst="rect">
             <a:avLst/>
           </a:prstGeom>
-          <a:noFill/>
-          <a:ln w="0">
-            <a:noFill/>
-          </a:ln>
         </p:spPr>
         <p:txBody>
           <a:bodyPr lIns="0" rIns="0" tIns="0" bIns="0" anchor="ctr">
-            <a:noAutofit/>
-          </a:bodyPr>
-          <a:p>
-            <a:pPr algn="ctr">
-              <a:buNone/>
-            </a:pPr>
+            <a:spAutoFit/>
+          </a:bodyPr>
+          <a:p>
+            <a:pPr algn="ctr"/>
             <a:endParaRPr b="0" lang="ru-RU" sz="3200" spc="-1" strike="noStrike">
               <a:latin typeface="Arial"/>
             </a:endParaRPr>
-          </a:p>
-        </p:txBody>
-      </p:sp>
-      <p:sp>
-        <p:nvSpPr>
-          <p:cNvPr id="3" name="PlaceHolder 2"/>
-          <p:cNvSpPr>
-            <a:spLocks noGrp="1"/>
-          </p:cNvSpPr>
-          <p:nvPr>
-            <p:ph type="ftr" idx="4"/>
-          </p:nvPr>
-        </p:nvSpPr>
-        <p:spPr/>
-        <p:txBody>
-          <a:bodyPr/>
-          <a:p>
-            <a:r>
-              <a:t>Footer</a:t>
-            </a:r>
-          </a:p>
-        </p:txBody>
-      </p:sp>
-      <p:sp>
-        <p:nvSpPr>
-          <p:cNvPr id="4" name="PlaceHolder 3"/>
-          <p:cNvSpPr>
-            <a:spLocks noGrp="1"/>
-          </p:cNvSpPr>
-          <p:nvPr>
-            <p:ph type="sldNum" idx="5"/>
-          </p:nvPr>
-        </p:nvSpPr>
-        <p:spPr/>
-        <p:txBody>
-          <a:bodyPr/>
-          <a:p>
-            <a:fld id="{E03A2A25-1390-472B-AF4C-2DBF3F1F68DD}" type="slidenum">
-              <a:t>&lt;#&gt;</a:t>
-            </a:fld>
-          </a:p>
-        </p:txBody>
-      </p:sp>
-      <p:sp>
-        <p:nvSpPr>
-          <p:cNvPr id="5" name="PlaceHolder 4"/>
-          <p:cNvSpPr>
-            <a:spLocks noGrp="1"/>
-          </p:cNvSpPr>
-          <p:nvPr>
-            <p:ph type="dt" idx="6"/>
-          </p:nvPr>
-        </p:nvSpPr>
-        <p:spPr/>
-        <p:txBody>
-          <a:bodyPr/>
-          <a:p>
-            <a:r>
-              <a:rPr lang="ru-RU"/>
-              <a:t/>
-            </a:r>
           </a:p>
         </p:txBody>
       </p:sp>
@@ -2315,19 +1485,13 @@
           <a:prstGeom prst="rect">
             <a:avLst/>
           </a:prstGeom>
-          <a:noFill/>
-          <a:ln w="0">
-            <a:noFill/>
-          </a:ln>
         </p:spPr>
         <p:txBody>
           <a:bodyPr lIns="0" rIns="0" tIns="0" bIns="0" anchor="ctr">
-            <a:noAutofit/>
-          </a:bodyPr>
-          <a:p>
-            <a:pPr algn="ctr">
-              <a:buNone/>
-            </a:pPr>
+            <a:spAutoFit/>
+          </a:bodyPr>
+          <a:p>
+            <a:pPr algn="ctr"/>
             <a:endParaRPr b="0" lang="ru-RU" sz="4400" spc="-1" strike="noStrike">
               <a:latin typeface="Arial"/>
             </a:endParaRPr>
@@ -2341,7 +1505,7 @@
             <a:spLocks noGrp="1"/>
           </p:cNvSpPr>
           <p:nvPr>
-            <p:ph/>
+            <p:ph type="body"/>
           </p:nvPr>
         </p:nvSpPr>
         <p:spPr>
@@ -2352,13 +1516,9 @@
           <a:prstGeom prst="rect">
             <a:avLst/>
           </a:prstGeom>
-          <a:noFill/>
-          <a:ln w="0">
-            <a:noFill/>
-          </a:ln>
-        </p:spPr>
-        <p:txBody>
-          <a:bodyPr lIns="0" rIns="0" tIns="0" bIns="0" anchor="t">
+        </p:spPr>
+        <p:txBody>
+          <a:bodyPr lIns="0" rIns="0" tIns="0" bIns="0">
             <a:normAutofit/>
           </a:bodyPr>
           <a:p>
@@ -2375,7 +1535,7 @@
             <a:spLocks noGrp="1"/>
           </p:cNvSpPr>
           <p:nvPr>
-            <p:ph/>
+            <p:ph type="body"/>
           </p:nvPr>
         </p:nvSpPr>
         <p:spPr>
@@ -2386,13 +1546,9 @@
           <a:prstGeom prst="rect">
             <a:avLst/>
           </a:prstGeom>
-          <a:noFill/>
-          <a:ln w="0">
-            <a:noFill/>
-          </a:ln>
-        </p:spPr>
-        <p:txBody>
-          <a:bodyPr lIns="0" rIns="0" tIns="0" bIns="0" anchor="t">
+        </p:spPr>
+        <p:txBody>
+          <a:bodyPr lIns="0" rIns="0" tIns="0" bIns="0">
             <a:normAutofit/>
           </a:bodyPr>
           <a:p>
@@ -2409,7 +1565,7 @@
             <a:spLocks noGrp="1"/>
           </p:cNvSpPr>
           <p:nvPr>
-            <p:ph/>
+            <p:ph type="body"/>
           </p:nvPr>
         </p:nvSpPr>
         <p:spPr>
@@ -2420,80 +1576,15 @@
           <a:prstGeom prst="rect">
             <a:avLst/>
           </a:prstGeom>
-          <a:noFill/>
-          <a:ln w="0">
-            <a:noFill/>
-          </a:ln>
-        </p:spPr>
-        <p:txBody>
-          <a:bodyPr lIns="0" rIns="0" tIns="0" bIns="0" anchor="t">
+        </p:spPr>
+        <p:txBody>
+          <a:bodyPr lIns="0" rIns="0" tIns="0" bIns="0">
             <a:normAutofit/>
           </a:bodyPr>
           <a:p>
             <a:endParaRPr b="0" lang="ru-RU" sz="3200" spc="-1" strike="noStrike">
               <a:latin typeface="Arial"/>
             </a:endParaRPr>
-          </a:p>
-        </p:txBody>
-      </p:sp>
-      <p:sp>
-        <p:nvSpPr>
-          <p:cNvPr id="6" name="PlaceHolder 5"/>
-          <p:cNvSpPr>
-            <a:spLocks noGrp="1"/>
-          </p:cNvSpPr>
-          <p:nvPr>
-            <p:ph type="ftr" idx="4"/>
-          </p:nvPr>
-        </p:nvSpPr>
-        <p:spPr/>
-        <p:txBody>
-          <a:bodyPr/>
-          <a:p>
-            <a:r>
-              <a:t>Footer</a:t>
-            </a:r>
-          </a:p>
-        </p:txBody>
-      </p:sp>
-      <p:sp>
-        <p:nvSpPr>
-          <p:cNvPr id="7" name="PlaceHolder 6"/>
-          <p:cNvSpPr>
-            <a:spLocks noGrp="1"/>
-          </p:cNvSpPr>
-          <p:nvPr>
-            <p:ph type="sldNum" idx="5"/>
-          </p:nvPr>
-        </p:nvSpPr>
-        <p:spPr/>
-        <p:txBody>
-          <a:bodyPr/>
-          <a:p>
-            <a:fld id="{8ABA0708-98A3-4394-973C-C165996756BF}" type="slidenum">
-              <a:t>&lt;#&gt;</a:t>
-            </a:fld>
-          </a:p>
-        </p:txBody>
-      </p:sp>
-      <p:sp>
-        <p:nvSpPr>
-          <p:cNvPr id="8" name="PlaceHolder 7"/>
-          <p:cNvSpPr>
-            <a:spLocks noGrp="1"/>
-          </p:cNvSpPr>
-          <p:nvPr>
-            <p:ph type="dt" idx="6"/>
-          </p:nvPr>
-        </p:nvSpPr>
-        <p:spPr/>
-        <p:txBody>
-          <a:bodyPr/>
-          <a:p>
-            <a:r>
-              <a:rPr lang="ru-RU"/>
-              <a:t/>
-            </a:r>
           </a:p>
         </p:txBody>
       </p:sp>
@@ -2537,19 +1628,13 @@
           <a:prstGeom prst="rect">
             <a:avLst/>
           </a:prstGeom>
-          <a:noFill/>
-          <a:ln w="0">
-            <a:noFill/>
-          </a:ln>
         </p:spPr>
         <p:txBody>
           <a:bodyPr lIns="0" rIns="0" tIns="0" bIns="0" anchor="ctr">
-            <a:noAutofit/>
-          </a:bodyPr>
-          <a:p>
-            <a:pPr algn="ctr">
-              <a:buNone/>
-            </a:pPr>
+            <a:spAutoFit/>
+          </a:bodyPr>
+          <a:p>
+            <a:pPr algn="ctr"/>
             <a:endParaRPr b="0" lang="ru-RU" sz="4400" spc="-1" strike="noStrike">
               <a:latin typeface="Arial"/>
             </a:endParaRPr>
@@ -2574,83 +1659,16 @@
           <a:prstGeom prst="rect">
             <a:avLst/>
           </a:prstGeom>
-          <a:noFill/>
-          <a:ln w="0">
-            <a:noFill/>
-          </a:ln>
         </p:spPr>
         <p:txBody>
           <a:bodyPr lIns="0" rIns="0" tIns="0" bIns="0" anchor="ctr">
-            <a:noAutofit/>
-          </a:bodyPr>
-          <a:p>
-            <a:pPr algn="ctr">
-              <a:buNone/>
-            </a:pPr>
+            <a:spAutoFit/>
+          </a:bodyPr>
+          <a:p>
+            <a:pPr algn="ctr"/>
             <a:endParaRPr b="0" lang="ru-RU" sz="3200" spc="-1" strike="noStrike">
               <a:latin typeface="Arial"/>
             </a:endParaRPr>
-          </a:p>
-        </p:txBody>
-      </p:sp>
-      <p:sp>
-        <p:nvSpPr>
-          <p:cNvPr id="4" name="PlaceHolder 3"/>
-          <p:cNvSpPr>
-            <a:spLocks noGrp="1"/>
-          </p:cNvSpPr>
-          <p:nvPr>
-            <p:ph type="ftr" idx="1"/>
-          </p:nvPr>
-        </p:nvSpPr>
-        <p:spPr/>
-        <p:txBody>
-          <a:bodyPr/>
-          <a:p>
-            <a:r>
-              <a:t>Footer</a:t>
-            </a:r>
-          </a:p>
-        </p:txBody>
-      </p:sp>
-      <p:sp>
-        <p:nvSpPr>
-          <p:cNvPr id="5" name="PlaceHolder 4"/>
-          <p:cNvSpPr>
-            <a:spLocks noGrp="1"/>
-          </p:cNvSpPr>
-          <p:nvPr>
-            <p:ph type="sldNum" idx="2"/>
-          </p:nvPr>
-        </p:nvSpPr>
-        <p:spPr/>
-        <p:txBody>
-          <a:bodyPr/>
-          <a:p>
-            <a:fld id="{1D48961E-CABF-4B48-9310-5FD7F7CB492C}" type="slidenum">
-              <a:t>&lt;#&gt;</a:t>
-            </a:fld>
-          </a:p>
-        </p:txBody>
-      </p:sp>
-      <p:sp>
-        <p:nvSpPr>
-          <p:cNvPr id="6" name="PlaceHolder 5"/>
-          <p:cNvSpPr>
-            <a:spLocks noGrp="1"/>
-          </p:cNvSpPr>
-          <p:nvPr>
-            <p:ph type="dt" idx="3"/>
-          </p:nvPr>
-        </p:nvSpPr>
-        <p:spPr/>
-        <p:txBody>
-          <a:bodyPr/>
-          <a:p>
-            <a:r>
-              <a:rPr lang="ru-RU"/>
-              <a:t/>
-            </a:r>
           </a:p>
         </p:txBody>
       </p:sp>
@@ -2694,19 +1712,13 @@
           <a:prstGeom prst="rect">
             <a:avLst/>
           </a:prstGeom>
-          <a:noFill/>
-          <a:ln w="0">
-            <a:noFill/>
-          </a:ln>
         </p:spPr>
         <p:txBody>
           <a:bodyPr lIns="0" rIns="0" tIns="0" bIns="0" anchor="ctr">
-            <a:noAutofit/>
-          </a:bodyPr>
-          <a:p>
-            <a:pPr algn="ctr">
-              <a:buNone/>
-            </a:pPr>
+            <a:spAutoFit/>
+          </a:bodyPr>
+          <a:p>
+            <a:pPr algn="ctr"/>
             <a:endParaRPr b="0" lang="ru-RU" sz="4400" spc="-1" strike="noStrike">
               <a:latin typeface="Arial"/>
             </a:endParaRPr>
@@ -2720,7 +1732,7 @@
             <a:spLocks noGrp="1"/>
           </p:cNvSpPr>
           <p:nvPr>
-            <p:ph/>
+            <p:ph type="body"/>
           </p:nvPr>
         </p:nvSpPr>
         <p:spPr>
@@ -2731,13 +1743,9 @@
           <a:prstGeom prst="rect">
             <a:avLst/>
           </a:prstGeom>
-          <a:noFill/>
-          <a:ln w="0">
-            <a:noFill/>
-          </a:ln>
-        </p:spPr>
-        <p:txBody>
-          <a:bodyPr lIns="0" rIns="0" tIns="0" bIns="0" anchor="t">
+        </p:spPr>
+        <p:txBody>
+          <a:bodyPr lIns="0" rIns="0" tIns="0" bIns="0">
             <a:normAutofit/>
           </a:bodyPr>
           <a:p>
@@ -2754,7 +1762,7 @@
             <a:spLocks noGrp="1"/>
           </p:cNvSpPr>
           <p:nvPr>
-            <p:ph/>
+            <p:ph type="body"/>
           </p:nvPr>
         </p:nvSpPr>
         <p:spPr>
@@ -2765,13 +1773,9 @@
           <a:prstGeom prst="rect">
             <a:avLst/>
           </a:prstGeom>
-          <a:noFill/>
-          <a:ln w="0">
-            <a:noFill/>
-          </a:ln>
-        </p:spPr>
-        <p:txBody>
-          <a:bodyPr lIns="0" rIns="0" tIns="0" bIns="0" anchor="t">
+        </p:spPr>
+        <p:txBody>
+          <a:bodyPr lIns="0" rIns="0" tIns="0" bIns="0">
             <a:normAutofit/>
           </a:bodyPr>
           <a:p>
@@ -2788,7 +1792,7 @@
             <a:spLocks noGrp="1"/>
           </p:cNvSpPr>
           <p:nvPr>
-            <p:ph/>
+            <p:ph type="body"/>
           </p:nvPr>
         </p:nvSpPr>
         <p:spPr>
@@ -2799,80 +1803,15 @@
           <a:prstGeom prst="rect">
             <a:avLst/>
           </a:prstGeom>
-          <a:noFill/>
-          <a:ln w="0">
-            <a:noFill/>
-          </a:ln>
-        </p:spPr>
-        <p:txBody>
-          <a:bodyPr lIns="0" rIns="0" tIns="0" bIns="0" anchor="t">
+        </p:spPr>
+        <p:txBody>
+          <a:bodyPr lIns="0" rIns="0" tIns="0" bIns="0">
             <a:normAutofit/>
           </a:bodyPr>
           <a:p>
             <a:endParaRPr b="0" lang="ru-RU" sz="3200" spc="-1" strike="noStrike">
               <a:latin typeface="Arial"/>
             </a:endParaRPr>
-          </a:p>
-        </p:txBody>
-      </p:sp>
-      <p:sp>
-        <p:nvSpPr>
-          <p:cNvPr id="6" name="PlaceHolder 5"/>
-          <p:cNvSpPr>
-            <a:spLocks noGrp="1"/>
-          </p:cNvSpPr>
-          <p:nvPr>
-            <p:ph type="ftr" idx="4"/>
-          </p:nvPr>
-        </p:nvSpPr>
-        <p:spPr/>
-        <p:txBody>
-          <a:bodyPr/>
-          <a:p>
-            <a:r>
-              <a:t>Footer</a:t>
-            </a:r>
-          </a:p>
-        </p:txBody>
-      </p:sp>
-      <p:sp>
-        <p:nvSpPr>
-          <p:cNvPr id="7" name="PlaceHolder 6"/>
-          <p:cNvSpPr>
-            <a:spLocks noGrp="1"/>
-          </p:cNvSpPr>
-          <p:nvPr>
-            <p:ph type="sldNum" idx="5"/>
-          </p:nvPr>
-        </p:nvSpPr>
-        <p:spPr/>
-        <p:txBody>
-          <a:bodyPr/>
-          <a:p>
-            <a:fld id="{81E863CD-3BAD-4CC3-A750-B2225FE81B26}" type="slidenum">
-              <a:t>&lt;#&gt;</a:t>
-            </a:fld>
-          </a:p>
-        </p:txBody>
-      </p:sp>
-      <p:sp>
-        <p:nvSpPr>
-          <p:cNvPr id="8" name="PlaceHolder 7"/>
-          <p:cNvSpPr>
-            <a:spLocks noGrp="1"/>
-          </p:cNvSpPr>
-          <p:nvPr>
-            <p:ph type="dt" idx="6"/>
-          </p:nvPr>
-        </p:nvSpPr>
-        <p:spPr/>
-        <p:txBody>
-          <a:bodyPr/>
-          <a:p>
-            <a:r>
-              <a:rPr lang="ru-RU"/>
-              <a:t/>
-            </a:r>
           </a:p>
         </p:txBody>
       </p:sp>
@@ -2916,19 +1855,13 @@
           <a:prstGeom prst="rect">
             <a:avLst/>
           </a:prstGeom>
-          <a:noFill/>
-          <a:ln w="0">
-            <a:noFill/>
-          </a:ln>
         </p:spPr>
         <p:txBody>
           <a:bodyPr lIns="0" rIns="0" tIns="0" bIns="0" anchor="ctr">
-            <a:noAutofit/>
-          </a:bodyPr>
-          <a:p>
-            <a:pPr algn="ctr">
-              <a:buNone/>
-            </a:pPr>
+            <a:spAutoFit/>
+          </a:bodyPr>
+          <a:p>
+            <a:pPr algn="ctr"/>
             <a:endParaRPr b="0" lang="ru-RU" sz="4400" spc="-1" strike="noStrike">
               <a:latin typeface="Arial"/>
             </a:endParaRPr>
@@ -2942,7 +1875,7 @@
             <a:spLocks noGrp="1"/>
           </p:cNvSpPr>
           <p:nvPr>
-            <p:ph/>
+            <p:ph type="body"/>
           </p:nvPr>
         </p:nvSpPr>
         <p:spPr>
@@ -2953,13 +1886,9 @@
           <a:prstGeom prst="rect">
             <a:avLst/>
           </a:prstGeom>
-          <a:noFill/>
-          <a:ln w="0">
-            <a:noFill/>
-          </a:ln>
-        </p:spPr>
-        <p:txBody>
-          <a:bodyPr lIns="0" rIns="0" tIns="0" bIns="0" anchor="t">
+        </p:spPr>
+        <p:txBody>
+          <a:bodyPr lIns="0" rIns="0" tIns="0" bIns="0">
             <a:normAutofit/>
           </a:bodyPr>
           <a:p>
@@ -2976,7 +1905,7 @@
             <a:spLocks noGrp="1"/>
           </p:cNvSpPr>
           <p:nvPr>
-            <p:ph/>
+            <p:ph type="body"/>
           </p:nvPr>
         </p:nvSpPr>
         <p:spPr>
@@ -2987,13 +1916,9 @@
           <a:prstGeom prst="rect">
             <a:avLst/>
           </a:prstGeom>
-          <a:noFill/>
-          <a:ln w="0">
-            <a:noFill/>
-          </a:ln>
-        </p:spPr>
-        <p:txBody>
-          <a:bodyPr lIns="0" rIns="0" tIns="0" bIns="0" anchor="t">
+        </p:spPr>
+        <p:txBody>
+          <a:bodyPr lIns="0" rIns="0" tIns="0" bIns="0">
             <a:normAutofit/>
           </a:bodyPr>
           <a:p>
@@ -3010,7 +1935,7 @@
             <a:spLocks noGrp="1"/>
           </p:cNvSpPr>
           <p:nvPr>
-            <p:ph/>
+            <p:ph type="body"/>
           </p:nvPr>
         </p:nvSpPr>
         <p:spPr>
@@ -3021,80 +1946,15 @@
           <a:prstGeom prst="rect">
             <a:avLst/>
           </a:prstGeom>
-          <a:noFill/>
-          <a:ln w="0">
-            <a:noFill/>
-          </a:ln>
-        </p:spPr>
-        <p:txBody>
-          <a:bodyPr lIns="0" rIns="0" tIns="0" bIns="0" anchor="t">
+        </p:spPr>
+        <p:txBody>
+          <a:bodyPr lIns="0" rIns="0" tIns="0" bIns="0">
             <a:normAutofit/>
           </a:bodyPr>
           <a:p>
             <a:endParaRPr b="0" lang="ru-RU" sz="3200" spc="-1" strike="noStrike">
               <a:latin typeface="Arial"/>
             </a:endParaRPr>
-          </a:p>
-        </p:txBody>
-      </p:sp>
-      <p:sp>
-        <p:nvSpPr>
-          <p:cNvPr id="6" name="PlaceHolder 5"/>
-          <p:cNvSpPr>
-            <a:spLocks noGrp="1"/>
-          </p:cNvSpPr>
-          <p:nvPr>
-            <p:ph type="ftr" idx="4"/>
-          </p:nvPr>
-        </p:nvSpPr>
-        <p:spPr/>
-        <p:txBody>
-          <a:bodyPr/>
-          <a:p>
-            <a:r>
-              <a:t>Footer</a:t>
-            </a:r>
-          </a:p>
-        </p:txBody>
-      </p:sp>
-      <p:sp>
-        <p:nvSpPr>
-          <p:cNvPr id="7" name="PlaceHolder 6"/>
-          <p:cNvSpPr>
-            <a:spLocks noGrp="1"/>
-          </p:cNvSpPr>
-          <p:nvPr>
-            <p:ph type="sldNum" idx="5"/>
-          </p:nvPr>
-        </p:nvSpPr>
-        <p:spPr/>
-        <p:txBody>
-          <a:bodyPr/>
-          <a:p>
-            <a:fld id="{4AE23DCD-B6E3-460D-9E77-CA4E7F40A8B6}" type="slidenum">
-              <a:t>&lt;#&gt;</a:t>
-            </a:fld>
-          </a:p>
-        </p:txBody>
-      </p:sp>
-      <p:sp>
-        <p:nvSpPr>
-          <p:cNvPr id="8" name="PlaceHolder 7"/>
-          <p:cNvSpPr>
-            <a:spLocks noGrp="1"/>
-          </p:cNvSpPr>
-          <p:nvPr>
-            <p:ph type="dt" idx="6"/>
-          </p:nvPr>
-        </p:nvSpPr>
-        <p:spPr/>
-        <p:txBody>
-          <a:bodyPr/>
-          <a:p>
-            <a:r>
-              <a:rPr lang="ru-RU"/>
-              <a:t/>
-            </a:r>
           </a:p>
         </p:txBody>
       </p:sp>
@@ -3138,19 +1998,13 @@
           <a:prstGeom prst="rect">
             <a:avLst/>
           </a:prstGeom>
-          <a:noFill/>
-          <a:ln w="0">
-            <a:noFill/>
-          </a:ln>
         </p:spPr>
         <p:txBody>
           <a:bodyPr lIns="0" rIns="0" tIns="0" bIns="0" anchor="ctr">
-            <a:noAutofit/>
-          </a:bodyPr>
-          <a:p>
-            <a:pPr algn="ctr">
-              <a:buNone/>
-            </a:pPr>
+            <a:spAutoFit/>
+          </a:bodyPr>
+          <a:p>
+            <a:pPr algn="ctr"/>
             <a:endParaRPr b="0" lang="ru-RU" sz="4400" spc="-1" strike="noStrike">
               <a:latin typeface="Arial"/>
             </a:endParaRPr>
@@ -3164,7 +2018,7 @@
             <a:spLocks noGrp="1"/>
           </p:cNvSpPr>
           <p:nvPr>
-            <p:ph/>
+            <p:ph type="body"/>
           </p:nvPr>
         </p:nvSpPr>
         <p:spPr>
@@ -3175,13 +2029,9 @@
           <a:prstGeom prst="rect">
             <a:avLst/>
           </a:prstGeom>
-          <a:noFill/>
-          <a:ln w="0">
-            <a:noFill/>
-          </a:ln>
-        </p:spPr>
-        <p:txBody>
-          <a:bodyPr lIns="0" rIns="0" tIns="0" bIns="0" anchor="t">
+        </p:spPr>
+        <p:txBody>
+          <a:bodyPr lIns="0" rIns="0" tIns="0" bIns="0">
             <a:normAutofit/>
           </a:bodyPr>
           <a:p>
@@ -3198,7 +2048,7 @@
             <a:spLocks noGrp="1"/>
           </p:cNvSpPr>
           <p:nvPr>
-            <p:ph/>
+            <p:ph type="body"/>
           </p:nvPr>
         </p:nvSpPr>
         <p:spPr>
@@ -3209,80 +2059,15 @@
           <a:prstGeom prst="rect">
             <a:avLst/>
           </a:prstGeom>
-          <a:noFill/>
-          <a:ln w="0">
-            <a:noFill/>
-          </a:ln>
-        </p:spPr>
-        <p:txBody>
-          <a:bodyPr lIns="0" rIns="0" tIns="0" bIns="0" anchor="t">
+        </p:spPr>
+        <p:txBody>
+          <a:bodyPr lIns="0" rIns="0" tIns="0" bIns="0">
             <a:normAutofit/>
           </a:bodyPr>
           <a:p>
             <a:endParaRPr b="0" lang="ru-RU" sz="3200" spc="-1" strike="noStrike">
               <a:latin typeface="Arial"/>
             </a:endParaRPr>
-          </a:p>
-        </p:txBody>
-      </p:sp>
-      <p:sp>
-        <p:nvSpPr>
-          <p:cNvPr id="5" name="PlaceHolder 4"/>
-          <p:cNvSpPr>
-            <a:spLocks noGrp="1"/>
-          </p:cNvSpPr>
-          <p:nvPr>
-            <p:ph type="ftr" idx="4"/>
-          </p:nvPr>
-        </p:nvSpPr>
-        <p:spPr/>
-        <p:txBody>
-          <a:bodyPr/>
-          <a:p>
-            <a:r>
-              <a:t>Footer</a:t>
-            </a:r>
-          </a:p>
-        </p:txBody>
-      </p:sp>
-      <p:sp>
-        <p:nvSpPr>
-          <p:cNvPr id="6" name="PlaceHolder 5"/>
-          <p:cNvSpPr>
-            <a:spLocks noGrp="1"/>
-          </p:cNvSpPr>
-          <p:nvPr>
-            <p:ph type="sldNum" idx="5"/>
-          </p:nvPr>
-        </p:nvSpPr>
-        <p:spPr/>
-        <p:txBody>
-          <a:bodyPr/>
-          <a:p>
-            <a:fld id="{413F9321-8D3F-4CC3-B828-6361F3AF11BE}" type="slidenum">
-              <a:t>&lt;#&gt;</a:t>
-            </a:fld>
-          </a:p>
-        </p:txBody>
-      </p:sp>
-      <p:sp>
-        <p:nvSpPr>
-          <p:cNvPr id="7" name="PlaceHolder 6"/>
-          <p:cNvSpPr>
-            <a:spLocks noGrp="1"/>
-          </p:cNvSpPr>
-          <p:nvPr>
-            <p:ph type="dt" idx="6"/>
-          </p:nvPr>
-        </p:nvSpPr>
-        <p:spPr/>
-        <p:txBody>
-          <a:bodyPr/>
-          <a:p>
-            <a:r>
-              <a:rPr lang="ru-RU"/>
-              <a:t/>
-            </a:r>
           </a:p>
         </p:txBody>
       </p:sp>
@@ -3326,19 +2111,13 @@
           <a:prstGeom prst="rect">
             <a:avLst/>
           </a:prstGeom>
-          <a:noFill/>
-          <a:ln w="0">
-            <a:noFill/>
-          </a:ln>
         </p:spPr>
         <p:txBody>
           <a:bodyPr lIns="0" rIns="0" tIns="0" bIns="0" anchor="ctr">
-            <a:noAutofit/>
-          </a:bodyPr>
-          <a:p>
-            <a:pPr algn="ctr">
-              <a:buNone/>
-            </a:pPr>
+            <a:spAutoFit/>
+          </a:bodyPr>
+          <a:p>
+            <a:pPr algn="ctr"/>
             <a:endParaRPr b="0" lang="ru-RU" sz="4400" spc="-1" strike="noStrike">
               <a:latin typeface="Arial"/>
             </a:endParaRPr>
@@ -3352,7 +2131,7 @@
             <a:spLocks noGrp="1"/>
           </p:cNvSpPr>
           <p:nvPr>
-            <p:ph/>
+            <p:ph type="body"/>
           </p:nvPr>
         </p:nvSpPr>
         <p:spPr>
@@ -3363,13 +2142,9 @@
           <a:prstGeom prst="rect">
             <a:avLst/>
           </a:prstGeom>
-          <a:noFill/>
-          <a:ln w="0">
-            <a:noFill/>
-          </a:ln>
-        </p:spPr>
-        <p:txBody>
-          <a:bodyPr lIns="0" rIns="0" tIns="0" bIns="0" anchor="t">
+        </p:spPr>
+        <p:txBody>
+          <a:bodyPr lIns="0" rIns="0" tIns="0" bIns="0">
             <a:normAutofit/>
           </a:bodyPr>
           <a:p>
@@ -3386,7 +2161,7 @@
             <a:spLocks noGrp="1"/>
           </p:cNvSpPr>
           <p:nvPr>
-            <p:ph/>
+            <p:ph type="body"/>
           </p:nvPr>
         </p:nvSpPr>
         <p:spPr>
@@ -3397,13 +2172,9 @@
           <a:prstGeom prst="rect">
             <a:avLst/>
           </a:prstGeom>
-          <a:noFill/>
-          <a:ln w="0">
-            <a:noFill/>
-          </a:ln>
-        </p:spPr>
-        <p:txBody>
-          <a:bodyPr lIns="0" rIns="0" tIns="0" bIns="0" anchor="t">
+        </p:spPr>
+        <p:txBody>
+          <a:bodyPr lIns="0" rIns="0" tIns="0" bIns="0">
             <a:normAutofit/>
           </a:bodyPr>
           <a:p>
@@ -3420,7 +2191,7 @@
             <a:spLocks noGrp="1"/>
           </p:cNvSpPr>
           <p:nvPr>
-            <p:ph/>
+            <p:ph type="body"/>
           </p:nvPr>
         </p:nvSpPr>
         <p:spPr>
@@ -3431,13 +2202,9 @@
           <a:prstGeom prst="rect">
             <a:avLst/>
           </a:prstGeom>
-          <a:noFill/>
-          <a:ln w="0">
-            <a:noFill/>
-          </a:ln>
-        </p:spPr>
-        <p:txBody>
-          <a:bodyPr lIns="0" rIns="0" tIns="0" bIns="0" anchor="t">
+        </p:spPr>
+        <p:txBody>
+          <a:bodyPr lIns="0" rIns="0" tIns="0" bIns="0">
             <a:normAutofit/>
           </a:bodyPr>
           <a:p>
@@ -3454,7 +2221,7 @@
             <a:spLocks noGrp="1"/>
           </p:cNvSpPr>
           <p:nvPr>
-            <p:ph/>
+            <p:ph type="body"/>
           </p:nvPr>
         </p:nvSpPr>
         <p:spPr>
@@ -3465,80 +2232,15 @@
           <a:prstGeom prst="rect">
             <a:avLst/>
           </a:prstGeom>
-          <a:noFill/>
-          <a:ln w="0">
-            <a:noFill/>
-          </a:ln>
-        </p:spPr>
-        <p:txBody>
-          <a:bodyPr lIns="0" rIns="0" tIns="0" bIns="0" anchor="t">
+        </p:spPr>
+        <p:txBody>
+          <a:bodyPr lIns="0" rIns="0" tIns="0" bIns="0">
             <a:normAutofit/>
           </a:bodyPr>
           <a:p>
             <a:endParaRPr b="0" lang="ru-RU" sz="3200" spc="-1" strike="noStrike">
               <a:latin typeface="Arial"/>
             </a:endParaRPr>
-          </a:p>
-        </p:txBody>
-      </p:sp>
-      <p:sp>
-        <p:nvSpPr>
-          <p:cNvPr id="7" name="PlaceHolder 6"/>
-          <p:cNvSpPr>
-            <a:spLocks noGrp="1"/>
-          </p:cNvSpPr>
-          <p:nvPr>
-            <p:ph type="ftr" idx="4"/>
-          </p:nvPr>
-        </p:nvSpPr>
-        <p:spPr/>
-        <p:txBody>
-          <a:bodyPr/>
-          <a:p>
-            <a:r>
-              <a:t>Footer</a:t>
-            </a:r>
-          </a:p>
-        </p:txBody>
-      </p:sp>
-      <p:sp>
-        <p:nvSpPr>
-          <p:cNvPr id="8" name="PlaceHolder 7"/>
-          <p:cNvSpPr>
-            <a:spLocks noGrp="1"/>
-          </p:cNvSpPr>
-          <p:nvPr>
-            <p:ph type="sldNum" idx="5"/>
-          </p:nvPr>
-        </p:nvSpPr>
-        <p:spPr/>
-        <p:txBody>
-          <a:bodyPr/>
-          <a:p>
-            <a:fld id="{95046CF5-593D-47BE-95BE-5E03A6A2F9EF}" type="slidenum">
-              <a:t>&lt;#&gt;</a:t>
-            </a:fld>
-          </a:p>
-        </p:txBody>
-      </p:sp>
-      <p:sp>
-        <p:nvSpPr>
-          <p:cNvPr id="9" name="PlaceHolder 8"/>
-          <p:cNvSpPr>
-            <a:spLocks noGrp="1"/>
-          </p:cNvSpPr>
-          <p:nvPr>
-            <p:ph type="dt" idx="6"/>
-          </p:nvPr>
-        </p:nvSpPr>
-        <p:spPr/>
-        <p:txBody>
-          <a:bodyPr/>
-          <a:p>
-            <a:r>
-              <a:rPr lang="ru-RU"/>
-              <a:t/>
-            </a:r>
           </a:p>
         </p:txBody>
       </p:sp>
@@ -3582,19 +2284,13 @@
           <a:prstGeom prst="rect">
             <a:avLst/>
           </a:prstGeom>
-          <a:noFill/>
-          <a:ln w="0">
-            <a:noFill/>
-          </a:ln>
         </p:spPr>
         <p:txBody>
           <a:bodyPr lIns="0" rIns="0" tIns="0" bIns="0" anchor="ctr">
-            <a:noAutofit/>
-          </a:bodyPr>
-          <a:p>
-            <a:pPr algn="ctr">
-              <a:buNone/>
-            </a:pPr>
+            <a:spAutoFit/>
+          </a:bodyPr>
+          <a:p>
+            <a:pPr algn="ctr"/>
             <a:endParaRPr b="0" lang="ru-RU" sz="4400" spc="-1" strike="noStrike">
               <a:latin typeface="Arial"/>
             </a:endParaRPr>
@@ -3608,7 +2304,7 @@
             <a:spLocks noGrp="1"/>
           </p:cNvSpPr>
           <p:nvPr>
-            <p:ph/>
+            <p:ph type="body"/>
           </p:nvPr>
         </p:nvSpPr>
         <p:spPr>
@@ -3619,14 +2315,10 @@
           <a:prstGeom prst="rect">
             <a:avLst/>
           </a:prstGeom>
-          <a:noFill/>
-          <a:ln w="0">
-            <a:noFill/>
-          </a:ln>
-        </p:spPr>
-        <p:txBody>
-          <a:bodyPr lIns="0" rIns="0" tIns="0" bIns="0" anchor="t">
-            <a:normAutofit fontScale="91000"/>
+        </p:spPr>
+        <p:txBody>
+          <a:bodyPr lIns="0" rIns="0" tIns="0" bIns="0">
+            <a:normAutofit/>
           </a:bodyPr>
           <a:p>
             <a:endParaRPr b="0" lang="ru-RU" sz="3200" spc="-1" strike="noStrike">
@@ -3642,7 +2334,7 @@
             <a:spLocks noGrp="1"/>
           </p:cNvSpPr>
           <p:nvPr>
-            <p:ph/>
+            <p:ph type="body"/>
           </p:nvPr>
         </p:nvSpPr>
         <p:spPr>
@@ -3653,14 +2345,10 @@
           <a:prstGeom prst="rect">
             <a:avLst/>
           </a:prstGeom>
-          <a:noFill/>
-          <a:ln w="0">
-            <a:noFill/>
-          </a:ln>
-        </p:spPr>
-        <p:txBody>
-          <a:bodyPr lIns="0" rIns="0" tIns="0" bIns="0" anchor="t">
-            <a:normAutofit fontScale="91000"/>
+        </p:spPr>
+        <p:txBody>
+          <a:bodyPr lIns="0" rIns="0" tIns="0" bIns="0">
+            <a:normAutofit/>
           </a:bodyPr>
           <a:p>
             <a:endParaRPr b="0" lang="ru-RU" sz="3200" spc="-1" strike="noStrike">
@@ -3676,7 +2364,7 @@
             <a:spLocks noGrp="1"/>
           </p:cNvSpPr>
           <p:nvPr>
-            <p:ph/>
+            <p:ph type="body"/>
           </p:nvPr>
         </p:nvSpPr>
         <p:spPr>
@@ -3687,14 +2375,10 @@
           <a:prstGeom prst="rect">
             <a:avLst/>
           </a:prstGeom>
-          <a:noFill/>
-          <a:ln w="0">
-            <a:noFill/>
-          </a:ln>
-        </p:spPr>
-        <p:txBody>
-          <a:bodyPr lIns="0" rIns="0" tIns="0" bIns="0" anchor="t">
-            <a:normAutofit fontScale="91000"/>
+        </p:spPr>
+        <p:txBody>
+          <a:bodyPr lIns="0" rIns="0" tIns="0" bIns="0">
+            <a:normAutofit/>
           </a:bodyPr>
           <a:p>
             <a:endParaRPr b="0" lang="ru-RU" sz="3200" spc="-1" strike="noStrike">
@@ -3710,7 +2394,7 @@
             <a:spLocks noGrp="1"/>
           </p:cNvSpPr>
           <p:nvPr>
-            <p:ph/>
+            <p:ph type="body"/>
           </p:nvPr>
         </p:nvSpPr>
         <p:spPr>
@@ -3721,14 +2405,10 @@
           <a:prstGeom prst="rect">
             <a:avLst/>
           </a:prstGeom>
-          <a:noFill/>
-          <a:ln w="0">
-            <a:noFill/>
-          </a:ln>
-        </p:spPr>
-        <p:txBody>
-          <a:bodyPr lIns="0" rIns="0" tIns="0" bIns="0" anchor="t">
-            <a:normAutofit fontScale="91000"/>
+        </p:spPr>
+        <p:txBody>
+          <a:bodyPr lIns="0" rIns="0" tIns="0" bIns="0">
+            <a:normAutofit/>
           </a:bodyPr>
           <a:p>
             <a:endParaRPr b="0" lang="ru-RU" sz="3200" spc="-1" strike="noStrike">
@@ -3744,7 +2424,7 @@
             <a:spLocks noGrp="1"/>
           </p:cNvSpPr>
           <p:nvPr>
-            <p:ph/>
+            <p:ph type="body"/>
           </p:nvPr>
         </p:nvSpPr>
         <p:spPr>
@@ -3755,14 +2435,10 @@
           <a:prstGeom prst="rect">
             <a:avLst/>
           </a:prstGeom>
-          <a:noFill/>
-          <a:ln w="0">
-            <a:noFill/>
-          </a:ln>
-        </p:spPr>
-        <p:txBody>
-          <a:bodyPr lIns="0" rIns="0" tIns="0" bIns="0" anchor="t">
-            <a:normAutofit fontScale="91000"/>
+        </p:spPr>
+        <p:txBody>
+          <a:bodyPr lIns="0" rIns="0" tIns="0" bIns="0">
+            <a:normAutofit/>
           </a:bodyPr>
           <a:p>
             <a:endParaRPr b="0" lang="ru-RU" sz="3200" spc="-1" strike="noStrike">
@@ -3778,7 +2454,7 @@
             <a:spLocks noGrp="1"/>
           </p:cNvSpPr>
           <p:nvPr>
-            <p:ph/>
+            <p:ph type="body"/>
           </p:nvPr>
         </p:nvSpPr>
         <p:spPr>
@@ -3789,14 +2465,10 @@
           <a:prstGeom prst="rect">
             <a:avLst/>
           </a:prstGeom>
-          <a:noFill/>
-          <a:ln w="0">
-            <a:noFill/>
-          </a:ln>
-        </p:spPr>
-        <p:txBody>
-          <a:bodyPr lIns="0" rIns="0" tIns="0" bIns="0" anchor="t">
-            <a:normAutofit fontScale="91000"/>
+        </p:spPr>
+        <p:txBody>
+          <a:bodyPr lIns="0" rIns="0" tIns="0" bIns="0">
+            <a:normAutofit/>
           </a:bodyPr>
           <a:p>
             <a:endParaRPr b="0" lang="ru-RU" sz="3200" spc="-1" strike="noStrike">
@@ -3805,64 +2477,358 @@
           </a:p>
         </p:txBody>
       </p:sp>
-      <p:sp>
-        <p:nvSpPr>
-          <p:cNvPr id="9" name="PlaceHolder 8"/>
-          <p:cNvSpPr>
-            <a:spLocks noGrp="1"/>
-          </p:cNvSpPr>
-          <p:nvPr>
-            <p:ph type="ftr" idx="4"/>
-          </p:nvPr>
-        </p:nvSpPr>
-        <p:spPr/>
-        <p:txBody>
-          <a:bodyPr/>
-          <a:p>
-            <a:r>
-              <a:t>Footer</a:t>
-            </a:r>
-          </a:p>
-        </p:txBody>
-      </p:sp>
-      <p:sp>
-        <p:nvSpPr>
-          <p:cNvPr id="10" name="PlaceHolder 9"/>
-          <p:cNvSpPr>
-            <a:spLocks noGrp="1"/>
-          </p:cNvSpPr>
-          <p:nvPr>
-            <p:ph type="sldNum" idx="5"/>
-          </p:nvPr>
-        </p:nvSpPr>
-        <p:spPr/>
-        <p:txBody>
-          <a:bodyPr/>
-          <a:p>
-            <a:fld id="{4D2EB52B-8DB7-4F36-A5F0-D6E71C539696}" type="slidenum">
-              <a:t>&lt;#&gt;</a:t>
-            </a:fld>
-          </a:p>
-        </p:txBody>
-      </p:sp>
-      <p:sp>
-        <p:nvSpPr>
-          <p:cNvPr id="11" name="PlaceHolder 10"/>
-          <p:cNvSpPr>
-            <a:spLocks noGrp="1"/>
-          </p:cNvSpPr>
-          <p:nvPr>
-            <p:ph type="dt" idx="6"/>
-          </p:nvPr>
-        </p:nvSpPr>
-        <p:spPr/>
-        <p:txBody>
-          <a:bodyPr/>
-          <a:p>
-            <a:r>
-              <a:rPr lang="ru-RU"/>
-              <a:t/>
-            </a:r>
+    </p:spTree>
+  </p:cSld>
+</p:sldLayout>
+</file>
+
+<file path=ppt/slideLayouts/slideLayout25.xml><?xml version="1.0" encoding="utf-8"?>
+<p:sldLayout xmlns:a="http://schemas.openxmlformats.org/drawingml/2006/main" xmlns:p="http://schemas.openxmlformats.org/presentationml/2006/main" xmlns:r="http://schemas.openxmlformats.org/officeDocument/2006/relationships" xmlns:p14="http://schemas.microsoft.com/office/powerpoint/2010/main" xmlns:p15="http://schemas.microsoft.com/office/powerpoint/2012/main" xmlns:mc="http://schemas.openxmlformats.org/markup-compatibility/2006" type="blank" preserve="1">
+  <p:cSld name="Blank Slide">
+    <p:spTree>
+      <p:nvGrpSpPr>
+        <p:cNvPr id="1" name=""/>
+        <p:cNvGrpSpPr/>
+        <p:nvPr/>
+      </p:nvGrpSpPr>
+      <p:grpSpPr>
+        <a:xfrm>
+          <a:off x="0" y="0"/>
+          <a:ext cx="0" cy="0"/>
+          <a:chOff x="0" y="0"/>
+          <a:chExt cx="0" cy="0"/>
+        </a:xfrm>
+      </p:grpSpPr>
+    </p:spTree>
+  </p:cSld>
+</p:sldLayout>
+</file>
+
+<file path=ppt/slideLayouts/slideLayout26.xml><?xml version="1.0" encoding="utf-8"?>
+<p:sldLayout xmlns:a="http://schemas.openxmlformats.org/drawingml/2006/main" xmlns:p="http://schemas.openxmlformats.org/presentationml/2006/main" xmlns:r="http://schemas.openxmlformats.org/officeDocument/2006/relationships" xmlns:p14="http://schemas.microsoft.com/office/powerpoint/2010/main" xmlns:p15="http://schemas.microsoft.com/office/powerpoint/2012/main" xmlns:mc="http://schemas.openxmlformats.org/markup-compatibility/2006" type="tx" preserve="1">
+  <p:cSld name="Title Slide">
+    <p:spTree>
+      <p:nvGrpSpPr>
+        <p:cNvPr id="1" name=""/>
+        <p:cNvGrpSpPr/>
+        <p:nvPr/>
+      </p:nvGrpSpPr>
+      <p:grpSpPr>
+        <a:xfrm>
+          <a:off x="0" y="0"/>
+          <a:ext cx="0" cy="0"/>
+          <a:chOff x="0" y="0"/>
+          <a:chExt cx="0" cy="0"/>
+        </a:xfrm>
+      </p:grpSpPr>
+      <p:sp>
+        <p:nvSpPr>
+          <p:cNvPr id="110" name="PlaceHolder 1"/>
+          <p:cNvSpPr>
+            <a:spLocks noGrp="1"/>
+          </p:cNvSpPr>
+          <p:nvPr>
+            <p:ph type="title"/>
+          </p:nvPr>
+        </p:nvSpPr>
+        <p:spPr>
+          <a:xfrm>
+            <a:off x="609480" y="221040"/>
+            <a:ext cx="10972440" cy="1250280"/>
+          </a:xfrm>
+          <a:prstGeom prst="rect">
+            <a:avLst/>
+          </a:prstGeom>
+        </p:spPr>
+        <p:txBody>
+          <a:bodyPr lIns="0" rIns="0" tIns="0" bIns="0" anchor="ctr">
+            <a:spAutoFit/>
+          </a:bodyPr>
+          <a:p>
+            <a:pPr algn="ctr"/>
+            <a:endParaRPr b="0" lang="ru-RU" sz="4400" spc="-1" strike="noStrike">
+              <a:latin typeface="Arial"/>
+            </a:endParaRPr>
+          </a:p>
+        </p:txBody>
+      </p:sp>
+      <p:sp>
+        <p:nvSpPr>
+          <p:cNvPr id="111" name="PlaceHolder 2"/>
+          <p:cNvSpPr>
+            <a:spLocks noGrp="1"/>
+          </p:cNvSpPr>
+          <p:nvPr>
+            <p:ph type="subTitle"/>
+          </p:nvPr>
+        </p:nvSpPr>
+        <p:spPr>
+          <a:xfrm>
+            <a:off x="609480" y="1604520"/>
+            <a:ext cx="10972440" cy="3977280"/>
+          </a:xfrm>
+          <a:prstGeom prst="rect">
+            <a:avLst/>
+          </a:prstGeom>
+        </p:spPr>
+        <p:txBody>
+          <a:bodyPr lIns="0" rIns="0" tIns="0" bIns="0" anchor="ctr">
+            <a:spAutoFit/>
+          </a:bodyPr>
+          <a:p>
+            <a:pPr algn="ctr"/>
+            <a:endParaRPr b="0" lang="ru-RU" sz="3200" spc="-1" strike="noStrike">
+              <a:latin typeface="Arial"/>
+            </a:endParaRPr>
+          </a:p>
+        </p:txBody>
+      </p:sp>
+    </p:spTree>
+  </p:cSld>
+</p:sldLayout>
+</file>
+
+<file path=ppt/slideLayouts/slideLayout27.xml><?xml version="1.0" encoding="utf-8"?>
+<p:sldLayout xmlns:a="http://schemas.openxmlformats.org/drawingml/2006/main" xmlns:p="http://schemas.openxmlformats.org/presentationml/2006/main" xmlns:r="http://schemas.openxmlformats.org/officeDocument/2006/relationships" xmlns:p14="http://schemas.microsoft.com/office/powerpoint/2010/main" xmlns:p15="http://schemas.microsoft.com/office/powerpoint/2012/main" xmlns:mc="http://schemas.openxmlformats.org/markup-compatibility/2006" type="obj" preserve="1">
+  <p:cSld name="Title, Content">
+    <p:spTree>
+      <p:nvGrpSpPr>
+        <p:cNvPr id="1" name=""/>
+        <p:cNvGrpSpPr/>
+        <p:nvPr/>
+      </p:nvGrpSpPr>
+      <p:grpSpPr>
+        <a:xfrm>
+          <a:off x="0" y="0"/>
+          <a:ext cx="0" cy="0"/>
+          <a:chOff x="0" y="0"/>
+          <a:chExt cx="0" cy="0"/>
+        </a:xfrm>
+      </p:grpSpPr>
+      <p:sp>
+        <p:nvSpPr>
+          <p:cNvPr id="112" name="PlaceHolder 1"/>
+          <p:cNvSpPr>
+            <a:spLocks noGrp="1"/>
+          </p:cNvSpPr>
+          <p:nvPr>
+            <p:ph type="title"/>
+          </p:nvPr>
+        </p:nvSpPr>
+        <p:spPr>
+          <a:xfrm>
+            <a:off x="609480" y="221040"/>
+            <a:ext cx="10972440" cy="1250280"/>
+          </a:xfrm>
+          <a:prstGeom prst="rect">
+            <a:avLst/>
+          </a:prstGeom>
+        </p:spPr>
+        <p:txBody>
+          <a:bodyPr lIns="0" rIns="0" tIns="0" bIns="0" anchor="ctr">
+            <a:spAutoFit/>
+          </a:bodyPr>
+          <a:p>
+            <a:pPr algn="ctr"/>
+            <a:endParaRPr b="0" lang="ru-RU" sz="4400" spc="-1" strike="noStrike">
+              <a:latin typeface="Arial"/>
+            </a:endParaRPr>
+          </a:p>
+        </p:txBody>
+      </p:sp>
+      <p:sp>
+        <p:nvSpPr>
+          <p:cNvPr id="113" name="PlaceHolder 2"/>
+          <p:cNvSpPr>
+            <a:spLocks noGrp="1"/>
+          </p:cNvSpPr>
+          <p:nvPr>
+            <p:ph type="body"/>
+          </p:nvPr>
+        </p:nvSpPr>
+        <p:spPr>
+          <a:xfrm>
+            <a:off x="609480" y="1604520"/>
+            <a:ext cx="10972440" cy="3977280"/>
+          </a:xfrm>
+          <a:prstGeom prst="rect">
+            <a:avLst/>
+          </a:prstGeom>
+        </p:spPr>
+        <p:txBody>
+          <a:bodyPr lIns="0" rIns="0" tIns="0" bIns="0">
+            <a:normAutofit/>
+          </a:bodyPr>
+          <a:p>
+            <a:endParaRPr b="0" lang="ru-RU" sz="3200" spc="-1" strike="noStrike">
+              <a:latin typeface="Arial"/>
+            </a:endParaRPr>
+          </a:p>
+        </p:txBody>
+      </p:sp>
+    </p:spTree>
+  </p:cSld>
+</p:sldLayout>
+</file>
+
+<file path=ppt/slideLayouts/slideLayout28.xml><?xml version="1.0" encoding="utf-8"?>
+<p:sldLayout xmlns:a="http://schemas.openxmlformats.org/drawingml/2006/main" xmlns:p="http://schemas.openxmlformats.org/presentationml/2006/main" xmlns:r="http://schemas.openxmlformats.org/officeDocument/2006/relationships" xmlns:p14="http://schemas.microsoft.com/office/powerpoint/2010/main" xmlns:p15="http://schemas.microsoft.com/office/powerpoint/2012/main" xmlns:mc="http://schemas.openxmlformats.org/markup-compatibility/2006" type="twoObj" preserve="1">
+  <p:cSld name="Title, 2 Content">
+    <p:spTree>
+      <p:nvGrpSpPr>
+        <p:cNvPr id="1" name=""/>
+        <p:cNvGrpSpPr/>
+        <p:nvPr/>
+      </p:nvGrpSpPr>
+      <p:grpSpPr>
+        <a:xfrm>
+          <a:off x="0" y="0"/>
+          <a:ext cx="0" cy="0"/>
+          <a:chOff x="0" y="0"/>
+          <a:chExt cx="0" cy="0"/>
+        </a:xfrm>
+      </p:grpSpPr>
+      <p:sp>
+        <p:nvSpPr>
+          <p:cNvPr id="114" name="PlaceHolder 1"/>
+          <p:cNvSpPr>
+            <a:spLocks noGrp="1"/>
+          </p:cNvSpPr>
+          <p:nvPr>
+            <p:ph type="title"/>
+          </p:nvPr>
+        </p:nvSpPr>
+        <p:spPr>
+          <a:xfrm>
+            <a:off x="609480" y="221040"/>
+            <a:ext cx="10972440" cy="1250280"/>
+          </a:xfrm>
+          <a:prstGeom prst="rect">
+            <a:avLst/>
+          </a:prstGeom>
+        </p:spPr>
+        <p:txBody>
+          <a:bodyPr lIns="0" rIns="0" tIns="0" bIns="0" anchor="ctr">
+            <a:spAutoFit/>
+          </a:bodyPr>
+          <a:p>
+            <a:pPr algn="ctr"/>
+            <a:endParaRPr b="0" lang="ru-RU" sz="4400" spc="-1" strike="noStrike">
+              <a:latin typeface="Arial"/>
+            </a:endParaRPr>
+          </a:p>
+        </p:txBody>
+      </p:sp>
+      <p:sp>
+        <p:nvSpPr>
+          <p:cNvPr id="115" name="PlaceHolder 2"/>
+          <p:cNvSpPr>
+            <a:spLocks noGrp="1"/>
+          </p:cNvSpPr>
+          <p:nvPr>
+            <p:ph type="body"/>
+          </p:nvPr>
+        </p:nvSpPr>
+        <p:spPr>
+          <a:xfrm>
+            <a:off x="609480" y="1604520"/>
+            <a:ext cx="5354280" cy="3977280"/>
+          </a:xfrm>
+          <a:prstGeom prst="rect">
+            <a:avLst/>
+          </a:prstGeom>
+        </p:spPr>
+        <p:txBody>
+          <a:bodyPr lIns="0" rIns="0" tIns="0" bIns="0">
+            <a:normAutofit/>
+          </a:bodyPr>
+          <a:p>
+            <a:endParaRPr b="0" lang="ru-RU" sz="3200" spc="-1" strike="noStrike">
+              <a:latin typeface="Arial"/>
+            </a:endParaRPr>
+          </a:p>
+        </p:txBody>
+      </p:sp>
+      <p:sp>
+        <p:nvSpPr>
+          <p:cNvPr id="116" name="PlaceHolder 3"/>
+          <p:cNvSpPr>
+            <a:spLocks noGrp="1"/>
+          </p:cNvSpPr>
+          <p:nvPr>
+            <p:ph type="body"/>
+          </p:nvPr>
+        </p:nvSpPr>
+        <p:spPr>
+          <a:xfrm>
+            <a:off x="6231960" y="1604520"/>
+            <a:ext cx="5354280" cy="3977280"/>
+          </a:xfrm>
+          <a:prstGeom prst="rect">
+            <a:avLst/>
+          </a:prstGeom>
+        </p:spPr>
+        <p:txBody>
+          <a:bodyPr lIns="0" rIns="0" tIns="0" bIns="0">
+            <a:normAutofit/>
+          </a:bodyPr>
+          <a:p>
+            <a:endParaRPr b="0" lang="ru-RU" sz="3200" spc="-1" strike="noStrike">
+              <a:latin typeface="Arial"/>
+            </a:endParaRPr>
+          </a:p>
+        </p:txBody>
+      </p:sp>
+    </p:spTree>
+  </p:cSld>
+</p:sldLayout>
+</file>
+
+<file path=ppt/slideLayouts/slideLayout29.xml><?xml version="1.0" encoding="utf-8"?>
+<p:sldLayout xmlns:a="http://schemas.openxmlformats.org/drawingml/2006/main" xmlns:p="http://schemas.openxmlformats.org/presentationml/2006/main" xmlns:r="http://schemas.openxmlformats.org/officeDocument/2006/relationships" xmlns:p14="http://schemas.microsoft.com/office/powerpoint/2010/main" xmlns:p15="http://schemas.microsoft.com/office/powerpoint/2012/main" xmlns:mc="http://schemas.openxmlformats.org/markup-compatibility/2006" type="titleOnly" preserve="1">
+  <p:cSld name="Title Only">
+    <p:spTree>
+      <p:nvGrpSpPr>
+        <p:cNvPr id="1" name=""/>
+        <p:cNvGrpSpPr/>
+        <p:nvPr/>
+      </p:nvGrpSpPr>
+      <p:grpSpPr>
+        <a:xfrm>
+          <a:off x="0" y="0"/>
+          <a:ext cx="0" cy="0"/>
+          <a:chOff x="0" y="0"/>
+          <a:chExt cx="0" cy="0"/>
+        </a:xfrm>
+      </p:grpSpPr>
+      <p:sp>
+        <p:nvSpPr>
+          <p:cNvPr id="117" name="PlaceHolder 1"/>
+          <p:cNvSpPr>
+            <a:spLocks noGrp="1"/>
+          </p:cNvSpPr>
+          <p:nvPr>
+            <p:ph type="title"/>
+          </p:nvPr>
+        </p:nvSpPr>
+        <p:spPr>
+          <a:xfrm>
+            <a:off x="609480" y="221040"/>
+            <a:ext cx="10972440" cy="1250280"/>
+          </a:xfrm>
+          <a:prstGeom prst="rect">
+            <a:avLst/>
+          </a:prstGeom>
+        </p:spPr>
+        <p:txBody>
+          <a:bodyPr lIns="0" rIns="0" tIns="0" bIns="0" anchor="ctr">
+            <a:spAutoFit/>
+          </a:bodyPr>
+          <a:p>
+            <a:pPr algn="ctr"/>
+            <a:endParaRPr b="0" lang="ru-RU" sz="4400" spc="-1" strike="noStrike">
+              <a:latin typeface="Arial"/>
+            </a:endParaRPr>
           </a:p>
         </p:txBody>
       </p:sp>
@@ -3906,19 +2872,13 @@
           <a:prstGeom prst="rect">
             <a:avLst/>
           </a:prstGeom>
-          <a:noFill/>
-          <a:ln w="0">
-            <a:noFill/>
-          </a:ln>
         </p:spPr>
         <p:txBody>
           <a:bodyPr lIns="0" rIns="0" tIns="0" bIns="0" anchor="ctr">
-            <a:noAutofit/>
-          </a:bodyPr>
-          <a:p>
-            <a:pPr algn="ctr">
-              <a:buNone/>
-            </a:pPr>
+            <a:spAutoFit/>
+          </a:bodyPr>
+          <a:p>
+            <a:pPr algn="ctr"/>
             <a:endParaRPr b="0" lang="ru-RU" sz="4400" spc="-1" strike="noStrike">
               <a:latin typeface="Arial"/>
             </a:endParaRPr>
@@ -3932,7 +2892,7 @@
             <a:spLocks noGrp="1"/>
           </p:cNvSpPr>
           <p:nvPr>
-            <p:ph/>
+            <p:ph type="body"/>
           </p:nvPr>
         </p:nvSpPr>
         <p:spPr>
@@ -3943,13 +2903,9 @@
           <a:prstGeom prst="rect">
             <a:avLst/>
           </a:prstGeom>
-          <a:noFill/>
-          <a:ln w="0">
-            <a:noFill/>
-          </a:ln>
-        </p:spPr>
-        <p:txBody>
-          <a:bodyPr lIns="0" rIns="0" tIns="0" bIns="0" anchor="t">
+        </p:spPr>
+        <p:txBody>
+          <a:bodyPr lIns="0" rIns="0" tIns="0" bIns="0">
             <a:normAutofit/>
           </a:bodyPr>
           <a:p>
@@ -3959,64 +2915,1004 @@
           </a:p>
         </p:txBody>
       </p:sp>
-      <p:sp>
-        <p:nvSpPr>
-          <p:cNvPr id="4" name="PlaceHolder 3"/>
-          <p:cNvSpPr>
-            <a:spLocks noGrp="1"/>
-          </p:cNvSpPr>
-          <p:nvPr>
-            <p:ph type="ftr" idx="1"/>
-          </p:nvPr>
-        </p:nvSpPr>
-        <p:spPr/>
-        <p:txBody>
-          <a:bodyPr/>
-          <a:p>
-            <a:r>
-              <a:t>Footer</a:t>
-            </a:r>
-          </a:p>
-        </p:txBody>
-      </p:sp>
-      <p:sp>
-        <p:nvSpPr>
-          <p:cNvPr id="5" name="PlaceHolder 4"/>
-          <p:cNvSpPr>
-            <a:spLocks noGrp="1"/>
-          </p:cNvSpPr>
-          <p:nvPr>
-            <p:ph type="sldNum" idx="2"/>
-          </p:nvPr>
-        </p:nvSpPr>
-        <p:spPr/>
-        <p:txBody>
-          <a:bodyPr/>
-          <a:p>
-            <a:fld id="{0617FB52-CF60-4CB1-BD8F-7262BAE495E8}" type="slidenum">
-              <a:t>&lt;#&gt;</a:t>
-            </a:fld>
-          </a:p>
-        </p:txBody>
-      </p:sp>
-      <p:sp>
-        <p:nvSpPr>
-          <p:cNvPr id="6" name="PlaceHolder 5"/>
-          <p:cNvSpPr>
-            <a:spLocks noGrp="1"/>
-          </p:cNvSpPr>
-          <p:nvPr>
-            <p:ph type="dt" idx="3"/>
-          </p:nvPr>
-        </p:nvSpPr>
-        <p:spPr/>
-        <p:txBody>
-          <a:bodyPr/>
-          <a:p>
-            <a:r>
-              <a:rPr lang="ru-RU"/>
-              <a:t/>
-            </a:r>
+    </p:spTree>
+  </p:cSld>
+</p:sldLayout>
+</file>
+
+<file path=ppt/slideLayouts/slideLayout30.xml><?xml version="1.0" encoding="utf-8"?>
+<p:sldLayout xmlns:a="http://schemas.openxmlformats.org/drawingml/2006/main" xmlns:p="http://schemas.openxmlformats.org/presentationml/2006/main" xmlns:r="http://schemas.openxmlformats.org/officeDocument/2006/relationships" xmlns:p14="http://schemas.microsoft.com/office/powerpoint/2010/main" xmlns:p15="http://schemas.microsoft.com/office/powerpoint/2012/main" xmlns:mc="http://schemas.openxmlformats.org/markup-compatibility/2006" type="objOnly" preserve="1">
+  <p:cSld name="Centered Text">
+    <p:spTree>
+      <p:nvGrpSpPr>
+        <p:cNvPr id="1" name=""/>
+        <p:cNvGrpSpPr/>
+        <p:nvPr/>
+      </p:nvGrpSpPr>
+      <p:grpSpPr>
+        <a:xfrm>
+          <a:off x="0" y="0"/>
+          <a:ext cx="0" cy="0"/>
+          <a:chOff x="0" y="0"/>
+          <a:chExt cx="0" cy="0"/>
+        </a:xfrm>
+      </p:grpSpPr>
+      <p:sp>
+        <p:nvSpPr>
+          <p:cNvPr id="118" name="PlaceHolder 1"/>
+          <p:cNvSpPr>
+            <a:spLocks noGrp="1"/>
+          </p:cNvSpPr>
+          <p:nvPr>
+            <p:ph type="subTitle"/>
+          </p:nvPr>
+        </p:nvSpPr>
+        <p:spPr>
+          <a:xfrm>
+            <a:off x="609480" y="273600"/>
+            <a:ext cx="10972440" cy="5307840"/>
+          </a:xfrm>
+          <a:prstGeom prst="rect">
+            <a:avLst/>
+          </a:prstGeom>
+        </p:spPr>
+        <p:txBody>
+          <a:bodyPr lIns="0" rIns="0" tIns="0" bIns="0" anchor="ctr">
+            <a:spAutoFit/>
+          </a:bodyPr>
+          <a:p>
+            <a:pPr algn="ctr"/>
+            <a:endParaRPr b="0" lang="ru-RU" sz="3200" spc="-1" strike="noStrike">
+              <a:latin typeface="Arial"/>
+            </a:endParaRPr>
+          </a:p>
+        </p:txBody>
+      </p:sp>
+    </p:spTree>
+  </p:cSld>
+</p:sldLayout>
+</file>
+
+<file path=ppt/slideLayouts/slideLayout31.xml><?xml version="1.0" encoding="utf-8"?>
+<p:sldLayout xmlns:a="http://schemas.openxmlformats.org/drawingml/2006/main" xmlns:p="http://schemas.openxmlformats.org/presentationml/2006/main" xmlns:r="http://schemas.openxmlformats.org/officeDocument/2006/relationships" xmlns:p14="http://schemas.microsoft.com/office/powerpoint/2010/main" xmlns:p15="http://schemas.microsoft.com/office/powerpoint/2012/main" xmlns:mc="http://schemas.openxmlformats.org/markup-compatibility/2006" type="twoObjAndObj" preserve="1">
+  <p:cSld name="Title, 2 Content and Content">
+    <p:spTree>
+      <p:nvGrpSpPr>
+        <p:cNvPr id="1" name=""/>
+        <p:cNvGrpSpPr/>
+        <p:nvPr/>
+      </p:nvGrpSpPr>
+      <p:grpSpPr>
+        <a:xfrm>
+          <a:off x="0" y="0"/>
+          <a:ext cx="0" cy="0"/>
+          <a:chOff x="0" y="0"/>
+          <a:chExt cx="0" cy="0"/>
+        </a:xfrm>
+      </p:grpSpPr>
+      <p:sp>
+        <p:nvSpPr>
+          <p:cNvPr id="119" name="PlaceHolder 1"/>
+          <p:cNvSpPr>
+            <a:spLocks noGrp="1"/>
+          </p:cNvSpPr>
+          <p:nvPr>
+            <p:ph type="title"/>
+          </p:nvPr>
+        </p:nvSpPr>
+        <p:spPr>
+          <a:xfrm>
+            <a:off x="609480" y="221040"/>
+            <a:ext cx="10972440" cy="1250280"/>
+          </a:xfrm>
+          <a:prstGeom prst="rect">
+            <a:avLst/>
+          </a:prstGeom>
+        </p:spPr>
+        <p:txBody>
+          <a:bodyPr lIns="0" rIns="0" tIns="0" bIns="0" anchor="ctr">
+            <a:spAutoFit/>
+          </a:bodyPr>
+          <a:p>
+            <a:pPr algn="ctr"/>
+            <a:endParaRPr b="0" lang="ru-RU" sz="4400" spc="-1" strike="noStrike">
+              <a:latin typeface="Arial"/>
+            </a:endParaRPr>
+          </a:p>
+        </p:txBody>
+      </p:sp>
+      <p:sp>
+        <p:nvSpPr>
+          <p:cNvPr id="120" name="PlaceHolder 2"/>
+          <p:cNvSpPr>
+            <a:spLocks noGrp="1"/>
+          </p:cNvSpPr>
+          <p:nvPr>
+            <p:ph type="body"/>
+          </p:nvPr>
+        </p:nvSpPr>
+        <p:spPr>
+          <a:xfrm>
+            <a:off x="609480" y="1604520"/>
+            <a:ext cx="5354280" cy="1896840"/>
+          </a:xfrm>
+          <a:prstGeom prst="rect">
+            <a:avLst/>
+          </a:prstGeom>
+        </p:spPr>
+        <p:txBody>
+          <a:bodyPr lIns="0" rIns="0" tIns="0" bIns="0">
+            <a:normAutofit/>
+          </a:bodyPr>
+          <a:p>
+            <a:endParaRPr b="0" lang="ru-RU" sz="3200" spc="-1" strike="noStrike">
+              <a:latin typeface="Arial"/>
+            </a:endParaRPr>
+          </a:p>
+        </p:txBody>
+      </p:sp>
+      <p:sp>
+        <p:nvSpPr>
+          <p:cNvPr id="121" name="PlaceHolder 3"/>
+          <p:cNvSpPr>
+            <a:spLocks noGrp="1"/>
+          </p:cNvSpPr>
+          <p:nvPr>
+            <p:ph type="body"/>
+          </p:nvPr>
+        </p:nvSpPr>
+        <p:spPr>
+          <a:xfrm>
+            <a:off x="6231960" y="1604520"/>
+            <a:ext cx="5354280" cy="3977280"/>
+          </a:xfrm>
+          <a:prstGeom prst="rect">
+            <a:avLst/>
+          </a:prstGeom>
+        </p:spPr>
+        <p:txBody>
+          <a:bodyPr lIns="0" rIns="0" tIns="0" bIns="0">
+            <a:normAutofit/>
+          </a:bodyPr>
+          <a:p>
+            <a:endParaRPr b="0" lang="ru-RU" sz="3200" spc="-1" strike="noStrike">
+              <a:latin typeface="Arial"/>
+            </a:endParaRPr>
+          </a:p>
+        </p:txBody>
+      </p:sp>
+      <p:sp>
+        <p:nvSpPr>
+          <p:cNvPr id="122" name="PlaceHolder 4"/>
+          <p:cNvSpPr>
+            <a:spLocks noGrp="1"/>
+          </p:cNvSpPr>
+          <p:nvPr>
+            <p:ph type="body"/>
+          </p:nvPr>
+        </p:nvSpPr>
+        <p:spPr>
+          <a:xfrm>
+            <a:off x="609480" y="3682080"/>
+            <a:ext cx="5354280" cy="1896840"/>
+          </a:xfrm>
+          <a:prstGeom prst="rect">
+            <a:avLst/>
+          </a:prstGeom>
+        </p:spPr>
+        <p:txBody>
+          <a:bodyPr lIns="0" rIns="0" tIns="0" bIns="0">
+            <a:normAutofit/>
+          </a:bodyPr>
+          <a:p>
+            <a:endParaRPr b="0" lang="ru-RU" sz="3200" spc="-1" strike="noStrike">
+              <a:latin typeface="Arial"/>
+            </a:endParaRPr>
+          </a:p>
+        </p:txBody>
+      </p:sp>
+    </p:spTree>
+  </p:cSld>
+</p:sldLayout>
+</file>
+
+<file path=ppt/slideLayouts/slideLayout32.xml><?xml version="1.0" encoding="utf-8"?>
+<p:sldLayout xmlns:a="http://schemas.openxmlformats.org/drawingml/2006/main" xmlns:p="http://schemas.openxmlformats.org/presentationml/2006/main" xmlns:r="http://schemas.openxmlformats.org/officeDocument/2006/relationships" xmlns:p14="http://schemas.microsoft.com/office/powerpoint/2010/main" xmlns:p15="http://schemas.microsoft.com/office/powerpoint/2012/main" xmlns:mc="http://schemas.openxmlformats.org/markup-compatibility/2006" type="objAndTwoObj" preserve="1">
+  <p:cSld name="Title Content and 2 Content">
+    <p:spTree>
+      <p:nvGrpSpPr>
+        <p:cNvPr id="1" name=""/>
+        <p:cNvGrpSpPr/>
+        <p:nvPr/>
+      </p:nvGrpSpPr>
+      <p:grpSpPr>
+        <a:xfrm>
+          <a:off x="0" y="0"/>
+          <a:ext cx="0" cy="0"/>
+          <a:chOff x="0" y="0"/>
+          <a:chExt cx="0" cy="0"/>
+        </a:xfrm>
+      </p:grpSpPr>
+      <p:sp>
+        <p:nvSpPr>
+          <p:cNvPr id="123" name="PlaceHolder 1"/>
+          <p:cNvSpPr>
+            <a:spLocks noGrp="1"/>
+          </p:cNvSpPr>
+          <p:nvPr>
+            <p:ph type="title"/>
+          </p:nvPr>
+        </p:nvSpPr>
+        <p:spPr>
+          <a:xfrm>
+            <a:off x="609480" y="221040"/>
+            <a:ext cx="10972440" cy="1250280"/>
+          </a:xfrm>
+          <a:prstGeom prst="rect">
+            <a:avLst/>
+          </a:prstGeom>
+        </p:spPr>
+        <p:txBody>
+          <a:bodyPr lIns="0" rIns="0" tIns="0" bIns="0" anchor="ctr">
+            <a:spAutoFit/>
+          </a:bodyPr>
+          <a:p>
+            <a:pPr algn="ctr"/>
+            <a:endParaRPr b="0" lang="ru-RU" sz="4400" spc="-1" strike="noStrike">
+              <a:latin typeface="Arial"/>
+            </a:endParaRPr>
+          </a:p>
+        </p:txBody>
+      </p:sp>
+      <p:sp>
+        <p:nvSpPr>
+          <p:cNvPr id="124" name="PlaceHolder 2"/>
+          <p:cNvSpPr>
+            <a:spLocks noGrp="1"/>
+          </p:cNvSpPr>
+          <p:nvPr>
+            <p:ph type="body"/>
+          </p:nvPr>
+        </p:nvSpPr>
+        <p:spPr>
+          <a:xfrm>
+            <a:off x="609480" y="1604520"/>
+            <a:ext cx="5354280" cy="3977280"/>
+          </a:xfrm>
+          <a:prstGeom prst="rect">
+            <a:avLst/>
+          </a:prstGeom>
+        </p:spPr>
+        <p:txBody>
+          <a:bodyPr lIns="0" rIns="0" tIns="0" bIns="0">
+            <a:normAutofit/>
+          </a:bodyPr>
+          <a:p>
+            <a:endParaRPr b="0" lang="ru-RU" sz="3200" spc="-1" strike="noStrike">
+              <a:latin typeface="Arial"/>
+            </a:endParaRPr>
+          </a:p>
+        </p:txBody>
+      </p:sp>
+      <p:sp>
+        <p:nvSpPr>
+          <p:cNvPr id="125" name="PlaceHolder 3"/>
+          <p:cNvSpPr>
+            <a:spLocks noGrp="1"/>
+          </p:cNvSpPr>
+          <p:nvPr>
+            <p:ph type="body"/>
+          </p:nvPr>
+        </p:nvSpPr>
+        <p:spPr>
+          <a:xfrm>
+            <a:off x="6231960" y="1604520"/>
+            <a:ext cx="5354280" cy="1896840"/>
+          </a:xfrm>
+          <a:prstGeom prst="rect">
+            <a:avLst/>
+          </a:prstGeom>
+        </p:spPr>
+        <p:txBody>
+          <a:bodyPr lIns="0" rIns="0" tIns="0" bIns="0">
+            <a:normAutofit/>
+          </a:bodyPr>
+          <a:p>
+            <a:endParaRPr b="0" lang="ru-RU" sz="3200" spc="-1" strike="noStrike">
+              <a:latin typeface="Arial"/>
+            </a:endParaRPr>
+          </a:p>
+        </p:txBody>
+      </p:sp>
+      <p:sp>
+        <p:nvSpPr>
+          <p:cNvPr id="126" name="PlaceHolder 4"/>
+          <p:cNvSpPr>
+            <a:spLocks noGrp="1"/>
+          </p:cNvSpPr>
+          <p:nvPr>
+            <p:ph type="body"/>
+          </p:nvPr>
+        </p:nvSpPr>
+        <p:spPr>
+          <a:xfrm>
+            <a:off x="6231960" y="3682080"/>
+            <a:ext cx="5354280" cy="1896840"/>
+          </a:xfrm>
+          <a:prstGeom prst="rect">
+            <a:avLst/>
+          </a:prstGeom>
+        </p:spPr>
+        <p:txBody>
+          <a:bodyPr lIns="0" rIns="0" tIns="0" bIns="0">
+            <a:normAutofit/>
+          </a:bodyPr>
+          <a:p>
+            <a:endParaRPr b="0" lang="ru-RU" sz="3200" spc="-1" strike="noStrike">
+              <a:latin typeface="Arial"/>
+            </a:endParaRPr>
+          </a:p>
+        </p:txBody>
+      </p:sp>
+    </p:spTree>
+  </p:cSld>
+</p:sldLayout>
+</file>
+
+<file path=ppt/slideLayouts/slideLayout33.xml><?xml version="1.0" encoding="utf-8"?>
+<p:sldLayout xmlns:a="http://schemas.openxmlformats.org/drawingml/2006/main" xmlns:p="http://schemas.openxmlformats.org/presentationml/2006/main" xmlns:r="http://schemas.openxmlformats.org/officeDocument/2006/relationships" xmlns:p14="http://schemas.microsoft.com/office/powerpoint/2010/main" xmlns:p15="http://schemas.microsoft.com/office/powerpoint/2012/main" xmlns:mc="http://schemas.openxmlformats.org/markup-compatibility/2006" type="twoObjOverTx" preserve="1">
+  <p:cSld name="Title, 2 Content over Content">
+    <p:spTree>
+      <p:nvGrpSpPr>
+        <p:cNvPr id="1" name=""/>
+        <p:cNvGrpSpPr/>
+        <p:nvPr/>
+      </p:nvGrpSpPr>
+      <p:grpSpPr>
+        <a:xfrm>
+          <a:off x="0" y="0"/>
+          <a:ext cx="0" cy="0"/>
+          <a:chOff x="0" y="0"/>
+          <a:chExt cx="0" cy="0"/>
+        </a:xfrm>
+      </p:grpSpPr>
+      <p:sp>
+        <p:nvSpPr>
+          <p:cNvPr id="127" name="PlaceHolder 1"/>
+          <p:cNvSpPr>
+            <a:spLocks noGrp="1"/>
+          </p:cNvSpPr>
+          <p:nvPr>
+            <p:ph type="title"/>
+          </p:nvPr>
+        </p:nvSpPr>
+        <p:spPr>
+          <a:xfrm>
+            <a:off x="609480" y="221040"/>
+            <a:ext cx="10972440" cy="1250280"/>
+          </a:xfrm>
+          <a:prstGeom prst="rect">
+            <a:avLst/>
+          </a:prstGeom>
+        </p:spPr>
+        <p:txBody>
+          <a:bodyPr lIns="0" rIns="0" tIns="0" bIns="0" anchor="ctr">
+            <a:spAutoFit/>
+          </a:bodyPr>
+          <a:p>
+            <a:pPr algn="ctr"/>
+            <a:endParaRPr b="0" lang="ru-RU" sz="4400" spc="-1" strike="noStrike">
+              <a:latin typeface="Arial"/>
+            </a:endParaRPr>
+          </a:p>
+        </p:txBody>
+      </p:sp>
+      <p:sp>
+        <p:nvSpPr>
+          <p:cNvPr id="128" name="PlaceHolder 2"/>
+          <p:cNvSpPr>
+            <a:spLocks noGrp="1"/>
+          </p:cNvSpPr>
+          <p:nvPr>
+            <p:ph type="body"/>
+          </p:nvPr>
+        </p:nvSpPr>
+        <p:spPr>
+          <a:xfrm>
+            <a:off x="609480" y="1604520"/>
+            <a:ext cx="5354280" cy="1896840"/>
+          </a:xfrm>
+          <a:prstGeom prst="rect">
+            <a:avLst/>
+          </a:prstGeom>
+        </p:spPr>
+        <p:txBody>
+          <a:bodyPr lIns="0" rIns="0" tIns="0" bIns="0">
+            <a:normAutofit/>
+          </a:bodyPr>
+          <a:p>
+            <a:endParaRPr b="0" lang="ru-RU" sz="3200" spc="-1" strike="noStrike">
+              <a:latin typeface="Arial"/>
+            </a:endParaRPr>
+          </a:p>
+        </p:txBody>
+      </p:sp>
+      <p:sp>
+        <p:nvSpPr>
+          <p:cNvPr id="129" name="PlaceHolder 3"/>
+          <p:cNvSpPr>
+            <a:spLocks noGrp="1"/>
+          </p:cNvSpPr>
+          <p:nvPr>
+            <p:ph type="body"/>
+          </p:nvPr>
+        </p:nvSpPr>
+        <p:spPr>
+          <a:xfrm>
+            <a:off x="6231960" y="1604520"/>
+            <a:ext cx="5354280" cy="1896840"/>
+          </a:xfrm>
+          <a:prstGeom prst="rect">
+            <a:avLst/>
+          </a:prstGeom>
+        </p:spPr>
+        <p:txBody>
+          <a:bodyPr lIns="0" rIns="0" tIns="0" bIns="0">
+            <a:normAutofit/>
+          </a:bodyPr>
+          <a:p>
+            <a:endParaRPr b="0" lang="ru-RU" sz="3200" spc="-1" strike="noStrike">
+              <a:latin typeface="Arial"/>
+            </a:endParaRPr>
+          </a:p>
+        </p:txBody>
+      </p:sp>
+      <p:sp>
+        <p:nvSpPr>
+          <p:cNvPr id="130" name="PlaceHolder 4"/>
+          <p:cNvSpPr>
+            <a:spLocks noGrp="1"/>
+          </p:cNvSpPr>
+          <p:nvPr>
+            <p:ph type="body"/>
+          </p:nvPr>
+        </p:nvSpPr>
+        <p:spPr>
+          <a:xfrm>
+            <a:off x="609480" y="3682080"/>
+            <a:ext cx="10972440" cy="1896840"/>
+          </a:xfrm>
+          <a:prstGeom prst="rect">
+            <a:avLst/>
+          </a:prstGeom>
+        </p:spPr>
+        <p:txBody>
+          <a:bodyPr lIns="0" rIns="0" tIns="0" bIns="0">
+            <a:normAutofit/>
+          </a:bodyPr>
+          <a:p>
+            <a:endParaRPr b="0" lang="ru-RU" sz="3200" spc="-1" strike="noStrike">
+              <a:latin typeface="Arial"/>
+            </a:endParaRPr>
+          </a:p>
+        </p:txBody>
+      </p:sp>
+    </p:spTree>
+  </p:cSld>
+</p:sldLayout>
+</file>
+
+<file path=ppt/slideLayouts/slideLayout34.xml><?xml version="1.0" encoding="utf-8"?>
+<p:sldLayout xmlns:a="http://schemas.openxmlformats.org/drawingml/2006/main" xmlns:p="http://schemas.openxmlformats.org/presentationml/2006/main" xmlns:r="http://schemas.openxmlformats.org/officeDocument/2006/relationships" xmlns:p14="http://schemas.microsoft.com/office/powerpoint/2010/main" xmlns:p15="http://schemas.microsoft.com/office/powerpoint/2012/main" xmlns:mc="http://schemas.openxmlformats.org/markup-compatibility/2006" type="objOverTx" preserve="1">
+  <p:cSld name="Title, Content over Content">
+    <p:spTree>
+      <p:nvGrpSpPr>
+        <p:cNvPr id="1" name=""/>
+        <p:cNvGrpSpPr/>
+        <p:nvPr/>
+      </p:nvGrpSpPr>
+      <p:grpSpPr>
+        <a:xfrm>
+          <a:off x="0" y="0"/>
+          <a:ext cx="0" cy="0"/>
+          <a:chOff x="0" y="0"/>
+          <a:chExt cx="0" cy="0"/>
+        </a:xfrm>
+      </p:grpSpPr>
+      <p:sp>
+        <p:nvSpPr>
+          <p:cNvPr id="131" name="PlaceHolder 1"/>
+          <p:cNvSpPr>
+            <a:spLocks noGrp="1"/>
+          </p:cNvSpPr>
+          <p:nvPr>
+            <p:ph type="title"/>
+          </p:nvPr>
+        </p:nvSpPr>
+        <p:spPr>
+          <a:xfrm>
+            <a:off x="609480" y="221040"/>
+            <a:ext cx="10972440" cy="1250280"/>
+          </a:xfrm>
+          <a:prstGeom prst="rect">
+            <a:avLst/>
+          </a:prstGeom>
+        </p:spPr>
+        <p:txBody>
+          <a:bodyPr lIns="0" rIns="0" tIns="0" bIns="0" anchor="ctr">
+            <a:spAutoFit/>
+          </a:bodyPr>
+          <a:p>
+            <a:pPr algn="ctr"/>
+            <a:endParaRPr b="0" lang="ru-RU" sz="4400" spc="-1" strike="noStrike">
+              <a:latin typeface="Arial"/>
+            </a:endParaRPr>
+          </a:p>
+        </p:txBody>
+      </p:sp>
+      <p:sp>
+        <p:nvSpPr>
+          <p:cNvPr id="132" name="PlaceHolder 2"/>
+          <p:cNvSpPr>
+            <a:spLocks noGrp="1"/>
+          </p:cNvSpPr>
+          <p:nvPr>
+            <p:ph type="body"/>
+          </p:nvPr>
+        </p:nvSpPr>
+        <p:spPr>
+          <a:xfrm>
+            <a:off x="609480" y="1604520"/>
+            <a:ext cx="10972440" cy="1896840"/>
+          </a:xfrm>
+          <a:prstGeom prst="rect">
+            <a:avLst/>
+          </a:prstGeom>
+        </p:spPr>
+        <p:txBody>
+          <a:bodyPr lIns="0" rIns="0" tIns="0" bIns="0">
+            <a:normAutofit/>
+          </a:bodyPr>
+          <a:p>
+            <a:endParaRPr b="0" lang="ru-RU" sz="3200" spc="-1" strike="noStrike">
+              <a:latin typeface="Arial"/>
+            </a:endParaRPr>
+          </a:p>
+        </p:txBody>
+      </p:sp>
+      <p:sp>
+        <p:nvSpPr>
+          <p:cNvPr id="133" name="PlaceHolder 3"/>
+          <p:cNvSpPr>
+            <a:spLocks noGrp="1"/>
+          </p:cNvSpPr>
+          <p:nvPr>
+            <p:ph type="body"/>
+          </p:nvPr>
+        </p:nvSpPr>
+        <p:spPr>
+          <a:xfrm>
+            <a:off x="609480" y="3682080"/>
+            <a:ext cx="10972440" cy="1896840"/>
+          </a:xfrm>
+          <a:prstGeom prst="rect">
+            <a:avLst/>
+          </a:prstGeom>
+        </p:spPr>
+        <p:txBody>
+          <a:bodyPr lIns="0" rIns="0" tIns="0" bIns="0">
+            <a:normAutofit/>
+          </a:bodyPr>
+          <a:p>
+            <a:endParaRPr b="0" lang="ru-RU" sz="3200" spc="-1" strike="noStrike">
+              <a:latin typeface="Arial"/>
+            </a:endParaRPr>
+          </a:p>
+        </p:txBody>
+      </p:sp>
+    </p:spTree>
+  </p:cSld>
+</p:sldLayout>
+</file>
+
+<file path=ppt/slideLayouts/slideLayout35.xml><?xml version="1.0" encoding="utf-8"?>
+<p:sldLayout xmlns:a="http://schemas.openxmlformats.org/drawingml/2006/main" xmlns:p="http://schemas.openxmlformats.org/presentationml/2006/main" xmlns:r="http://schemas.openxmlformats.org/officeDocument/2006/relationships" xmlns:p14="http://schemas.microsoft.com/office/powerpoint/2010/main" xmlns:p15="http://schemas.microsoft.com/office/powerpoint/2012/main" xmlns:mc="http://schemas.openxmlformats.org/markup-compatibility/2006" type="fourObj" preserve="1">
+  <p:cSld name="Title, 4 Content">
+    <p:spTree>
+      <p:nvGrpSpPr>
+        <p:cNvPr id="1" name=""/>
+        <p:cNvGrpSpPr/>
+        <p:nvPr/>
+      </p:nvGrpSpPr>
+      <p:grpSpPr>
+        <a:xfrm>
+          <a:off x="0" y="0"/>
+          <a:ext cx="0" cy="0"/>
+          <a:chOff x="0" y="0"/>
+          <a:chExt cx="0" cy="0"/>
+        </a:xfrm>
+      </p:grpSpPr>
+      <p:sp>
+        <p:nvSpPr>
+          <p:cNvPr id="134" name="PlaceHolder 1"/>
+          <p:cNvSpPr>
+            <a:spLocks noGrp="1"/>
+          </p:cNvSpPr>
+          <p:nvPr>
+            <p:ph type="title"/>
+          </p:nvPr>
+        </p:nvSpPr>
+        <p:spPr>
+          <a:xfrm>
+            <a:off x="609480" y="221040"/>
+            <a:ext cx="10972440" cy="1250280"/>
+          </a:xfrm>
+          <a:prstGeom prst="rect">
+            <a:avLst/>
+          </a:prstGeom>
+        </p:spPr>
+        <p:txBody>
+          <a:bodyPr lIns="0" rIns="0" tIns="0" bIns="0" anchor="ctr">
+            <a:spAutoFit/>
+          </a:bodyPr>
+          <a:p>
+            <a:pPr algn="ctr"/>
+            <a:endParaRPr b="0" lang="ru-RU" sz="4400" spc="-1" strike="noStrike">
+              <a:latin typeface="Arial"/>
+            </a:endParaRPr>
+          </a:p>
+        </p:txBody>
+      </p:sp>
+      <p:sp>
+        <p:nvSpPr>
+          <p:cNvPr id="135" name="PlaceHolder 2"/>
+          <p:cNvSpPr>
+            <a:spLocks noGrp="1"/>
+          </p:cNvSpPr>
+          <p:nvPr>
+            <p:ph type="body"/>
+          </p:nvPr>
+        </p:nvSpPr>
+        <p:spPr>
+          <a:xfrm>
+            <a:off x="609480" y="1604520"/>
+            <a:ext cx="5354280" cy="1896840"/>
+          </a:xfrm>
+          <a:prstGeom prst="rect">
+            <a:avLst/>
+          </a:prstGeom>
+        </p:spPr>
+        <p:txBody>
+          <a:bodyPr lIns="0" rIns="0" tIns="0" bIns="0">
+            <a:normAutofit/>
+          </a:bodyPr>
+          <a:p>
+            <a:endParaRPr b="0" lang="ru-RU" sz="3200" spc="-1" strike="noStrike">
+              <a:latin typeface="Arial"/>
+            </a:endParaRPr>
+          </a:p>
+        </p:txBody>
+      </p:sp>
+      <p:sp>
+        <p:nvSpPr>
+          <p:cNvPr id="136" name="PlaceHolder 3"/>
+          <p:cNvSpPr>
+            <a:spLocks noGrp="1"/>
+          </p:cNvSpPr>
+          <p:nvPr>
+            <p:ph type="body"/>
+          </p:nvPr>
+        </p:nvSpPr>
+        <p:spPr>
+          <a:xfrm>
+            <a:off x="6231960" y="1604520"/>
+            <a:ext cx="5354280" cy="1896840"/>
+          </a:xfrm>
+          <a:prstGeom prst="rect">
+            <a:avLst/>
+          </a:prstGeom>
+        </p:spPr>
+        <p:txBody>
+          <a:bodyPr lIns="0" rIns="0" tIns="0" bIns="0">
+            <a:normAutofit/>
+          </a:bodyPr>
+          <a:p>
+            <a:endParaRPr b="0" lang="ru-RU" sz="3200" spc="-1" strike="noStrike">
+              <a:latin typeface="Arial"/>
+            </a:endParaRPr>
+          </a:p>
+        </p:txBody>
+      </p:sp>
+      <p:sp>
+        <p:nvSpPr>
+          <p:cNvPr id="137" name="PlaceHolder 4"/>
+          <p:cNvSpPr>
+            <a:spLocks noGrp="1"/>
+          </p:cNvSpPr>
+          <p:nvPr>
+            <p:ph type="body"/>
+          </p:nvPr>
+        </p:nvSpPr>
+        <p:spPr>
+          <a:xfrm>
+            <a:off x="609480" y="3682080"/>
+            <a:ext cx="5354280" cy="1896840"/>
+          </a:xfrm>
+          <a:prstGeom prst="rect">
+            <a:avLst/>
+          </a:prstGeom>
+        </p:spPr>
+        <p:txBody>
+          <a:bodyPr lIns="0" rIns="0" tIns="0" bIns="0">
+            <a:normAutofit/>
+          </a:bodyPr>
+          <a:p>
+            <a:endParaRPr b="0" lang="ru-RU" sz="3200" spc="-1" strike="noStrike">
+              <a:latin typeface="Arial"/>
+            </a:endParaRPr>
+          </a:p>
+        </p:txBody>
+      </p:sp>
+      <p:sp>
+        <p:nvSpPr>
+          <p:cNvPr id="138" name="PlaceHolder 5"/>
+          <p:cNvSpPr>
+            <a:spLocks noGrp="1"/>
+          </p:cNvSpPr>
+          <p:nvPr>
+            <p:ph type="body"/>
+          </p:nvPr>
+        </p:nvSpPr>
+        <p:spPr>
+          <a:xfrm>
+            <a:off x="6231960" y="3682080"/>
+            <a:ext cx="5354280" cy="1896840"/>
+          </a:xfrm>
+          <a:prstGeom prst="rect">
+            <a:avLst/>
+          </a:prstGeom>
+        </p:spPr>
+        <p:txBody>
+          <a:bodyPr lIns="0" rIns="0" tIns="0" bIns="0">
+            <a:normAutofit/>
+          </a:bodyPr>
+          <a:p>
+            <a:endParaRPr b="0" lang="ru-RU" sz="3200" spc="-1" strike="noStrike">
+              <a:latin typeface="Arial"/>
+            </a:endParaRPr>
+          </a:p>
+        </p:txBody>
+      </p:sp>
+    </p:spTree>
+  </p:cSld>
+</p:sldLayout>
+</file>
+
+<file path=ppt/slideLayouts/slideLayout36.xml><?xml version="1.0" encoding="utf-8"?>
+<p:sldLayout xmlns:a="http://schemas.openxmlformats.org/drawingml/2006/main" xmlns:p="http://schemas.openxmlformats.org/presentationml/2006/main" xmlns:r="http://schemas.openxmlformats.org/officeDocument/2006/relationships" xmlns:p14="http://schemas.microsoft.com/office/powerpoint/2010/main" xmlns:p15="http://schemas.microsoft.com/office/powerpoint/2012/main" xmlns:mc="http://schemas.openxmlformats.org/markup-compatibility/2006" type="blank" preserve="1">
+  <p:cSld name="Title, 6 Content">
+    <p:spTree>
+      <p:nvGrpSpPr>
+        <p:cNvPr id="1" name=""/>
+        <p:cNvGrpSpPr/>
+        <p:nvPr/>
+      </p:nvGrpSpPr>
+      <p:grpSpPr>
+        <a:xfrm>
+          <a:off x="0" y="0"/>
+          <a:ext cx="0" cy="0"/>
+          <a:chOff x="0" y="0"/>
+          <a:chExt cx="0" cy="0"/>
+        </a:xfrm>
+      </p:grpSpPr>
+      <p:sp>
+        <p:nvSpPr>
+          <p:cNvPr id="139" name="PlaceHolder 1"/>
+          <p:cNvSpPr>
+            <a:spLocks noGrp="1"/>
+          </p:cNvSpPr>
+          <p:nvPr>
+            <p:ph type="title"/>
+          </p:nvPr>
+        </p:nvSpPr>
+        <p:spPr>
+          <a:xfrm>
+            <a:off x="609480" y="221040"/>
+            <a:ext cx="10972440" cy="1250280"/>
+          </a:xfrm>
+          <a:prstGeom prst="rect">
+            <a:avLst/>
+          </a:prstGeom>
+        </p:spPr>
+        <p:txBody>
+          <a:bodyPr lIns="0" rIns="0" tIns="0" bIns="0" anchor="ctr">
+            <a:spAutoFit/>
+          </a:bodyPr>
+          <a:p>
+            <a:pPr algn="ctr"/>
+            <a:endParaRPr b="0" lang="ru-RU" sz="4400" spc="-1" strike="noStrike">
+              <a:latin typeface="Arial"/>
+            </a:endParaRPr>
+          </a:p>
+        </p:txBody>
+      </p:sp>
+      <p:sp>
+        <p:nvSpPr>
+          <p:cNvPr id="140" name="PlaceHolder 2"/>
+          <p:cNvSpPr>
+            <a:spLocks noGrp="1"/>
+          </p:cNvSpPr>
+          <p:nvPr>
+            <p:ph type="body"/>
+          </p:nvPr>
+        </p:nvSpPr>
+        <p:spPr>
+          <a:xfrm>
+            <a:off x="609480" y="1604520"/>
+            <a:ext cx="3533040" cy="1896840"/>
+          </a:xfrm>
+          <a:prstGeom prst="rect">
+            <a:avLst/>
+          </a:prstGeom>
+        </p:spPr>
+        <p:txBody>
+          <a:bodyPr lIns="0" rIns="0" tIns="0" bIns="0">
+            <a:normAutofit/>
+          </a:bodyPr>
+          <a:p>
+            <a:endParaRPr b="0" lang="ru-RU" sz="3200" spc="-1" strike="noStrike">
+              <a:latin typeface="Arial"/>
+            </a:endParaRPr>
+          </a:p>
+        </p:txBody>
+      </p:sp>
+      <p:sp>
+        <p:nvSpPr>
+          <p:cNvPr id="141" name="PlaceHolder 3"/>
+          <p:cNvSpPr>
+            <a:spLocks noGrp="1"/>
+          </p:cNvSpPr>
+          <p:nvPr>
+            <p:ph type="body"/>
+          </p:nvPr>
+        </p:nvSpPr>
+        <p:spPr>
+          <a:xfrm>
+            <a:off x="4319640" y="1604520"/>
+            <a:ext cx="3533040" cy="1896840"/>
+          </a:xfrm>
+          <a:prstGeom prst="rect">
+            <a:avLst/>
+          </a:prstGeom>
+        </p:spPr>
+        <p:txBody>
+          <a:bodyPr lIns="0" rIns="0" tIns="0" bIns="0">
+            <a:normAutofit/>
+          </a:bodyPr>
+          <a:p>
+            <a:endParaRPr b="0" lang="ru-RU" sz="3200" spc="-1" strike="noStrike">
+              <a:latin typeface="Arial"/>
+            </a:endParaRPr>
+          </a:p>
+        </p:txBody>
+      </p:sp>
+      <p:sp>
+        <p:nvSpPr>
+          <p:cNvPr id="142" name="PlaceHolder 4"/>
+          <p:cNvSpPr>
+            <a:spLocks noGrp="1"/>
+          </p:cNvSpPr>
+          <p:nvPr>
+            <p:ph type="body"/>
+          </p:nvPr>
+        </p:nvSpPr>
+        <p:spPr>
+          <a:xfrm>
+            <a:off x="8029800" y="1604520"/>
+            <a:ext cx="3533040" cy="1896840"/>
+          </a:xfrm>
+          <a:prstGeom prst="rect">
+            <a:avLst/>
+          </a:prstGeom>
+        </p:spPr>
+        <p:txBody>
+          <a:bodyPr lIns="0" rIns="0" tIns="0" bIns="0">
+            <a:normAutofit/>
+          </a:bodyPr>
+          <a:p>
+            <a:endParaRPr b="0" lang="ru-RU" sz="3200" spc="-1" strike="noStrike">
+              <a:latin typeface="Arial"/>
+            </a:endParaRPr>
+          </a:p>
+        </p:txBody>
+      </p:sp>
+      <p:sp>
+        <p:nvSpPr>
+          <p:cNvPr id="143" name="PlaceHolder 5"/>
+          <p:cNvSpPr>
+            <a:spLocks noGrp="1"/>
+          </p:cNvSpPr>
+          <p:nvPr>
+            <p:ph type="body"/>
+          </p:nvPr>
+        </p:nvSpPr>
+        <p:spPr>
+          <a:xfrm>
+            <a:off x="609480" y="3682080"/>
+            <a:ext cx="3533040" cy="1896840"/>
+          </a:xfrm>
+          <a:prstGeom prst="rect">
+            <a:avLst/>
+          </a:prstGeom>
+        </p:spPr>
+        <p:txBody>
+          <a:bodyPr lIns="0" rIns="0" tIns="0" bIns="0">
+            <a:normAutofit/>
+          </a:bodyPr>
+          <a:p>
+            <a:endParaRPr b="0" lang="ru-RU" sz="3200" spc="-1" strike="noStrike">
+              <a:latin typeface="Arial"/>
+            </a:endParaRPr>
+          </a:p>
+        </p:txBody>
+      </p:sp>
+      <p:sp>
+        <p:nvSpPr>
+          <p:cNvPr id="144" name="PlaceHolder 6"/>
+          <p:cNvSpPr>
+            <a:spLocks noGrp="1"/>
+          </p:cNvSpPr>
+          <p:nvPr>
+            <p:ph type="body"/>
+          </p:nvPr>
+        </p:nvSpPr>
+        <p:spPr>
+          <a:xfrm>
+            <a:off x="4319640" y="3682080"/>
+            <a:ext cx="3533040" cy="1896840"/>
+          </a:xfrm>
+          <a:prstGeom prst="rect">
+            <a:avLst/>
+          </a:prstGeom>
+        </p:spPr>
+        <p:txBody>
+          <a:bodyPr lIns="0" rIns="0" tIns="0" bIns="0">
+            <a:normAutofit/>
+          </a:bodyPr>
+          <a:p>
+            <a:endParaRPr b="0" lang="ru-RU" sz="3200" spc="-1" strike="noStrike">
+              <a:latin typeface="Arial"/>
+            </a:endParaRPr>
+          </a:p>
+        </p:txBody>
+      </p:sp>
+      <p:sp>
+        <p:nvSpPr>
+          <p:cNvPr id="145" name="PlaceHolder 7"/>
+          <p:cNvSpPr>
+            <a:spLocks noGrp="1"/>
+          </p:cNvSpPr>
+          <p:nvPr>
+            <p:ph type="body"/>
+          </p:nvPr>
+        </p:nvSpPr>
+        <p:spPr>
+          <a:xfrm>
+            <a:off x="8029800" y="3682080"/>
+            <a:ext cx="3533040" cy="1896840"/>
+          </a:xfrm>
+          <a:prstGeom prst="rect">
+            <a:avLst/>
+          </a:prstGeom>
+        </p:spPr>
+        <p:txBody>
+          <a:bodyPr lIns="0" rIns="0" tIns="0" bIns="0">
+            <a:normAutofit/>
+          </a:bodyPr>
+          <a:p>
+            <a:endParaRPr b="0" lang="ru-RU" sz="3200" spc="-1" strike="noStrike">
+              <a:latin typeface="Arial"/>
+            </a:endParaRPr>
           </a:p>
         </p:txBody>
       </p:sp>
@@ -4060,19 +3956,13 @@
           <a:prstGeom prst="rect">
             <a:avLst/>
           </a:prstGeom>
-          <a:noFill/>
-          <a:ln w="0">
-            <a:noFill/>
-          </a:ln>
         </p:spPr>
         <p:txBody>
           <a:bodyPr lIns="0" rIns="0" tIns="0" bIns="0" anchor="ctr">
-            <a:noAutofit/>
-          </a:bodyPr>
-          <a:p>
-            <a:pPr algn="ctr">
-              <a:buNone/>
-            </a:pPr>
+            <a:spAutoFit/>
+          </a:bodyPr>
+          <a:p>
+            <a:pPr algn="ctr"/>
             <a:endParaRPr b="0" lang="ru-RU" sz="4400" spc="-1" strike="noStrike">
               <a:latin typeface="Arial"/>
             </a:endParaRPr>
@@ -4086,7 +3976,7 @@
             <a:spLocks noGrp="1"/>
           </p:cNvSpPr>
           <p:nvPr>
-            <p:ph/>
+            <p:ph type="body"/>
           </p:nvPr>
         </p:nvSpPr>
         <p:spPr>
@@ -4097,13 +3987,9 @@
           <a:prstGeom prst="rect">
             <a:avLst/>
           </a:prstGeom>
-          <a:noFill/>
-          <a:ln w="0">
-            <a:noFill/>
-          </a:ln>
-        </p:spPr>
-        <p:txBody>
-          <a:bodyPr lIns="0" rIns="0" tIns="0" bIns="0" anchor="t">
+        </p:spPr>
+        <p:txBody>
+          <a:bodyPr lIns="0" rIns="0" tIns="0" bIns="0">
             <a:normAutofit/>
           </a:bodyPr>
           <a:p>
@@ -4120,7 +4006,7 @@
             <a:spLocks noGrp="1"/>
           </p:cNvSpPr>
           <p:nvPr>
-            <p:ph/>
+            <p:ph type="body"/>
           </p:nvPr>
         </p:nvSpPr>
         <p:spPr>
@@ -4131,80 +4017,15 @@
           <a:prstGeom prst="rect">
             <a:avLst/>
           </a:prstGeom>
-          <a:noFill/>
-          <a:ln w="0">
-            <a:noFill/>
-          </a:ln>
-        </p:spPr>
-        <p:txBody>
-          <a:bodyPr lIns="0" rIns="0" tIns="0" bIns="0" anchor="t">
+        </p:spPr>
+        <p:txBody>
+          <a:bodyPr lIns="0" rIns="0" tIns="0" bIns="0">
             <a:normAutofit/>
           </a:bodyPr>
           <a:p>
             <a:endParaRPr b="0" lang="ru-RU" sz="3200" spc="-1" strike="noStrike">
               <a:latin typeface="Arial"/>
             </a:endParaRPr>
-          </a:p>
-        </p:txBody>
-      </p:sp>
-      <p:sp>
-        <p:nvSpPr>
-          <p:cNvPr id="5" name="PlaceHolder 4"/>
-          <p:cNvSpPr>
-            <a:spLocks noGrp="1"/>
-          </p:cNvSpPr>
-          <p:nvPr>
-            <p:ph type="ftr" idx="1"/>
-          </p:nvPr>
-        </p:nvSpPr>
-        <p:spPr/>
-        <p:txBody>
-          <a:bodyPr/>
-          <a:p>
-            <a:r>
-              <a:t>Footer</a:t>
-            </a:r>
-          </a:p>
-        </p:txBody>
-      </p:sp>
-      <p:sp>
-        <p:nvSpPr>
-          <p:cNvPr id="6" name="PlaceHolder 5"/>
-          <p:cNvSpPr>
-            <a:spLocks noGrp="1"/>
-          </p:cNvSpPr>
-          <p:nvPr>
-            <p:ph type="sldNum" idx="2"/>
-          </p:nvPr>
-        </p:nvSpPr>
-        <p:spPr/>
-        <p:txBody>
-          <a:bodyPr/>
-          <a:p>
-            <a:fld id="{9570F0C9-8A05-4E2C-ABF3-161FCE37A717}" type="slidenum">
-              <a:t>&lt;#&gt;</a:t>
-            </a:fld>
-          </a:p>
-        </p:txBody>
-      </p:sp>
-      <p:sp>
-        <p:nvSpPr>
-          <p:cNvPr id="7" name="PlaceHolder 6"/>
-          <p:cNvSpPr>
-            <a:spLocks noGrp="1"/>
-          </p:cNvSpPr>
-          <p:nvPr>
-            <p:ph type="dt" idx="3"/>
-          </p:nvPr>
-        </p:nvSpPr>
-        <p:spPr/>
-        <p:txBody>
-          <a:bodyPr/>
-          <a:p>
-            <a:r>
-              <a:rPr lang="ru-RU"/>
-              <a:t/>
-            </a:r>
           </a:p>
         </p:txBody>
       </p:sp>
@@ -4248,83 +4069,16 @@
           <a:prstGeom prst="rect">
             <a:avLst/>
           </a:prstGeom>
-          <a:noFill/>
-          <a:ln w="0">
-            <a:noFill/>
-          </a:ln>
         </p:spPr>
         <p:txBody>
           <a:bodyPr lIns="0" rIns="0" tIns="0" bIns="0" anchor="ctr">
-            <a:noAutofit/>
-          </a:bodyPr>
-          <a:p>
-            <a:pPr algn="ctr">
-              <a:buNone/>
-            </a:pPr>
+            <a:spAutoFit/>
+          </a:bodyPr>
+          <a:p>
+            <a:pPr algn="ctr"/>
             <a:endParaRPr b="0" lang="ru-RU" sz="4400" spc="-1" strike="noStrike">
               <a:latin typeface="Arial"/>
             </a:endParaRPr>
-          </a:p>
-        </p:txBody>
-      </p:sp>
-      <p:sp>
-        <p:nvSpPr>
-          <p:cNvPr id="3" name="PlaceHolder 2"/>
-          <p:cNvSpPr>
-            <a:spLocks noGrp="1"/>
-          </p:cNvSpPr>
-          <p:nvPr>
-            <p:ph type="ftr" idx="1"/>
-          </p:nvPr>
-        </p:nvSpPr>
-        <p:spPr/>
-        <p:txBody>
-          <a:bodyPr/>
-          <a:p>
-            <a:r>
-              <a:t>Footer</a:t>
-            </a:r>
-          </a:p>
-        </p:txBody>
-      </p:sp>
-      <p:sp>
-        <p:nvSpPr>
-          <p:cNvPr id="4" name="PlaceHolder 3"/>
-          <p:cNvSpPr>
-            <a:spLocks noGrp="1"/>
-          </p:cNvSpPr>
-          <p:nvPr>
-            <p:ph type="sldNum" idx="2"/>
-          </p:nvPr>
-        </p:nvSpPr>
-        <p:spPr/>
-        <p:txBody>
-          <a:bodyPr/>
-          <a:p>
-            <a:fld id="{9A39037E-7185-4FD3-AE15-DD2890D3D230}" type="slidenum">
-              <a:t>&lt;#&gt;</a:t>
-            </a:fld>
-          </a:p>
-        </p:txBody>
-      </p:sp>
-      <p:sp>
-        <p:nvSpPr>
-          <p:cNvPr id="5" name="PlaceHolder 4"/>
-          <p:cNvSpPr>
-            <a:spLocks noGrp="1"/>
-          </p:cNvSpPr>
-          <p:nvPr>
-            <p:ph type="dt" idx="3"/>
-          </p:nvPr>
-        </p:nvSpPr>
-        <p:spPr/>
-        <p:txBody>
-          <a:bodyPr/>
-          <a:p>
-            <a:r>
-              <a:rPr lang="ru-RU"/>
-              <a:t/>
-            </a:r>
           </a:p>
         </p:txBody>
       </p:sp>
@@ -4368,83 +4122,16 @@
           <a:prstGeom prst="rect">
             <a:avLst/>
           </a:prstGeom>
-          <a:noFill/>
-          <a:ln w="0">
-            <a:noFill/>
-          </a:ln>
         </p:spPr>
         <p:txBody>
           <a:bodyPr lIns="0" rIns="0" tIns="0" bIns="0" anchor="ctr">
-            <a:noAutofit/>
-          </a:bodyPr>
-          <a:p>
-            <a:pPr algn="ctr">
-              <a:buNone/>
-            </a:pPr>
+            <a:spAutoFit/>
+          </a:bodyPr>
+          <a:p>
+            <a:pPr algn="ctr"/>
             <a:endParaRPr b="0" lang="ru-RU" sz="3200" spc="-1" strike="noStrike">
               <a:latin typeface="Arial"/>
             </a:endParaRPr>
-          </a:p>
-        </p:txBody>
-      </p:sp>
-      <p:sp>
-        <p:nvSpPr>
-          <p:cNvPr id="3" name="PlaceHolder 2"/>
-          <p:cNvSpPr>
-            <a:spLocks noGrp="1"/>
-          </p:cNvSpPr>
-          <p:nvPr>
-            <p:ph type="ftr" idx="1"/>
-          </p:nvPr>
-        </p:nvSpPr>
-        <p:spPr/>
-        <p:txBody>
-          <a:bodyPr/>
-          <a:p>
-            <a:r>
-              <a:t>Footer</a:t>
-            </a:r>
-          </a:p>
-        </p:txBody>
-      </p:sp>
-      <p:sp>
-        <p:nvSpPr>
-          <p:cNvPr id="4" name="PlaceHolder 3"/>
-          <p:cNvSpPr>
-            <a:spLocks noGrp="1"/>
-          </p:cNvSpPr>
-          <p:nvPr>
-            <p:ph type="sldNum" idx="2"/>
-          </p:nvPr>
-        </p:nvSpPr>
-        <p:spPr/>
-        <p:txBody>
-          <a:bodyPr/>
-          <a:p>
-            <a:fld id="{64CB3872-4345-4728-9830-D9534A22C4B8}" type="slidenum">
-              <a:t>&lt;#&gt;</a:t>
-            </a:fld>
-          </a:p>
-        </p:txBody>
-      </p:sp>
-      <p:sp>
-        <p:nvSpPr>
-          <p:cNvPr id="5" name="PlaceHolder 4"/>
-          <p:cNvSpPr>
-            <a:spLocks noGrp="1"/>
-          </p:cNvSpPr>
-          <p:nvPr>
-            <p:ph type="dt" idx="3"/>
-          </p:nvPr>
-        </p:nvSpPr>
-        <p:spPr/>
-        <p:txBody>
-          <a:bodyPr/>
-          <a:p>
-            <a:r>
-              <a:rPr lang="ru-RU"/>
-              <a:t/>
-            </a:r>
           </a:p>
         </p:txBody>
       </p:sp>
@@ -4488,19 +4175,13 @@
           <a:prstGeom prst="rect">
             <a:avLst/>
           </a:prstGeom>
-          <a:noFill/>
-          <a:ln w="0">
-            <a:noFill/>
-          </a:ln>
         </p:spPr>
         <p:txBody>
           <a:bodyPr lIns="0" rIns="0" tIns="0" bIns="0" anchor="ctr">
-            <a:noAutofit/>
-          </a:bodyPr>
-          <a:p>
-            <a:pPr algn="ctr">
-              <a:buNone/>
-            </a:pPr>
+            <a:spAutoFit/>
+          </a:bodyPr>
+          <a:p>
+            <a:pPr algn="ctr"/>
             <a:endParaRPr b="0" lang="ru-RU" sz="4400" spc="-1" strike="noStrike">
               <a:latin typeface="Arial"/>
             </a:endParaRPr>
@@ -4514,7 +4195,7 @@
             <a:spLocks noGrp="1"/>
           </p:cNvSpPr>
           <p:nvPr>
-            <p:ph/>
+            <p:ph type="body"/>
           </p:nvPr>
         </p:nvSpPr>
         <p:spPr>
@@ -4525,13 +4206,9 @@
           <a:prstGeom prst="rect">
             <a:avLst/>
           </a:prstGeom>
-          <a:noFill/>
-          <a:ln w="0">
-            <a:noFill/>
-          </a:ln>
-        </p:spPr>
-        <p:txBody>
-          <a:bodyPr lIns="0" rIns="0" tIns="0" bIns="0" anchor="t">
+        </p:spPr>
+        <p:txBody>
+          <a:bodyPr lIns="0" rIns="0" tIns="0" bIns="0">
             <a:normAutofit/>
           </a:bodyPr>
           <a:p>
@@ -4548,7 +4225,7 @@
             <a:spLocks noGrp="1"/>
           </p:cNvSpPr>
           <p:nvPr>
-            <p:ph/>
+            <p:ph type="body"/>
           </p:nvPr>
         </p:nvSpPr>
         <p:spPr>
@@ -4559,13 +4236,9 @@
           <a:prstGeom prst="rect">
             <a:avLst/>
           </a:prstGeom>
-          <a:noFill/>
-          <a:ln w="0">
-            <a:noFill/>
-          </a:ln>
-        </p:spPr>
-        <p:txBody>
-          <a:bodyPr lIns="0" rIns="0" tIns="0" bIns="0" anchor="t">
+        </p:spPr>
+        <p:txBody>
+          <a:bodyPr lIns="0" rIns="0" tIns="0" bIns="0">
             <a:normAutofit/>
           </a:bodyPr>
           <a:p>
@@ -4582,7 +4255,7 @@
             <a:spLocks noGrp="1"/>
           </p:cNvSpPr>
           <p:nvPr>
-            <p:ph/>
+            <p:ph type="body"/>
           </p:nvPr>
         </p:nvSpPr>
         <p:spPr>
@@ -4593,80 +4266,15 @@
           <a:prstGeom prst="rect">
             <a:avLst/>
           </a:prstGeom>
-          <a:noFill/>
-          <a:ln w="0">
-            <a:noFill/>
-          </a:ln>
-        </p:spPr>
-        <p:txBody>
-          <a:bodyPr lIns="0" rIns="0" tIns="0" bIns="0" anchor="t">
+        </p:spPr>
+        <p:txBody>
+          <a:bodyPr lIns="0" rIns="0" tIns="0" bIns="0">
             <a:normAutofit/>
           </a:bodyPr>
           <a:p>
             <a:endParaRPr b="0" lang="ru-RU" sz="3200" spc="-1" strike="noStrike">
               <a:latin typeface="Arial"/>
             </a:endParaRPr>
-          </a:p>
-        </p:txBody>
-      </p:sp>
-      <p:sp>
-        <p:nvSpPr>
-          <p:cNvPr id="6" name="PlaceHolder 5"/>
-          <p:cNvSpPr>
-            <a:spLocks noGrp="1"/>
-          </p:cNvSpPr>
-          <p:nvPr>
-            <p:ph type="ftr" idx="1"/>
-          </p:nvPr>
-        </p:nvSpPr>
-        <p:spPr/>
-        <p:txBody>
-          <a:bodyPr/>
-          <a:p>
-            <a:r>
-              <a:t>Footer</a:t>
-            </a:r>
-          </a:p>
-        </p:txBody>
-      </p:sp>
-      <p:sp>
-        <p:nvSpPr>
-          <p:cNvPr id="7" name="PlaceHolder 6"/>
-          <p:cNvSpPr>
-            <a:spLocks noGrp="1"/>
-          </p:cNvSpPr>
-          <p:nvPr>
-            <p:ph type="sldNum" idx="2"/>
-          </p:nvPr>
-        </p:nvSpPr>
-        <p:spPr/>
-        <p:txBody>
-          <a:bodyPr/>
-          <a:p>
-            <a:fld id="{9F9FCD0E-D103-497D-A187-A599BC11B29B}" type="slidenum">
-              <a:t>&lt;#&gt;</a:t>
-            </a:fld>
-          </a:p>
-        </p:txBody>
-      </p:sp>
-      <p:sp>
-        <p:nvSpPr>
-          <p:cNvPr id="8" name="PlaceHolder 7"/>
-          <p:cNvSpPr>
-            <a:spLocks noGrp="1"/>
-          </p:cNvSpPr>
-          <p:nvPr>
-            <p:ph type="dt" idx="3"/>
-          </p:nvPr>
-        </p:nvSpPr>
-        <p:spPr/>
-        <p:txBody>
-          <a:bodyPr/>
-          <a:p>
-            <a:r>
-              <a:rPr lang="ru-RU"/>
-              <a:t/>
-            </a:r>
           </a:p>
         </p:txBody>
       </p:sp>
@@ -4710,19 +4318,13 @@
           <a:prstGeom prst="rect">
             <a:avLst/>
           </a:prstGeom>
-          <a:noFill/>
-          <a:ln w="0">
-            <a:noFill/>
-          </a:ln>
         </p:spPr>
         <p:txBody>
           <a:bodyPr lIns="0" rIns="0" tIns="0" bIns="0" anchor="ctr">
-            <a:noAutofit/>
-          </a:bodyPr>
-          <a:p>
-            <a:pPr algn="ctr">
-              <a:buNone/>
-            </a:pPr>
+            <a:spAutoFit/>
+          </a:bodyPr>
+          <a:p>
+            <a:pPr algn="ctr"/>
             <a:endParaRPr b="0" lang="ru-RU" sz="4400" spc="-1" strike="noStrike">
               <a:latin typeface="Arial"/>
             </a:endParaRPr>
@@ -4736,7 +4338,7 @@
             <a:spLocks noGrp="1"/>
           </p:cNvSpPr>
           <p:nvPr>
-            <p:ph/>
+            <p:ph type="body"/>
           </p:nvPr>
         </p:nvSpPr>
         <p:spPr>
@@ -4747,13 +4349,9 @@
           <a:prstGeom prst="rect">
             <a:avLst/>
           </a:prstGeom>
-          <a:noFill/>
-          <a:ln w="0">
-            <a:noFill/>
-          </a:ln>
-        </p:spPr>
-        <p:txBody>
-          <a:bodyPr lIns="0" rIns="0" tIns="0" bIns="0" anchor="t">
+        </p:spPr>
+        <p:txBody>
+          <a:bodyPr lIns="0" rIns="0" tIns="0" bIns="0">
             <a:normAutofit/>
           </a:bodyPr>
           <a:p>
@@ -4770,7 +4368,7 @@
             <a:spLocks noGrp="1"/>
           </p:cNvSpPr>
           <p:nvPr>
-            <p:ph/>
+            <p:ph type="body"/>
           </p:nvPr>
         </p:nvSpPr>
         <p:spPr>
@@ -4781,13 +4379,9 @@
           <a:prstGeom prst="rect">
             <a:avLst/>
           </a:prstGeom>
-          <a:noFill/>
-          <a:ln w="0">
-            <a:noFill/>
-          </a:ln>
-        </p:spPr>
-        <p:txBody>
-          <a:bodyPr lIns="0" rIns="0" tIns="0" bIns="0" anchor="t">
+        </p:spPr>
+        <p:txBody>
+          <a:bodyPr lIns="0" rIns="0" tIns="0" bIns="0">
             <a:normAutofit/>
           </a:bodyPr>
           <a:p>
@@ -4804,7 +4398,7 @@
             <a:spLocks noGrp="1"/>
           </p:cNvSpPr>
           <p:nvPr>
-            <p:ph/>
+            <p:ph type="body"/>
           </p:nvPr>
         </p:nvSpPr>
         <p:spPr>
@@ -4815,80 +4409,15 @@
           <a:prstGeom prst="rect">
             <a:avLst/>
           </a:prstGeom>
-          <a:noFill/>
-          <a:ln w="0">
-            <a:noFill/>
-          </a:ln>
-        </p:spPr>
-        <p:txBody>
-          <a:bodyPr lIns="0" rIns="0" tIns="0" bIns="0" anchor="t">
+        </p:spPr>
+        <p:txBody>
+          <a:bodyPr lIns="0" rIns="0" tIns="0" bIns="0">
             <a:normAutofit/>
           </a:bodyPr>
           <a:p>
             <a:endParaRPr b="0" lang="ru-RU" sz="3200" spc="-1" strike="noStrike">
               <a:latin typeface="Arial"/>
             </a:endParaRPr>
-          </a:p>
-        </p:txBody>
-      </p:sp>
-      <p:sp>
-        <p:nvSpPr>
-          <p:cNvPr id="6" name="PlaceHolder 5"/>
-          <p:cNvSpPr>
-            <a:spLocks noGrp="1"/>
-          </p:cNvSpPr>
-          <p:nvPr>
-            <p:ph type="ftr" idx="1"/>
-          </p:nvPr>
-        </p:nvSpPr>
-        <p:spPr/>
-        <p:txBody>
-          <a:bodyPr/>
-          <a:p>
-            <a:r>
-              <a:t>Footer</a:t>
-            </a:r>
-          </a:p>
-        </p:txBody>
-      </p:sp>
-      <p:sp>
-        <p:nvSpPr>
-          <p:cNvPr id="7" name="PlaceHolder 6"/>
-          <p:cNvSpPr>
-            <a:spLocks noGrp="1"/>
-          </p:cNvSpPr>
-          <p:nvPr>
-            <p:ph type="sldNum" idx="2"/>
-          </p:nvPr>
-        </p:nvSpPr>
-        <p:spPr/>
-        <p:txBody>
-          <a:bodyPr/>
-          <a:p>
-            <a:fld id="{6084A54B-F711-4D61-B55C-4FA397B99E70}" type="slidenum">
-              <a:t>&lt;#&gt;</a:t>
-            </a:fld>
-          </a:p>
-        </p:txBody>
-      </p:sp>
-      <p:sp>
-        <p:nvSpPr>
-          <p:cNvPr id="8" name="PlaceHolder 7"/>
-          <p:cNvSpPr>
-            <a:spLocks noGrp="1"/>
-          </p:cNvSpPr>
-          <p:nvPr>
-            <p:ph type="dt" idx="3"/>
-          </p:nvPr>
-        </p:nvSpPr>
-        <p:spPr/>
-        <p:txBody>
-          <a:bodyPr/>
-          <a:p>
-            <a:r>
-              <a:rPr lang="ru-RU"/>
-              <a:t/>
-            </a:r>
           </a:p>
         </p:txBody>
       </p:sp>
@@ -4932,19 +4461,13 @@
           <a:prstGeom prst="rect">
             <a:avLst/>
           </a:prstGeom>
-          <a:noFill/>
-          <a:ln w="0">
-            <a:noFill/>
-          </a:ln>
         </p:spPr>
         <p:txBody>
           <a:bodyPr lIns="0" rIns="0" tIns="0" bIns="0" anchor="ctr">
-            <a:noAutofit/>
-          </a:bodyPr>
-          <a:p>
-            <a:pPr algn="ctr">
-              <a:buNone/>
-            </a:pPr>
+            <a:spAutoFit/>
+          </a:bodyPr>
+          <a:p>
+            <a:pPr algn="ctr"/>
             <a:endParaRPr b="0" lang="ru-RU" sz="4400" spc="-1" strike="noStrike">
               <a:latin typeface="Arial"/>
             </a:endParaRPr>
@@ -4958,7 +4481,7 @@
             <a:spLocks noGrp="1"/>
           </p:cNvSpPr>
           <p:nvPr>
-            <p:ph/>
+            <p:ph type="body"/>
           </p:nvPr>
         </p:nvSpPr>
         <p:spPr>
@@ -4969,13 +4492,9 @@
           <a:prstGeom prst="rect">
             <a:avLst/>
           </a:prstGeom>
-          <a:noFill/>
-          <a:ln w="0">
-            <a:noFill/>
-          </a:ln>
-        </p:spPr>
-        <p:txBody>
-          <a:bodyPr lIns="0" rIns="0" tIns="0" bIns="0" anchor="t">
+        </p:spPr>
+        <p:txBody>
+          <a:bodyPr lIns="0" rIns="0" tIns="0" bIns="0">
             <a:normAutofit/>
           </a:bodyPr>
           <a:p>
@@ -4992,7 +4511,7 @@
             <a:spLocks noGrp="1"/>
           </p:cNvSpPr>
           <p:nvPr>
-            <p:ph/>
+            <p:ph type="body"/>
           </p:nvPr>
         </p:nvSpPr>
         <p:spPr>
@@ -5003,13 +4522,9 @@
           <a:prstGeom prst="rect">
             <a:avLst/>
           </a:prstGeom>
-          <a:noFill/>
-          <a:ln w="0">
-            <a:noFill/>
-          </a:ln>
-        </p:spPr>
-        <p:txBody>
-          <a:bodyPr lIns="0" rIns="0" tIns="0" bIns="0" anchor="t">
+        </p:spPr>
+        <p:txBody>
+          <a:bodyPr lIns="0" rIns="0" tIns="0" bIns="0">
             <a:normAutofit/>
           </a:bodyPr>
           <a:p>
@@ -5026,7 +4541,7 @@
             <a:spLocks noGrp="1"/>
           </p:cNvSpPr>
           <p:nvPr>
-            <p:ph/>
+            <p:ph type="body"/>
           </p:nvPr>
         </p:nvSpPr>
         <p:spPr>
@@ -5037,80 +4552,15 @@
           <a:prstGeom prst="rect">
             <a:avLst/>
           </a:prstGeom>
-          <a:noFill/>
-          <a:ln w="0">
-            <a:noFill/>
-          </a:ln>
-        </p:spPr>
-        <p:txBody>
-          <a:bodyPr lIns="0" rIns="0" tIns="0" bIns="0" anchor="t">
+        </p:spPr>
+        <p:txBody>
+          <a:bodyPr lIns="0" rIns="0" tIns="0" bIns="0">
             <a:normAutofit/>
           </a:bodyPr>
           <a:p>
             <a:endParaRPr b="0" lang="ru-RU" sz="3200" spc="-1" strike="noStrike">
               <a:latin typeface="Arial"/>
             </a:endParaRPr>
-          </a:p>
-        </p:txBody>
-      </p:sp>
-      <p:sp>
-        <p:nvSpPr>
-          <p:cNvPr id="6" name="PlaceHolder 5"/>
-          <p:cNvSpPr>
-            <a:spLocks noGrp="1"/>
-          </p:cNvSpPr>
-          <p:nvPr>
-            <p:ph type="ftr" idx="1"/>
-          </p:nvPr>
-        </p:nvSpPr>
-        <p:spPr/>
-        <p:txBody>
-          <a:bodyPr/>
-          <a:p>
-            <a:r>
-              <a:t>Footer</a:t>
-            </a:r>
-          </a:p>
-        </p:txBody>
-      </p:sp>
-      <p:sp>
-        <p:nvSpPr>
-          <p:cNvPr id="7" name="PlaceHolder 6"/>
-          <p:cNvSpPr>
-            <a:spLocks noGrp="1"/>
-          </p:cNvSpPr>
-          <p:nvPr>
-            <p:ph type="sldNum" idx="2"/>
-          </p:nvPr>
-        </p:nvSpPr>
-        <p:spPr/>
-        <p:txBody>
-          <a:bodyPr/>
-          <a:p>
-            <a:fld id="{1ADDE982-F595-4C10-AEF8-17E1FE7B2330}" type="slidenum">
-              <a:t>&lt;#&gt;</a:t>
-            </a:fld>
-          </a:p>
-        </p:txBody>
-      </p:sp>
-      <p:sp>
-        <p:nvSpPr>
-          <p:cNvPr id="8" name="PlaceHolder 7"/>
-          <p:cNvSpPr>
-            <a:spLocks noGrp="1"/>
-          </p:cNvSpPr>
-          <p:nvPr>
-            <p:ph type="dt" idx="3"/>
-          </p:nvPr>
-        </p:nvSpPr>
-        <p:spPr/>
-        <p:txBody>
-          <a:bodyPr/>
-          <a:p>
-            <a:r>
-              <a:rPr lang="ru-RU"/>
-              <a:t/>
-            </a:r>
           </a:p>
         </p:txBody>
       </p:sp>
@@ -5122,21 +4572,6 @@
 <file path=ppt/slideMasters/slideMaster1.xml><?xml version="1.0" encoding="utf-8"?>
 <p:sldMaster xmlns:a="http://schemas.openxmlformats.org/drawingml/2006/main" xmlns:p="http://schemas.openxmlformats.org/presentationml/2006/main" xmlns:r="http://schemas.openxmlformats.org/officeDocument/2006/relationships" xmlns:p14="http://schemas.microsoft.com/office/powerpoint/2010/main" xmlns:p15="http://schemas.microsoft.com/office/powerpoint/2012/main" xmlns:mc="http://schemas.openxmlformats.org/markup-compatibility/2006">
   <p:cSld>
-    <p:bg>
-      <p:bgPr>
-        <a:gradFill rotWithShape="0">
-          <a:gsLst>
-            <a:gs pos="0">
-              <a:srgbClr val="d5f0ff"/>
-            </a:gs>
-            <a:gs pos="100000">
-              <a:srgbClr val="ffffff"/>
-            </a:gs>
-          </a:gsLst>
-          <a:lin ang="4200000"/>
-        </a:gradFill>
-      </p:bgPr>
-    </p:bg>
     <p:spTree>
       <p:nvGrpSpPr>
         <p:cNvPr id="1" name=""/>
@@ -5165,26 +4600,26 @@
         <p:spPr>
           <a:xfrm>
             <a:off x="15480" y="3562560"/>
-            <a:ext cx="12012480" cy="3294360"/>
-          </a:xfrm>
-          <a:prstGeom prst="rect">
-            <a:avLst/>
-          </a:prstGeom>
-          <a:ln w="0">
+            <a:ext cx="12012120" cy="3294000"/>
+          </a:xfrm>
+          <a:prstGeom prst="rect">
+            <a:avLst/>
+          </a:prstGeom>
+          <a:ln>
             <a:noFill/>
           </a:ln>
         </p:spPr>
       </p:pic>
       <p:sp>
         <p:nvSpPr>
-          <p:cNvPr id="1" name="Decor"/>
+          <p:cNvPr id="1" name="CustomShape 1"/>
           <p:cNvSpPr/>
           <p:nvPr/>
         </p:nvSpPr>
         <p:spPr>
           <a:xfrm>
             <a:off x="4095720" y="443880"/>
-            <a:ext cx="34920" cy="4307040"/>
+            <a:ext cx="34560" cy="4306680"/>
           </a:xfrm>
           <a:prstGeom prst="rect">
             <a:avLst/>
@@ -5221,14 +4656,14 @@
       </p:sp>
       <p:sp>
         <p:nvSpPr>
-          <p:cNvPr id="2" name="Decor"/>
+          <p:cNvPr id="2" name="CustomShape 2"/>
           <p:cNvSpPr/>
           <p:nvPr/>
         </p:nvSpPr>
         <p:spPr>
           <a:xfrm>
             <a:off x="4015800" y="443880"/>
-            <a:ext cx="34920" cy="1798920"/>
+            <a:ext cx="34560" cy="1798560"/>
           </a:xfrm>
           <a:prstGeom prst="rect">
             <a:avLst/>
@@ -5265,14 +4700,14 @@
       </p:sp>
       <p:sp>
         <p:nvSpPr>
-          <p:cNvPr id="3" name="Decor"/>
+          <p:cNvPr id="3" name="CustomShape 3"/>
           <p:cNvSpPr/>
           <p:nvPr/>
         </p:nvSpPr>
         <p:spPr>
           <a:xfrm>
             <a:off x="3933720" y="4743720"/>
-            <a:ext cx="359280" cy="359280"/>
+            <a:ext cx="358920" cy="358920"/>
           </a:xfrm>
           <a:prstGeom prst="ellipse">
             <a:avLst/>
@@ -5312,66 +4747,50 @@
         <p:spPr>
           <a:xfrm>
             <a:off x="4113720" y="443880"/>
-            <a:ext cx="3480840" cy="1159560"/>
-          </a:xfrm>
-          <a:prstGeom prst="rect">
-            <a:avLst/>
-          </a:prstGeom>
-          <a:ln w="0">
+            <a:ext cx="3480480" cy="1159200"/>
+          </a:xfrm>
+          <a:prstGeom prst="rect">
+            <a:avLst/>
+          </a:prstGeom>
+          <a:ln>
             <a:noFill/>
           </a:ln>
         </p:spPr>
       </p:pic>
       <p:sp>
         <p:nvSpPr>
-          <p:cNvPr id="5" name="PlaceHolder 1"/>
-          <p:cNvSpPr>
-            <a:spLocks noGrp="1"/>
-          </p:cNvSpPr>
-          <p:nvPr>
-            <p:ph type="ftr" idx="1"/>
+          <p:cNvPr id="5" name="PlaceHolder 4"/>
+          <p:cNvSpPr>
+            <a:spLocks noGrp="1"/>
+          </p:cNvSpPr>
+          <p:nvPr>
+            <p:ph type="ftr"/>
           </p:nvPr>
         </p:nvSpPr>
         <p:spPr>
           <a:xfrm>
             <a:off x="4038480" y="6356520"/>
-            <a:ext cx="4113720" cy="363960"/>
-          </a:xfrm>
-          <a:prstGeom prst="rect">
-            <a:avLst/>
-          </a:prstGeom>
-          <a:noFill/>
-          <a:ln w="0">
-            <a:noFill/>
-          </a:ln>
+            <a:ext cx="4113360" cy="363600"/>
+          </a:xfrm>
+          <a:prstGeom prst="rect">
+            <a:avLst/>
+          </a:prstGeom>
         </p:spPr>
         <p:txBody>
           <a:bodyPr lIns="90000" rIns="90000" tIns="45000" bIns="45000" anchor="ctr">
             <a:noAutofit/>
           </a:bodyPr>
-          <a:lstStyle>
-            <a:lvl1pPr algn="ctr">
-              <a:lnSpc>
-                <a:spcPct val="100000"/>
-              </a:lnSpc>
-              <a:buNone/>
-              <a:defRPr b="0" lang="ru-RU" sz="1400" spc="-1" strike="noStrike">
-                <a:latin typeface="Times New Roman"/>
-              </a:defRPr>
-            </a:lvl1pPr>
-          </a:lstStyle>
           <a:p>
             <a:pPr algn="ctr">
               <a:lnSpc>
                 <a:spcPct val="100000"/>
               </a:lnSpc>
-              <a:buNone/>
             </a:pPr>
             <a:r>
               <a:rPr b="0" lang="ru-RU" sz="1400" spc="-1" strike="noStrike">
                 <a:latin typeface="Times New Roman"/>
               </a:rPr>
-              <a:t>&lt;нижний колонтитул&gt;</a:t>
+              <a:t>Footer</a:t>
             </a:r>
             <a:endParaRPr b="0" lang="ru-RU" sz="1400" spc="-1" strike="noStrike">
               <a:latin typeface="Times New Roman"/>
@@ -5381,53 +4800,34 @@
       </p:sp>
       <p:sp>
         <p:nvSpPr>
-          <p:cNvPr id="6" name="PlaceHolder 2"/>
-          <p:cNvSpPr>
-            <a:spLocks noGrp="1"/>
-          </p:cNvSpPr>
-          <p:nvPr>
-            <p:ph type="sldNum" idx="2"/>
+          <p:cNvPr id="6" name="PlaceHolder 5"/>
+          <p:cNvSpPr>
+            <a:spLocks noGrp="1"/>
+          </p:cNvSpPr>
+          <p:nvPr>
+            <p:ph type="sldNum"/>
           </p:nvPr>
         </p:nvSpPr>
         <p:spPr>
           <a:xfrm>
             <a:off x="8610480" y="6356520"/>
-            <a:ext cx="2742120" cy="363960"/>
-          </a:xfrm>
-          <a:prstGeom prst="rect">
-            <a:avLst/>
-          </a:prstGeom>
-          <a:noFill/>
-          <a:ln w="0">
-            <a:noFill/>
-          </a:ln>
+            <a:ext cx="2741760" cy="363600"/>
+          </a:xfrm>
+          <a:prstGeom prst="rect">
+            <a:avLst/>
+          </a:prstGeom>
         </p:spPr>
         <p:txBody>
           <a:bodyPr lIns="90000" rIns="90000" tIns="45000" bIns="45000" anchor="ctr">
             <a:noAutofit/>
           </a:bodyPr>
-          <a:lstStyle>
-            <a:lvl1pPr algn="r">
-              <a:lnSpc>
-                <a:spcPct val="100000"/>
-              </a:lnSpc>
-              <a:buNone/>
-              <a:defRPr b="0" lang="ru-RU" sz="1200" spc="-1" strike="noStrike">
-                <a:solidFill>
-                  <a:srgbClr val="8b8b8b"/>
-                </a:solidFill>
-                <a:latin typeface="Calibri"/>
-              </a:defRPr>
-            </a:lvl1pPr>
-          </a:lstStyle>
           <a:p>
             <a:pPr algn="r">
               <a:lnSpc>
                 <a:spcPct val="100000"/>
               </a:lnSpc>
-              <a:buNone/>
             </a:pPr>
-            <a:fld id="{3BF304F5-3BFA-4684-840B-EE5B8E681368}" type="slidenum">
+            <a:fld id="{F8CA62C9-2390-4488-B953-7CF65E6C9D35}" type="slidenum">
               <a:rPr b="0" lang="ru-RU" sz="1200" spc="-1" strike="noStrike">
                 <a:solidFill>
                   <a:srgbClr val="8b8b8b"/>
@@ -5444,46 +4844,29 @@
       </p:sp>
       <p:sp>
         <p:nvSpPr>
-          <p:cNvPr id="7" name="PlaceHolder 3"/>
-          <p:cNvSpPr>
-            <a:spLocks noGrp="1"/>
-          </p:cNvSpPr>
-          <p:nvPr>
-            <p:ph type="dt" idx="3"/>
+          <p:cNvPr id="7" name="PlaceHolder 6"/>
+          <p:cNvSpPr>
+            <a:spLocks noGrp="1"/>
+          </p:cNvSpPr>
+          <p:nvPr>
+            <p:ph type="dt"/>
           </p:nvPr>
         </p:nvSpPr>
         <p:spPr>
           <a:xfrm>
             <a:off x="838080" y="6356520"/>
-            <a:ext cx="2742120" cy="363960"/>
-          </a:xfrm>
-          <a:prstGeom prst="rect">
-            <a:avLst/>
-          </a:prstGeom>
-          <a:noFill/>
-          <a:ln w="0">
-            <a:noFill/>
-          </a:ln>
+            <a:ext cx="2741760" cy="363600"/>
+          </a:xfrm>
+          <a:prstGeom prst="rect">
+            <a:avLst/>
+          </a:prstGeom>
         </p:spPr>
         <p:txBody>
           <a:bodyPr lIns="90000" rIns="90000" tIns="45000" bIns="45000" anchor="ctr">
             <a:noAutofit/>
           </a:bodyPr>
-          <a:lstStyle>
-            <a:lvl1pPr>
-              <a:defRPr b="0" lang="ru-RU" sz="1400" spc="-1" strike="noStrike">
-                <a:latin typeface="Times New Roman"/>
-              </a:defRPr>
-            </a:lvl1pPr>
-          </a:lstStyle>
-          <a:p>
-            <a:r>
-              <a:rPr b="0" lang="ru-RU" sz="1400" spc="-1" strike="noStrike">
-                <a:latin typeface="Times New Roman"/>
-              </a:rPr>
-              <a:t>&lt;дата/время&gt;</a:t>
-            </a:r>
-            <a:endParaRPr b="0" lang="ru-RU" sz="1400" spc="-1" strike="noStrike">
+          <a:p>
+            <a:endParaRPr b="0" lang="ru-RU" sz="2400" spc="-1" strike="noStrike">
               <a:latin typeface="Times New Roman"/>
             </a:endParaRPr>
           </a:p>
@@ -5491,7 +4874,7 @@
       </p:sp>
       <p:sp>
         <p:nvSpPr>
-          <p:cNvPr id="8" name="PlaceHolder 4"/>
+          <p:cNvPr id="8" name="PlaceHolder 7"/>
           <p:cNvSpPr>
             <a:spLocks noGrp="1"/>
           </p:cNvSpPr>
@@ -5507,19 +4890,13 @@
           <a:prstGeom prst="rect">
             <a:avLst/>
           </a:prstGeom>
-          <a:noFill/>
-          <a:ln w="0">
-            <a:noFill/>
-          </a:ln>
         </p:spPr>
         <p:txBody>
           <a:bodyPr lIns="0" rIns="0" tIns="0" bIns="0" anchor="ctr">
             <a:noAutofit/>
           </a:bodyPr>
           <a:p>
-            <a:pPr algn="ctr">
-              <a:buNone/>
-            </a:pPr>
+            <a:pPr algn="ctr"/>
             <a:r>
               <a:rPr b="0" lang="ru-RU" sz="4400" spc="-1" strike="noStrike">
                 <a:latin typeface="Arial"/>
@@ -5534,7 +4911,7 @@
       </p:sp>
       <p:sp>
         <p:nvSpPr>
-          <p:cNvPr id="9" name="PlaceHolder 5"/>
+          <p:cNvPr id="9" name="PlaceHolder 8"/>
           <p:cNvSpPr>
             <a:spLocks noGrp="1"/>
           </p:cNvSpPr>
@@ -5550,13 +4927,9 @@
           <a:prstGeom prst="rect">
             <a:avLst/>
           </a:prstGeom>
-          <a:noFill/>
-          <a:ln w="0">
-            <a:noFill/>
-          </a:ln>
-        </p:spPr>
-        <p:txBody>
-          <a:bodyPr lIns="0" rIns="0" tIns="0" bIns="0" anchor="t">
+        </p:spPr>
+        <p:txBody>
+          <a:bodyPr lIns="0" rIns="0" tIns="0" bIns="0">
             <a:normAutofit/>
           </a:bodyPr>
           <a:p>
@@ -5773,26 +5146,26 @@
         <p:spPr>
           <a:xfrm>
             <a:off x="15480" y="3562560"/>
-            <a:ext cx="12012480" cy="3294360"/>
-          </a:xfrm>
-          <a:prstGeom prst="rect">
-            <a:avLst/>
-          </a:prstGeom>
-          <a:ln w="0">
+            <a:ext cx="12012120" cy="3294000"/>
+          </a:xfrm>
+          <a:prstGeom prst="rect">
+            <a:avLst/>
+          </a:prstGeom>
+          <a:ln>
             <a:noFill/>
           </a:ln>
         </p:spPr>
       </p:pic>
       <p:sp>
         <p:nvSpPr>
-          <p:cNvPr id="47" name="Decor"/>
+          <p:cNvPr id="47" name="CustomShape 1"/>
           <p:cNvSpPr/>
           <p:nvPr/>
         </p:nvSpPr>
         <p:spPr>
           <a:xfrm rot="5400000">
-            <a:off x="9143280" y="-1901880"/>
-            <a:ext cx="34920" cy="5398920"/>
+            <a:off x="9143640" y="-1901880"/>
+            <a:ext cx="34560" cy="5398560"/>
           </a:xfrm>
           <a:prstGeom prst="rect">
             <a:avLst/>
@@ -5829,14 +5202,14 @@
       </p:sp>
       <p:sp>
         <p:nvSpPr>
-          <p:cNvPr id="48" name="Decor"/>
+          <p:cNvPr id="48" name="CustomShape 2"/>
           <p:cNvSpPr/>
           <p:nvPr/>
         </p:nvSpPr>
         <p:spPr>
           <a:xfrm rot="5400000">
-            <a:off x="1191600" y="437040"/>
-            <a:ext cx="34920" cy="718920"/>
+            <a:off x="1191960" y="436680"/>
+            <a:ext cx="34560" cy="718560"/>
           </a:xfrm>
           <a:prstGeom prst="rect">
             <a:avLst/>
@@ -5865,14 +5238,14 @@
       </p:sp>
       <p:sp>
         <p:nvSpPr>
-          <p:cNvPr id="49" name="Decor"/>
+          <p:cNvPr id="49" name="CustomShape 3"/>
           <p:cNvSpPr/>
           <p:nvPr/>
         </p:nvSpPr>
         <p:spPr>
           <a:xfrm>
             <a:off x="0" y="2050560"/>
-            <a:ext cx="12191040" cy="4806360"/>
+            <a:ext cx="12190680" cy="4806000"/>
           </a:xfrm>
           <a:prstGeom prst="rect">
             <a:avLst/>
@@ -5903,14 +5276,14 @@
       </p:sp>
       <p:sp>
         <p:nvSpPr>
-          <p:cNvPr id="50" name="Decor"/>
+          <p:cNvPr id="50" name="CustomShape 4"/>
           <p:cNvSpPr/>
           <p:nvPr/>
         </p:nvSpPr>
         <p:spPr>
           <a:xfrm>
             <a:off x="1568520" y="694440"/>
-            <a:ext cx="206280" cy="206280"/>
+            <a:ext cx="205920" cy="205920"/>
           </a:xfrm>
           <a:prstGeom prst="ellipse">
             <a:avLst/>
@@ -5939,14 +5312,14 @@
       </p:sp>
       <p:sp>
         <p:nvSpPr>
-          <p:cNvPr id="51" name="Decor"/>
+          <p:cNvPr id="51" name="CustomShape 5"/>
           <p:cNvSpPr/>
           <p:nvPr/>
         </p:nvSpPr>
         <p:spPr>
           <a:xfrm>
             <a:off x="6252480" y="694440"/>
-            <a:ext cx="206280" cy="206280"/>
+            <a:ext cx="205920" cy="205920"/>
           </a:xfrm>
           <a:prstGeom prst="ellipse">
             <a:avLst/>
@@ -5975,14 +5348,14 @@
       </p:sp>
       <p:sp>
         <p:nvSpPr>
-          <p:cNvPr id="52" name="Decor"/>
+          <p:cNvPr id="52" name="CustomShape 6"/>
           <p:cNvSpPr/>
           <p:nvPr/>
         </p:nvSpPr>
         <p:spPr>
           <a:xfrm>
             <a:off x="647640" y="694440"/>
-            <a:ext cx="206280" cy="206280"/>
+            <a:ext cx="205920" cy="205920"/>
           </a:xfrm>
           <a:prstGeom prst="ellipse">
             <a:avLst/>
@@ -6011,20 +5384,20 @@
       </p:sp>
       <p:sp>
         <p:nvSpPr>
-          <p:cNvPr id="53" name="Header"/>
+          <p:cNvPr id="53" name="CustomShape 7"/>
           <p:cNvSpPr/>
           <p:nvPr/>
         </p:nvSpPr>
         <p:spPr>
           <a:xfrm>
             <a:off x="7496280" y="6400800"/>
-            <a:ext cx="4572720" cy="345960"/>
+            <a:ext cx="4572360" cy="345600"/>
           </a:xfrm>
           <a:prstGeom prst="rect">
             <a:avLst/>
           </a:prstGeom>
           <a:noFill/>
-          <a:ln w="0">
+          <a:ln>
             <a:noFill/>
           </a:ln>
         </p:spPr>
@@ -6043,10 +5416,6 @@
               <a:lnSpc>
                 <a:spcPct val="80000"/>
               </a:lnSpc>
-              <a:buNone/>
-              <a:tabLst>
-                <a:tab algn="l" pos="0"/>
-              </a:tabLst>
             </a:pPr>
             <a:r>
               <a:rPr b="1" lang="ru-RU" sz="1400" spc="-1" strike="noStrike">
@@ -6056,27 +5425,7 @@
                 <a:latin typeface="Calibri"/>
                 <a:ea typeface="DejaVu Sans"/>
               </a:rPr>
-              <a:t>ИТОГОВЫЙ  КОНКУРС ПРОЕКТОВ В РТУ МИРЭА - 20</a:t>
-            </a:r>
-            <a:r>
-              <a:rPr b="1" lang="en-US" sz="1400" spc="-1" strike="noStrike">
-                <a:solidFill>
-                  <a:srgbClr val="808080"/>
-                </a:solidFill>
-                <a:latin typeface="Calibri"/>
-                <a:ea typeface="DejaVu Sans"/>
-              </a:rPr>
-              <a:t>22</a:t>
-            </a:r>
-            <a:r>
-              <a:rPr b="1" lang="ru-RU" sz="1400" spc="-1" strike="noStrike">
-                <a:solidFill>
-                  <a:srgbClr val="808080"/>
-                </a:solidFill>
-                <a:latin typeface="Calibri"/>
-                <a:ea typeface="DejaVu Sans"/>
-              </a:rPr>
-              <a:t> </a:t>
+              <a:t>ИТОГОВЫЙ  КОНКУРС ПРОЕКТОВ В РТУ МИРЭА - 2022 </a:t>
             </a:r>
             <a:endParaRPr b="0" lang="ru-RU" sz="1400" spc="-1" strike="noStrike">
               <a:latin typeface="Arial"/>
@@ -6097,66 +5446,50 @@
         <p:spPr>
           <a:xfrm>
             <a:off x="9968760" y="103320"/>
-            <a:ext cx="1887840" cy="628560"/>
-          </a:xfrm>
-          <a:prstGeom prst="rect">
-            <a:avLst/>
-          </a:prstGeom>
-          <a:ln w="0">
+            <a:ext cx="1887480" cy="628200"/>
+          </a:xfrm>
+          <a:prstGeom prst="rect">
+            <a:avLst/>
+          </a:prstGeom>
+          <a:ln>
             <a:noFill/>
           </a:ln>
         </p:spPr>
       </p:pic>
       <p:sp>
         <p:nvSpPr>
-          <p:cNvPr id="55" name="PlaceHolder 1"/>
-          <p:cNvSpPr>
-            <a:spLocks noGrp="1"/>
-          </p:cNvSpPr>
-          <p:nvPr>
-            <p:ph type="ftr" idx="4"/>
+          <p:cNvPr id="55" name="PlaceHolder 8"/>
+          <p:cNvSpPr>
+            <a:spLocks noGrp="1"/>
+          </p:cNvSpPr>
+          <p:nvPr>
+            <p:ph type="ftr"/>
           </p:nvPr>
         </p:nvSpPr>
         <p:spPr>
           <a:xfrm>
             <a:off x="4038480" y="6356520"/>
-            <a:ext cx="4113720" cy="363960"/>
-          </a:xfrm>
-          <a:prstGeom prst="rect">
-            <a:avLst/>
-          </a:prstGeom>
-          <a:noFill/>
-          <a:ln w="0">
-            <a:noFill/>
-          </a:ln>
+            <a:ext cx="4113360" cy="363600"/>
+          </a:xfrm>
+          <a:prstGeom prst="rect">
+            <a:avLst/>
+          </a:prstGeom>
         </p:spPr>
         <p:txBody>
           <a:bodyPr lIns="90000" rIns="90000" tIns="45000" bIns="45000" anchor="ctr">
             <a:noAutofit/>
           </a:bodyPr>
-          <a:lstStyle>
-            <a:lvl1pPr algn="ctr">
-              <a:lnSpc>
-                <a:spcPct val="100000"/>
-              </a:lnSpc>
-              <a:buNone/>
-              <a:defRPr b="0" lang="ru-RU" sz="1400" spc="-1" strike="noStrike">
-                <a:latin typeface="Times New Roman"/>
-              </a:defRPr>
-            </a:lvl1pPr>
-          </a:lstStyle>
           <a:p>
             <a:pPr algn="ctr">
               <a:lnSpc>
                 <a:spcPct val="100000"/>
               </a:lnSpc>
-              <a:buNone/>
             </a:pPr>
             <a:r>
               <a:rPr b="0" lang="ru-RU" sz="1400" spc="-1" strike="noStrike">
                 <a:latin typeface="Times New Roman"/>
               </a:rPr>
-              <a:t>&lt;нижний колонтитул&gt;</a:t>
+              <a:t>Footer</a:t>
             </a:r>
             <a:endParaRPr b="0" lang="ru-RU" sz="1400" spc="-1" strike="noStrike">
               <a:latin typeface="Times New Roman"/>
@@ -6166,60 +5499,41 @@
       </p:sp>
       <p:sp>
         <p:nvSpPr>
-          <p:cNvPr id="56" name="PlaceHolder 2"/>
-          <p:cNvSpPr>
-            <a:spLocks noGrp="1"/>
-          </p:cNvSpPr>
-          <p:nvPr>
-            <p:ph type="sldNum" idx="5"/>
+          <p:cNvPr id="56" name="PlaceHolder 9"/>
+          <p:cNvSpPr>
+            <a:spLocks noGrp="1"/>
+          </p:cNvSpPr>
+          <p:nvPr>
+            <p:ph type="sldNum"/>
           </p:nvPr>
         </p:nvSpPr>
         <p:spPr>
           <a:xfrm>
             <a:off x="8610480" y="6356520"/>
-            <a:ext cx="2742120" cy="363960"/>
-          </a:xfrm>
-          <a:prstGeom prst="rect">
-            <a:avLst/>
-          </a:prstGeom>
-          <a:noFill/>
-          <a:ln w="0">
-            <a:noFill/>
-          </a:ln>
+            <a:ext cx="2741760" cy="363600"/>
+          </a:xfrm>
+          <a:prstGeom prst="rect">
+            <a:avLst/>
+          </a:prstGeom>
         </p:spPr>
         <p:txBody>
           <a:bodyPr lIns="90000" rIns="90000" tIns="45000" bIns="45000" anchor="ctr">
             <a:noAutofit/>
           </a:bodyPr>
-          <a:lstStyle>
-            <a:lvl1pPr algn="r">
-              <a:lnSpc>
-                <a:spcPct val="100000"/>
-              </a:lnSpc>
-              <a:buNone/>
-              <a:defRPr b="0" lang="ru-RU" sz="1200" spc="-1" strike="noStrike">
-                <a:solidFill>
-                  <a:srgbClr val="8b8b8b"/>
-                </a:solidFill>
-                <a:latin typeface="Calibri"/>
-              </a:defRPr>
-            </a:lvl1pPr>
-          </a:lstStyle>
           <a:p>
             <a:pPr algn="r">
               <a:lnSpc>
                 <a:spcPct val="100000"/>
               </a:lnSpc>
-              <a:buNone/>
             </a:pPr>
-            <a:fld id="{B340113C-2741-4F78-A06A-BE934989F252}" type="slidenum">
+            <a:fld id="{D113365A-3236-4A51-B9BD-C1812E6CDCB1}" type="slidenum">
               <a:rPr b="0" lang="ru-RU" sz="1200" spc="-1" strike="noStrike">
                 <a:solidFill>
                   <a:srgbClr val="8b8b8b"/>
                 </a:solidFill>
                 <a:latin typeface="Calibri"/>
               </a:rPr>
-              <a:t>&lt;номер&gt;</a:t>
+              <a:t>1</a:t>
             </a:fld>
             <a:endParaRPr b="0" lang="ru-RU" sz="1200" spc="-1" strike="noStrike">
               <a:latin typeface="Times New Roman"/>
@@ -6229,46 +5543,29 @@
       </p:sp>
       <p:sp>
         <p:nvSpPr>
-          <p:cNvPr id="57" name="PlaceHolder 3"/>
-          <p:cNvSpPr>
-            <a:spLocks noGrp="1"/>
-          </p:cNvSpPr>
-          <p:nvPr>
-            <p:ph type="dt" idx="6"/>
+          <p:cNvPr id="57" name="PlaceHolder 10"/>
+          <p:cNvSpPr>
+            <a:spLocks noGrp="1"/>
+          </p:cNvSpPr>
+          <p:nvPr>
+            <p:ph type="dt"/>
           </p:nvPr>
         </p:nvSpPr>
         <p:spPr>
           <a:xfrm>
             <a:off x="838080" y="6356520"/>
-            <a:ext cx="2742120" cy="363960"/>
-          </a:xfrm>
-          <a:prstGeom prst="rect">
-            <a:avLst/>
-          </a:prstGeom>
-          <a:noFill/>
-          <a:ln w="0">
-            <a:noFill/>
-          </a:ln>
+            <a:ext cx="2741760" cy="363600"/>
+          </a:xfrm>
+          <a:prstGeom prst="rect">
+            <a:avLst/>
+          </a:prstGeom>
         </p:spPr>
         <p:txBody>
           <a:bodyPr lIns="90000" rIns="90000" tIns="45000" bIns="45000" anchor="ctr">
             <a:noAutofit/>
           </a:bodyPr>
-          <a:lstStyle>
-            <a:lvl1pPr>
-              <a:defRPr b="0" lang="ru-RU" sz="1400" spc="-1" strike="noStrike">
-                <a:latin typeface="Times New Roman"/>
-              </a:defRPr>
-            </a:lvl1pPr>
-          </a:lstStyle>
-          <a:p>
-            <a:r>
-              <a:rPr b="0" lang="ru-RU" sz="1400" spc="-1" strike="noStrike">
-                <a:latin typeface="Times New Roman"/>
-              </a:rPr>
-              <a:t>&lt;дата/время&gt;</a:t>
-            </a:r>
-            <a:endParaRPr b="0" lang="ru-RU" sz="1400" spc="-1" strike="noStrike">
+          <a:p>
+            <a:endParaRPr b="0" lang="ru-RU" sz="2400" spc="-1" strike="noStrike">
               <a:latin typeface="Times New Roman"/>
             </a:endParaRPr>
           </a:p>
@@ -6276,7 +5573,7 @@
       </p:sp>
       <p:sp>
         <p:nvSpPr>
-          <p:cNvPr id="58" name="PlaceHolder 4"/>
+          <p:cNvPr id="58" name="PlaceHolder 11"/>
           <p:cNvSpPr>
             <a:spLocks noGrp="1"/>
           </p:cNvSpPr>
@@ -6292,19 +5589,13 @@
           <a:prstGeom prst="rect">
             <a:avLst/>
           </a:prstGeom>
-          <a:noFill/>
-          <a:ln w="0">
-            <a:noFill/>
-          </a:ln>
         </p:spPr>
         <p:txBody>
           <a:bodyPr lIns="0" rIns="0" tIns="0" bIns="0" anchor="ctr">
             <a:noAutofit/>
           </a:bodyPr>
           <a:p>
-            <a:pPr algn="ctr">
-              <a:buNone/>
-            </a:pPr>
+            <a:pPr algn="ctr"/>
             <a:r>
               <a:rPr b="0" lang="ru-RU" sz="4400" spc="-1" strike="noStrike">
                 <a:latin typeface="Arial"/>
@@ -6319,7 +5610,7 @@
       </p:sp>
       <p:sp>
         <p:nvSpPr>
-          <p:cNvPr id="59" name="PlaceHolder 5"/>
+          <p:cNvPr id="59" name="PlaceHolder 12"/>
           <p:cNvSpPr>
             <a:spLocks noGrp="1"/>
           </p:cNvSpPr>
@@ -6335,13 +5626,9 @@
           <a:prstGeom prst="rect">
             <a:avLst/>
           </a:prstGeom>
-          <a:noFill/>
-          <a:ln w="0">
-            <a:noFill/>
-          </a:ln>
-        </p:spPr>
-        <p:txBody>
-          <a:bodyPr lIns="0" rIns="0" tIns="0" bIns="0" anchor="t">
+        </p:spPr>
+        <p:txBody>
+          <a:bodyPr lIns="0" rIns="0" tIns="0" bIns="0">
             <a:normAutofit/>
           </a:bodyPr>
           <a:p>
@@ -6520,22 +5807,14 @@
 </p:sldMaster>
 </file>
 
-<file path=ppt/slides/slide1.xml><?xml version="1.0" encoding="utf-8"?>
-<p:sld xmlns:a="http://schemas.openxmlformats.org/drawingml/2006/main" xmlns:p="http://schemas.openxmlformats.org/presentationml/2006/main" xmlns:r="http://schemas.openxmlformats.org/officeDocument/2006/relationships" xmlns:p14="http://schemas.microsoft.com/office/powerpoint/2010/main" xmlns:p15="http://schemas.microsoft.com/office/powerpoint/2012/main" xmlns:mc="http://schemas.openxmlformats.org/markup-compatibility/2006">
+<file path=ppt/slideMasters/slideMaster3.xml><?xml version="1.0" encoding="utf-8"?>
+<p:sldMaster xmlns:a="http://schemas.openxmlformats.org/drawingml/2006/main" xmlns:p="http://schemas.openxmlformats.org/presentationml/2006/main" xmlns:r="http://schemas.openxmlformats.org/officeDocument/2006/relationships" xmlns:p14="http://schemas.microsoft.com/office/powerpoint/2010/main" xmlns:p15="http://schemas.microsoft.com/office/powerpoint/2012/main" xmlns:mc="http://schemas.openxmlformats.org/markup-compatibility/2006">
   <p:cSld>
     <p:bg>
       <p:bgPr>
-        <a:gradFill rotWithShape="0">
-          <a:gsLst>
-            <a:gs pos="0">
-              <a:srgbClr val="e5f6ff"/>
-            </a:gs>
-            <a:gs pos="100000">
-              <a:srgbClr val="ffffff"/>
-            </a:gs>
-          </a:gsLst>
-          <a:lin ang="4200000"/>
-        </a:gradFill>
+        <a:solidFill>
+          <a:srgbClr val="ffffff"/>
+        </a:solidFill>
       </p:bgPr>
     </p:bg>
     <p:spTree>
@@ -6552,9 +5831,448 @@
           <a:chExt cx="0" cy="0"/>
         </a:xfrm>
       </p:grpSpPr>
-      <p:sp>
-        <p:nvSpPr>
-          <p:cNvPr id="102" name="PlaceHolder 1"/>
+      <p:pic>
+        <p:nvPicPr>
+          <p:cNvPr id="96" name="Houses" descr=""/>
+          <p:cNvPicPr/>
+          <p:nvPr/>
+        </p:nvPicPr>
+        <p:blipFill>
+          <a:blip r:embed="rId2"/>
+          <a:srcRect l="0" t="0" r="0" b="16442"/>
+          <a:stretch/>
+        </p:blipFill>
+        <p:spPr>
+          <a:xfrm>
+            <a:off x="15480" y="3562560"/>
+            <a:ext cx="12012120" cy="3294000"/>
+          </a:xfrm>
+          <a:prstGeom prst="rect">
+            <a:avLst/>
+          </a:prstGeom>
+          <a:ln>
+            <a:noFill/>
+          </a:ln>
+        </p:spPr>
+      </p:pic>
+      <p:sp>
+        <p:nvSpPr>
+          <p:cNvPr id="97" name="CustomShape 1"/>
+          <p:cNvSpPr/>
+          <p:nvPr/>
+        </p:nvSpPr>
+        <p:spPr>
+          <a:xfrm rot="5400000">
+            <a:off x="9143640" y="-1901880"/>
+            <a:ext cx="34560" cy="5398560"/>
+          </a:xfrm>
+          <a:prstGeom prst="rect">
+            <a:avLst/>
+          </a:prstGeom>
+          <a:gradFill rotWithShape="0">
+            <a:gsLst>
+              <a:gs pos="0">
+                <a:srgbClr val="263996"/>
+              </a:gs>
+              <a:gs pos="100000">
+                <a:srgbClr val="008bd3"/>
+              </a:gs>
+            </a:gsLst>
+            <a:lin ang="10800000"/>
+          </a:gradFill>
+          <a:ln>
+            <a:noFill/>
+          </a:ln>
+        </p:spPr>
+        <p:style>
+          <a:lnRef idx="2">
+            <a:schemeClr val="accent1">
+              <a:shade val="50000"/>
+            </a:schemeClr>
+          </a:lnRef>
+          <a:fillRef idx="1">
+            <a:schemeClr val="accent1"/>
+          </a:fillRef>
+          <a:effectRef idx="0">
+            <a:schemeClr val="accent1"/>
+          </a:effectRef>
+          <a:fontRef idx="minor"/>
+        </p:style>
+      </p:sp>
+      <p:sp>
+        <p:nvSpPr>
+          <p:cNvPr id="98" name="CustomShape 2"/>
+          <p:cNvSpPr/>
+          <p:nvPr/>
+        </p:nvSpPr>
+        <p:spPr>
+          <a:xfrm rot="5400000">
+            <a:off x="1191960" y="436680"/>
+            <a:ext cx="34560" cy="718560"/>
+          </a:xfrm>
+          <a:prstGeom prst="rect">
+            <a:avLst/>
+          </a:prstGeom>
+          <a:solidFill>
+            <a:srgbClr val="008bd3"/>
+          </a:solidFill>
+          <a:ln>
+            <a:noFill/>
+          </a:ln>
+        </p:spPr>
+        <p:style>
+          <a:lnRef idx="2">
+            <a:schemeClr val="accent1">
+              <a:shade val="50000"/>
+            </a:schemeClr>
+          </a:lnRef>
+          <a:fillRef idx="1">
+            <a:schemeClr val="accent1"/>
+          </a:fillRef>
+          <a:effectRef idx="0">
+            <a:schemeClr val="accent1"/>
+          </a:effectRef>
+          <a:fontRef idx="minor"/>
+        </p:style>
+      </p:sp>
+      <p:sp>
+        <p:nvSpPr>
+          <p:cNvPr id="99" name="CustomShape 3"/>
+          <p:cNvSpPr/>
+          <p:nvPr/>
+        </p:nvSpPr>
+        <p:spPr>
+          <a:xfrm>
+            <a:off x="0" y="2050560"/>
+            <a:ext cx="12190680" cy="4806000"/>
+          </a:xfrm>
+          <a:prstGeom prst="rect">
+            <a:avLst/>
+          </a:prstGeom>
+          <a:solidFill>
+            <a:schemeClr val="bg1">
+              <a:alpha val="87000"/>
+            </a:schemeClr>
+          </a:solidFill>
+          <a:ln>
+            <a:noFill/>
+          </a:ln>
+        </p:spPr>
+        <p:style>
+          <a:lnRef idx="2">
+            <a:schemeClr val="accent1">
+              <a:shade val="50000"/>
+            </a:schemeClr>
+          </a:lnRef>
+          <a:fillRef idx="1">
+            <a:schemeClr val="accent1"/>
+          </a:fillRef>
+          <a:effectRef idx="0">
+            <a:schemeClr val="accent1"/>
+          </a:effectRef>
+          <a:fontRef idx="minor"/>
+        </p:style>
+      </p:sp>
+      <p:sp>
+        <p:nvSpPr>
+          <p:cNvPr id="100" name="CustomShape 4"/>
+          <p:cNvSpPr/>
+          <p:nvPr/>
+        </p:nvSpPr>
+        <p:spPr>
+          <a:xfrm>
+            <a:off x="1568520" y="694440"/>
+            <a:ext cx="205920" cy="205920"/>
+          </a:xfrm>
+          <a:prstGeom prst="ellipse">
+            <a:avLst/>
+          </a:prstGeom>
+          <a:noFill/>
+          <a:ln>
+            <a:solidFill>
+              <a:srgbClr val="0086ce"/>
+            </a:solidFill>
+          </a:ln>
+        </p:spPr>
+        <p:style>
+          <a:lnRef idx="2">
+            <a:schemeClr val="accent1">
+              <a:shade val="50000"/>
+            </a:schemeClr>
+          </a:lnRef>
+          <a:fillRef idx="1">
+            <a:schemeClr val="accent1"/>
+          </a:fillRef>
+          <a:effectRef idx="0">
+            <a:schemeClr val="accent1"/>
+          </a:effectRef>
+          <a:fontRef idx="minor"/>
+        </p:style>
+      </p:sp>
+      <p:sp>
+        <p:nvSpPr>
+          <p:cNvPr id="101" name="CustomShape 5"/>
+          <p:cNvSpPr/>
+          <p:nvPr/>
+        </p:nvSpPr>
+        <p:spPr>
+          <a:xfrm>
+            <a:off x="6252480" y="694440"/>
+            <a:ext cx="205920" cy="205920"/>
+          </a:xfrm>
+          <a:prstGeom prst="ellipse">
+            <a:avLst/>
+          </a:prstGeom>
+          <a:noFill/>
+          <a:ln>
+            <a:solidFill>
+              <a:srgbClr val="0086ce"/>
+            </a:solidFill>
+          </a:ln>
+        </p:spPr>
+        <p:style>
+          <a:lnRef idx="2">
+            <a:schemeClr val="accent1">
+              <a:shade val="50000"/>
+            </a:schemeClr>
+          </a:lnRef>
+          <a:fillRef idx="1">
+            <a:schemeClr val="accent1"/>
+          </a:fillRef>
+          <a:effectRef idx="0">
+            <a:schemeClr val="accent1"/>
+          </a:effectRef>
+          <a:fontRef idx="minor"/>
+        </p:style>
+      </p:sp>
+      <p:sp>
+        <p:nvSpPr>
+          <p:cNvPr id="102" name="CustomShape 6"/>
+          <p:cNvSpPr/>
+          <p:nvPr/>
+        </p:nvSpPr>
+        <p:spPr>
+          <a:xfrm>
+            <a:off x="647640" y="694440"/>
+            <a:ext cx="205920" cy="205920"/>
+          </a:xfrm>
+          <a:prstGeom prst="ellipse">
+            <a:avLst/>
+          </a:prstGeom>
+          <a:noFill/>
+          <a:ln>
+            <a:solidFill>
+              <a:srgbClr val="0086ce"/>
+            </a:solidFill>
+          </a:ln>
+        </p:spPr>
+        <p:style>
+          <a:lnRef idx="2">
+            <a:schemeClr val="accent1">
+              <a:shade val="50000"/>
+            </a:schemeClr>
+          </a:lnRef>
+          <a:fillRef idx="1">
+            <a:schemeClr val="accent1"/>
+          </a:fillRef>
+          <a:effectRef idx="0">
+            <a:schemeClr val="accent1"/>
+          </a:effectRef>
+          <a:fontRef idx="minor"/>
+        </p:style>
+      </p:sp>
+      <p:sp>
+        <p:nvSpPr>
+          <p:cNvPr id="103" name="CustomShape 7"/>
+          <p:cNvSpPr/>
+          <p:nvPr/>
+        </p:nvSpPr>
+        <p:spPr>
+          <a:xfrm>
+            <a:off x="7496280" y="6400800"/>
+            <a:ext cx="4572360" cy="345600"/>
+          </a:xfrm>
+          <a:prstGeom prst="rect">
+            <a:avLst/>
+          </a:prstGeom>
+          <a:noFill/>
+          <a:ln>
+            <a:noFill/>
+          </a:ln>
+        </p:spPr>
+        <p:style>
+          <a:lnRef idx="0"/>
+          <a:fillRef idx="0"/>
+          <a:effectRef idx="0"/>
+          <a:fontRef idx="minor"/>
+        </p:style>
+        <p:txBody>
+          <a:bodyPr lIns="90000" rIns="90000" tIns="45000" bIns="45000" anchor="ctr">
+            <a:noAutofit/>
+          </a:bodyPr>
+          <a:p>
+            <a:pPr algn="r">
+              <a:lnSpc>
+                <a:spcPct val="80000"/>
+              </a:lnSpc>
+            </a:pPr>
+            <a:r>
+              <a:rPr b="1" lang="ru-RU" sz="1400" spc="-1" strike="noStrike">
+                <a:solidFill>
+                  <a:srgbClr val="808080"/>
+                </a:solidFill>
+                <a:latin typeface="Calibri"/>
+                <a:ea typeface="DejaVu Sans"/>
+              </a:rPr>
+              <a:t>ИТОГОВЫЙ  КОНКУРС ПРОЕКТОВ В РТУ МИРЭА - 2022 </a:t>
+            </a:r>
+            <a:endParaRPr b="0" lang="ru-RU" sz="1400" spc="-1" strike="noStrike">
+              <a:latin typeface="Arial"/>
+            </a:endParaRPr>
+          </a:p>
+        </p:txBody>
+      </p:sp>
+      <p:pic>
+        <p:nvPicPr>
+          <p:cNvPr id="104" name="Picture 2" descr=""/>
+          <p:cNvPicPr/>
+          <p:nvPr/>
+        </p:nvPicPr>
+        <p:blipFill>
+          <a:blip r:embed="rId3"/>
+          <a:stretch/>
+        </p:blipFill>
+        <p:spPr>
+          <a:xfrm>
+            <a:off x="9968760" y="103320"/>
+            <a:ext cx="1887480" cy="628200"/>
+          </a:xfrm>
+          <a:prstGeom prst="rect">
+            <a:avLst/>
+          </a:prstGeom>
+          <a:ln>
+            <a:noFill/>
+          </a:ln>
+        </p:spPr>
+      </p:pic>
+      <p:sp>
+        <p:nvSpPr>
+          <p:cNvPr id="105" name="PlaceHolder 8"/>
+          <p:cNvSpPr>
+            <a:spLocks noGrp="1"/>
+          </p:cNvSpPr>
+          <p:nvPr>
+            <p:ph type="ftr"/>
+          </p:nvPr>
+        </p:nvSpPr>
+        <p:spPr>
+          <a:xfrm>
+            <a:off x="4038480" y="6356520"/>
+            <a:ext cx="4113360" cy="363600"/>
+          </a:xfrm>
+          <a:prstGeom prst="rect">
+            <a:avLst/>
+          </a:prstGeom>
+        </p:spPr>
+        <p:txBody>
+          <a:bodyPr lIns="90000" rIns="90000" tIns="45000" bIns="45000" anchor="ctr">
+            <a:noAutofit/>
+          </a:bodyPr>
+          <a:p>
+            <a:pPr algn="ctr">
+              <a:lnSpc>
+                <a:spcPct val="100000"/>
+              </a:lnSpc>
+            </a:pPr>
+            <a:r>
+              <a:rPr b="0" lang="ru-RU" sz="1400" spc="-1" strike="noStrike">
+                <a:latin typeface="Times New Roman"/>
+              </a:rPr>
+              <a:t>Footer</a:t>
+            </a:r>
+            <a:endParaRPr b="0" lang="ru-RU" sz="1400" spc="-1" strike="noStrike">
+              <a:latin typeface="Times New Roman"/>
+            </a:endParaRPr>
+          </a:p>
+        </p:txBody>
+      </p:sp>
+      <p:sp>
+        <p:nvSpPr>
+          <p:cNvPr id="106" name="PlaceHolder 9"/>
+          <p:cNvSpPr>
+            <a:spLocks noGrp="1"/>
+          </p:cNvSpPr>
+          <p:nvPr>
+            <p:ph type="sldNum"/>
+          </p:nvPr>
+        </p:nvSpPr>
+        <p:spPr>
+          <a:xfrm>
+            <a:off x="8610480" y="6356520"/>
+            <a:ext cx="2741760" cy="363600"/>
+          </a:xfrm>
+          <a:prstGeom prst="rect">
+            <a:avLst/>
+          </a:prstGeom>
+        </p:spPr>
+        <p:txBody>
+          <a:bodyPr lIns="90000" rIns="90000" tIns="45000" bIns="45000" anchor="ctr">
+            <a:noAutofit/>
+          </a:bodyPr>
+          <a:p>
+            <a:pPr algn="r">
+              <a:lnSpc>
+                <a:spcPct val="100000"/>
+              </a:lnSpc>
+            </a:pPr>
+            <a:fld id="{57E25CB6-FF10-47E6-93F2-084C19C9FE8A}" type="slidenum">
+              <a:rPr b="0" lang="ru-RU" sz="1200" spc="-1" strike="noStrike">
+                <a:solidFill>
+                  <a:srgbClr val="8b8b8b"/>
+                </a:solidFill>
+                <a:latin typeface="Calibri"/>
+              </a:rPr>
+              <a:t>1</a:t>
+            </a:fld>
+            <a:endParaRPr b="0" lang="ru-RU" sz="1200" spc="-1" strike="noStrike">
+              <a:latin typeface="Times New Roman"/>
+            </a:endParaRPr>
+          </a:p>
+        </p:txBody>
+      </p:sp>
+      <p:sp>
+        <p:nvSpPr>
+          <p:cNvPr id="107" name="PlaceHolder 10"/>
+          <p:cNvSpPr>
+            <a:spLocks noGrp="1"/>
+          </p:cNvSpPr>
+          <p:nvPr>
+            <p:ph type="dt"/>
+          </p:nvPr>
+        </p:nvSpPr>
+        <p:spPr>
+          <a:xfrm>
+            <a:off x="838080" y="6356520"/>
+            <a:ext cx="2741760" cy="363600"/>
+          </a:xfrm>
+          <a:prstGeom prst="rect">
+            <a:avLst/>
+          </a:prstGeom>
+        </p:spPr>
+        <p:txBody>
+          <a:bodyPr lIns="90000" rIns="90000" tIns="45000" bIns="45000" anchor="ctr">
+            <a:noAutofit/>
+          </a:bodyPr>
+          <a:p>
+            <a:endParaRPr b="0" lang="ru-RU" sz="2400" spc="-1" strike="noStrike">
+              <a:latin typeface="Times New Roman"/>
+            </a:endParaRPr>
+          </a:p>
+        </p:txBody>
+      </p:sp>
+      <p:sp>
+        <p:nvSpPr>
+          <p:cNvPr id="108" name="PlaceHolder 11"/>
           <p:cNvSpPr>
             <a:spLocks noGrp="1"/>
           </p:cNvSpPr>
@@ -6564,14 +6282,263 @@
         </p:nvSpPr>
         <p:spPr>
           <a:xfrm>
+            <a:off x="609480" y="273600"/>
+            <a:ext cx="10972440" cy="1144800"/>
+          </a:xfrm>
+          <a:prstGeom prst="rect">
+            <a:avLst/>
+          </a:prstGeom>
+        </p:spPr>
+        <p:txBody>
+          <a:bodyPr lIns="0" rIns="0" tIns="0" bIns="0" anchor="ctr">
+            <a:noAutofit/>
+          </a:bodyPr>
+          <a:p>
+            <a:pPr algn="ctr"/>
+            <a:r>
+              <a:rPr b="0" lang="ru-RU" sz="4400" spc="-1" strike="noStrike">
+                <a:latin typeface="Arial"/>
+              </a:rPr>
+              <a:t>Для правки текста заглавия щёлкните мышью</a:t>
+            </a:r>
+            <a:endParaRPr b="0" lang="ru-RU" sz="4400" spc="-1" strike="noStrike">
+              <a:latin typeface="Arial"/>
+            </a:endParaRPr>
+          </a:p>
+        </p:txBody>
+      </p:sp>
+      <p:sp>
+        <p:nvSpPr>
+          <p:cNvPr id="109" name="PlaceHolder 12"/>
+          <p:cNvSpPr>
+            <a:spLocks noGrp="1"/>
+          </p:cNvSpPr>
+          <p:nvPr>
+            <p:ph type="body"/>
+          </p:nvPr>
+        </p:nvSpPr>
+        <p:spPr>
+          <a:xfrm>
+            <a:off x="609480" y="1604520"/>
+            <a:ext cx="10972440" cy="3977280"/>
+          </a:xfrm>
+          <a:prstGeom prst="rect">
+            <a:avLst/>
+          </a:prstGeom>
+        </p:spPr>
+        <p:txBody>
+          <a:bodyPr lIns="0" rIns="0" tIns="0" bIns="0">
+            <a:normAutofit/>
+          </a:bodyPr>
+          <a:p>
+            <a:pPr marL="432000" indent="-324000">
+              <a:spcBef>
+                <a:spcPts val="1417"/>
+              </a:spcBef>
+              <a:buClr>
+                <a:srgbClr val="000000"/>
+              </a:buClr>
+              <a:buSzPct val="45000"/>
+              <a:buFont typeface="Wingdings" charset="2"/>
+              <a:buChar char=""/>
+            </a:pPr>
+            <a:r>
+              <a:rPr b="0" lang="ru-RU" sz="3200" spc="-1" strike="noStrike">
+                <a:latin typeface="Arial"/>
+              </a:rPr>
+              <a:t>Для правки структуры щёлкните мышью</a:t>
+            </a:r>
+            <a:endParaRPr b="0" lang="ru-RU" sz="3200" spc="-1" strike="noStrike">
+              <a:latin typeface="Arial"/>
+            </a:endParaRPr>
+          </a:p>
+          <a:p>
+            <a:pPr lvl="1" marL="864000" indent="-324000">
+              <a:spcBef>
+                <a:spcPts val="1134"/>
+              </a:spcBef>
+              <a:buClr>
+                <a:srgbClr val="000000"/>
+              </a:buClr>
+              <a:buSzPct val="75000"/>
+              <a:buFont typeface="Symbol" charset="2"/>
+              <a:buChar char=""/>
+            </a:pPr>
+            <a:r>
+              <a:rPr b="0" lang="ru-RU" sz="2800" spc="-1" strike="noStrike">
+                <a:latin typeface="Arial"/>
+              </a:rPr>
+              <a:t>Второй уровень структуры</a:t>
+            </a:r>
+            <a:endParaRPr b="0" lang="ru-RU" sz="2800" spc="-1" strike="noStrike">
+              <a:latin typeface="Arial"/>
+            </a:endParaRPr>
+          </a:p>
+          <a:p>
+            <a:pPr lvl="2" marL="1296000" indent="-288000">
+              <a:spcBef>
+                <a:spcPts val="850"/>
+              </a:spcBef>
+              <a:buClr>
+                <a:srgbClr val="000000"/>
+              </a:buClr>
+              <a:buSzPct val="45000"/>
+              <a:buFont typeface="Wingdings" charset="2"/>
+              <a:buChar char=""/>
+            </a:pPr>
+            <a:r>
+              <a:rPr b="0" lang="ru-RU" sz="2400" spc="-1" strike="noStrike">
+                <a:latin typeface="Arial"/>
+              </a:rPr>
+              <a:t>Третий уровень структуры</a:t>
+            </a:r>
+            <a:endParaRPr b="0" lang="ru-RU" sz="2400" spc="-1" strike="noStrike">
+              <a:latin typeface="Arial"/>
+            </a:endParaRPr>
+          </a:p>
+          <a:p>
+            <a:pPr lvl="3" marL="1728000" indent="-216000">
+              <a:spcBef>
+                <a:spcPts val="567"/>
+              </a:spcBef>
+              <a:buClr>
+                <a:srgbClr val="000000"/>
+              </a:buClr>
+              <a:buSzPct val="75000"/>
+              <a:buFont typeface="Symbol" charset="2"/>
+              <a:buChar char=""/>
+            </a:pPr>
+            <a:r>
+              <a:rPr b="0" lang="ru-RU" sz="2000" spc="-1" strike="noStrike">
+                <a:latin typeface="Arial"/>
+              </a:rPr>
+              <a:t>Четвёртый уровень структуры</a:t>
+            </a:r>
+            <a:endParaRPr b="0" lang="ru-RU" sz="2000" spc="-1" strike="noStrike">
+              <a:latin typeface="Arial"/>
+            </a:endParaRPr>
+          </a:p>
+          <a:p>
+            <a:pPr lvl="4" marL="2160000" indent="-216000">
+              <a:spcBef>
+                <a:spcPts val="283"/>
+              </a:spcBef>
+              <a:buClr>
+                <a:srgbClr val="000000"/>
+              </a:buClr>
+              <a:buSzPct val="45000"/>
+              <a:buFont typeface="Wingdings" charset="2"/>
+              <a:buChar char=""/>
+            </a:pPr>
+            <a:r>
+              <a:rPr b="0" lang="ru-RU" sz="2000" spc="-1" strike="noStrike">
+                <a:latin typeface="Arial"/>
+              </a:rPr>
+              <a:t>Пятый уровень структуры</a:t>
+            </a:r>
+            <a:endParaRPr b="0" lang="ru-RU" sz="2000" spc="-1" strike="noStrike">
+              <a:latin typeface="Arial"/>
+            </a:endParaRPr>
+          </a:p>
+          <a:p>
+            <a:pPr lvl="5" marL="2592000" indent="-216000">
+              <a:spcBef>
+                <a:spcPts val="283"/>
+              </a:spcBef>
+              <a:buClr>
+                <a:srgbClr val="000000"/>
+              </a:buClr>
+              <a:buSzPct val="45000"/>
+              <a:buFont typeface="Wingdings" charset="2"/>
+              <a:buChar char=""/>
+            </a:pPr>
+            <a:r>
+              <a:rPr b="0" lang="ru-RU" sz="2000" spc="-1" strike="noStrike">
+                <a:latin typeface="Arial"/>
+              </a:rPr>
+              <a:t>Шестой уровень структуры</a:t>
+            </a:r>
+            <a:endParaRPr b="0" lang="ru-RU" sz="2000" spc="-1" strike="noStrike">
+              <a:latin typeface="Arial"/>
+            </a:endParaRPr>
+          </a:p>
+          <a:p>
+            <a:pPr lvl="6" marL="3024000" indent="-216000">
+              <a:spcBef>
+                <a:spcPts val="283"/>
+              </a:spcBef>
+              <a:buClr>
+                <a:srgbClr val="000000"/>
+              </a:buClr>
+              <a:buSzPct val="45000"/>
+              <a:buFont typeface="Wingdings" charset="2"/>
+              <a:buChar char=""/>
+            </a:pPr>
+            <a:r>
+              <a:rPr b="0" lang="ru-RU" sz="2000" spc="-1" strike="noStrike">
+                <a:latin typeface="Arial"/>
+              </a:rPr>
+              <a:t>Седьмой уровень структуры</a:t>
+            </a:r>
+            <a:endParaRPr b="0" lang="ru-RU" sz="2000" spc="-1" strike="noStrike">
+              <a:latin typeface="Arial"/>
+            </a:endParaRPr>
+          </a:p>
+        </p:txBody>
+      </p:sp>
+    </p:spTree>
+  </p:cSld>
+  <p:clrMap bg1="lt1" bg2="lt2" tx1="dk1" tx2="dk2" accent1="accent1" accent2="accent2" accent3="accent3" accent4="accent4" accent5="accent5" accent6="accent6" hlink="hlink" folHlink="folHlink"/>
+  <p:sldLayoutIdLst>
+    <p:sldLayoutId id="2147483675" r:id="rId4"/>
+    <p:sldLayoutId id="2147483676" r:id="rId5"/>
+    <p:sldLayoutId id="2147483677" r:id="rId6"/>
+    <p:sldLayoutId id="2147483678" r:id="rId7"/>
+    <p:sldLayoutId id="2147483679" r:id="rId8"/>
+    <p:sldLayoutId id="2147483680" r:id="rId9"/>
+    <p:sldLayoutId id="2147483681" r:id="rId10"/>
+    <p:sldLayoutId id="2147483682" r:id="rId11"/>
+    <p:sldLayoutId id="2147483683" r:id="rId12"/>
+    <p:sldLayoutId id="2147483684" r:id="rId13"/>
+    <p:sldLayoutId id="2147483685" r:id="rId14"/>
+    <p:sldLayoutId id="2147483686" r:id="rId15"/>
+  </p:sldLayoutIdLst>
+</p:sldMaster>
+</file>
+
+<file path=ppt/slides/slide1.xml><?xml version="1.0" encoding="utf-8"?>
+<p:sld xmlns:a="http://schemas.openxmlformats.org/drawingml/2006/main" xmlns:p="http://schemas.openxmlformats.org/presentationml/2006/main" xmlns:r="http://schemas.openxmlformats.org/officeDocument/2006/relationships" xmlns:p14="http://schemas.microsoft.com/office/powerpoint/2010/main" xmlns:p15="http://schemas.microsoft.com/office/powerpoint/2012/main" xmlns:mc="http://schemas.openxmlformats.org/markup-compatibility/2006">
+  <p:cSld>
+    <p:spTree>
+      <p:nvGrpSpPr>
+        <p:cNvPr id="1" name=""/>
+        <p:cNvGrpSpPr/>
+        <p:nvPr/>
+      </p:nvGrpSpPr>
+      <p:grpSpPr>
+        <a:xfrm>
+          <a:off x="0" y="0"/>
+          <a:ext cx="0" cy="0"/>
+          <a:chOff x="0" y="0"/>
+          <a:chExt cx="0" cy="0"/>
+        </a:xfrm>
+      </p:grpSpPr>
+      <p:sp>
+        <p:nvSpPr>
+          <p:cNvPr id="152" name="TextShape 1"/>
+          <p:cNvSpPr txBox="1"/>
+          <p:nvPr/>
+        </p:nvSpPr>
+        <p:spPr>
+          <a:xfrm>
             <a:off x="4200480" y="1905120"/>
-            <a:ext cx="7876080" cy="974160"/>
+            <a:ext cx="7875720" cy="973800"/>
           </a:xfrm>
           <a:prstGeom prst="rect">
             <a:avLst/>
           </a:prstGeom>
           <a:noFill/>
-          <a:ln w="0">
+          <a:ln>
             <a:noFill/>
           </a:ln>
         </p:spPr>
@@ -6584,7 +6551,6 @@
               <a:lnSpc>
                 <a:spcPct val="80000"/>
               </a:lnSpc>
-              <a:buNone/>
             </a:pPr>
             <a:r>
               <a:rPr b="1" i="1" lang="ru-RU" sz="2400" spc="-1" strike="noStrike">
@@ -6593,7 +6559,7 @@
                 </a:solidFill>
                 <a:latin typeface="Calibri"/>
               </a:rPr>
-              <a:t>«Организационное обеспечение и результаты проектирования системы интеллектуального анализа текстов рабочих программ дисциплин института»</a:t>
+              <a:t>«Интеллектуальный анализ текстов рабочих программ дисциплин института»</a:t>
             </a:r>
             <a:endParaRPr b="0" lang="ru-RU" sz="2400" spc="-1" strike="noStrike">
               <a:latin typeface="Arial"/>
@@ -6603,20 +6569,20 @@
       </p:sp>
       <p:sp>
         <p:nvSpPr>
-          <p:cNvPr id="103" name="Заголовок 3"/>
+          <p:cNvPr id="153" name="CustomShape 2"/>
           <p:cNvSpPr/>
           <p:nvPr/>
         </p:nvSpPr>
         <p:spPr>
           <a:xfrm>
             <a:off x="505080" y="263880"/>
-            <a:ext cx="3226680" cy="2691360"/>
+            <a:ext cx="3226320" cy="2691000"/>
           </a:xfrm>
           <a:prstGeom prst="rect">
             <a:avLst/>
           </a:prstGeom>
           <a:noFill/>
-          <a:ln w="0">
+          <a:ln>
             <a:noFill/>
           </a:ln>
         </p:spPr>
@@ -6635,7 +6601,6 @@
               <a:lnSpc>
                 <a:spcPct val="80000"/>
               </a:lnSpc>
-              <a:buNone/>
             </a:pPr>
             <a:r>
               <a:rPr b="1" lang="ru-RU" sz="3200" spc="-1" strike="noStrike">
@@ -6645,27 +6610,7 @@
                 <a:latin typeface="Calibri"/>
                 <a:ea typeface="DejaVu Sans"/>
               </a:rPr>
-              <a:t>ИТОГОВЫЙ  КОНКУРС ПРОЕКТОВ В РТУ МИРЭА</a:t>
-            </a:r>
-            <a:r>
-              <a:rPr b="1" lang="en-US" sz="3200" spc="-1" strike="noStrike">
-                <a:solidFill>
-                  <a:srgbClr val="263996"/>
-                </a:solidFill>
-                <a:latin typeface="Calibri"/>
-                <a:ea typeface="DejaVu Sans"/>
-              </a:rPr>
-              <a:t> - 202</a:t>
-            </a:r>
-            <a:r>
-              <a:rPr b="1" lang="ru-RU" sz="3200" spc="-1" strike="noStrike">
-                <a:solidFill>
-                  <a:srgbClr val="263996"/>
-                </a:solidFill>
-                <a:latin typeface="Calibri"/>
-                <a:ea typeface="DejaVu Sans"/>
-              </a:rPr>
-              <a:t>2</a:t>
+              <a:t>ИТОГОВЫЙ  КОНКУРС ПРОЕКТОВ В РТУ МИРЭА - 2022</a:t>
             </a:r>
             <a:endParaRPr b="0" lang="ru-RU" sz="3200" spc="-1" strike="noStrike">
               <a:latin typeface="Arial"/>
@@ -6675,20 +6620,20 @@
       </p:sp>
       <p:sp>
         <p:nvSpPr>
-          <p:cNvPr id="104" name="Заголовок 3"/>
+          <p:cNvPr id="154" name="CustomShape 3"/>
           <p:cNvSpPr/>
           <p:nvPr/>
         </p:nvSpPr>
         <p:spPr>
           <a:xfrm>
             <a:off x="4470120" y="2880000"/>
-            <a:ext cx="7606440" cy="2293560"/>
+            <a:ext cx="7606080" cy="2293200"/>
           </a:xfrm>
           <a:prstGeom prst="rect">
             <a:avLst/>
           </a:prstGeom>
           <a:noFill/>
-          <a:ln w="0">
+          <a:ln>
             <a:noFill/>
           </a:ln>
         </p:spPr>
@@ -6707,10 +6652,6 @@
               <a:lnSpc>
                 <a:spcPct val="80000"/>
               </a:lnSpc>
-              <a:buNone/>
-              <a:tabLst>
-                <a:tab algn="l" pos="0"/>
-              </a:tabLst>
             </a:pPr>
             <a:r>
               <a:rPr b="1" lang="ru-RU" sz="2400" spc="-1" strike="noStrike">
@@ -6751,10 +6692,6 @@
               <a:lnSpc>
                 <a:spcPct val="80000"/>
               </a:lnSpc>
-              <a:buNone/>
-              <a:tabLst>
-                <a:tab algn="l" pos="0"/>
-              </a:tabLst>
             </a:pPr>
             <a:r>
               <a:rPr b="1" lang="ru-RU" sz="2400" spc="-1" strike="noStrike">
@@ -6795,10 +6732,6 @@
               <a:lnSpc>
                 <a:spcPct val="80000"/>
               </a:lnSpc>
-              <a:buNone/>
-              <a:tabLst>
-                <a:tab algn="l" pos="0"/>
-              </a:tabLst>
             </a:pPr>
             <a:r>
               <a:rPr b="1" lang="ru-RU" sz="2400" spc="-1" strike="noStrike">
@@ -6839,10 +6772,6 @@
               <a:lnSpc>
                 <a:spcPct val="80000"/>
               </a:lnSpc>
-              <a:buNone/>
-              <a:tabLst>
-                <a:tab algn="l" pos="0"/>
-              </a:tabLst>
             </a:pPr>
             <a:endParaRPr b="0" lang="ru-RU" sz="2400" spc="-1" strike="noStrike">
               <a:latin typeface="Arial"/>
@@ -6853,10 +6782,6 @@
               <a:lnSpc>
                 <a:spcPct val="80000"/>
               </a:lnSpc>
-              <a:buNone/>
-              <a:tabLst>
-                <a:tab algn="l" pos="0"/>
-              </a:tabLst>
             </a:pPr>
             <a:r>
               <a:rPr b="1" lang="ru-RU" sz="2400" spc="-1" strike="noStrike">
@@ -6877,10 +6802,6 @@
               <a:lnSpc>
                 <a:spcPct val="80000"/>
               </a:lnSpc>
-              <a:buNone/>
-              <a:tabLst>
-                <a:tab algn="l" pos="0"/>
-              </a:tabLst>
             </a:pPr>
             <a:endParaRPr b="0" lang="ru-RU" sz="2400" spc="-1" strike="noStrike">
               <a:latin typeface="Arial"/>
@@ -6891,21 +6812,7 @@
               <a:lnSpc>
                 <a:spcPct val="80000"/>
               </a:lnSpc>
-              <a:buNone/>
-              <a:tabLst>
-                <a:tab algn="l" pos="0"/>
-              </a:tabLst>
             </a:pPr>
-            <a:r>
-              <a:rPr b="1" lang="en-US" sz="2400" spc="-1" strike="noStrike">
-                <a:solidFill>
-                  <a:srgbClr val="333f4f"/>
-                </a:solidFill>
-                <a:latin typeface="Calibri"/>
-                <a:ea typeface="DejaVu Sans"/>
-              </a:rPr>
-              <a:t>30</a:t>
-            </a:r>
             <a:r>
               <a:rPr b="1" lang="ru-RU" sz="2400" spc="-1" strike="noStrike">
                 <a:solidFill>
@@ -6914,7 +6821,7 @@
                 <a:latin typeface="Calibri"/>
                 <a:ea typeface="DejaVu Sans"/>
               </a:rPr>
-              <a:t>.06.2022</a:t>
+              <a:t>30.06.2022</a:t>
             </a:r>
             <a:endParaRPr b="0" lang="ru-RU" sz="2400" spc="-1" strike="noStrike">
               <a:latin typeface="Arial"/>
@@ -6924,7 +6831,7 @@
       </p:sp>
       <p:pic>
         <p:nvPicPr>
-          <p:cNvPr id="105" name="Рисунок 6" descr=""/>
+          <p:cNvPr id="155" name="Рисунок 6" descr=""/>
           <p:cNvPicPr/>
           <p:nvPr/>
         </p:nvPicPr>
@@ -6935,19 +6842,19 @@
         <p:spPr>
           <a:xfrm>
             <a:off x="10187280" y="263880"/>
-            <a:ext cx="1483560" cy="1640160"/>
-          </a:xfrm>
-          <a:prstGeom prst="rect">
-            <a:avLst/>
-          </a:prstGeom>
-          <a:ln w="0">
+            <a:ext cx="1483200" cy="1639800"/>
+          </a:xfrm>
+          <a:prstGeom prst="rect">
+            <a:avLst/>
+          </a:prstGeom>
+          <a:ln>
             <a:noFill/>
           </a:ln>
         </p:spPr>
       </p:pic>
       <p:pic>
         <p:nvPicPr>
-          <p:cNvPr id="106" name="Picture 3" descr=""/>
+          <p:cNvPr id="156" name="Picture 3" descr=""/>
           <p:cNvPicPr/>
           <p:nvPr/>
         </p:nvPicPr>
@@ -6958,12 +6865,12 @@
         <p:spPr>
           <a:xfrm>
             <a:off x="4312800" y="446400"/>
-            <a:ext cx="3341160" cy="1457640"/>
-          </a:xfrm>
-          <a:prstGeom prst="rect">
-            <a:avLst/>
-          </a:prstGeom>
-          <a:ln w="0">
+            <a:ext cx="3340800" cy="1457280"/>
+          </a:xfrm>
+          <a:prstGeom prst="rect">
+            <a:avLst/>
+          </a:prstGeom>
+          <a:ln>
             <a:noFill/>
           </a:ln>
         </p:spPr>
@@ -7004,24 +6911,20 @@
       </p:grpSpPr>
       <p:sp>
         <p:nvSpPr>
-          <p:cNvPr id="107" name="PlaceHolder 1"/>
-          <p:cNvSpPr>
-            <a:spLocks noGrp="1"/>
-          </p:cNvSpPr>
-          <p:nvPr>
-            <p:ph type="title"/>
-          </p:nvPr>
+          <p:cNvPr id="157" name="TextShape 1"/>
+          <p:cNvSpPr txBox="1"/>
+          <p:nvPr/>
         </p:nvSpPr>
         <p:spPr>
           <a:xfrm>
             <a:off x="593640" y="321120"/>
-            <a:ext cx="8788320" cy="398880"/>
+            <a:ext cx="8787960" cy="398520"/>
           </a:xfrm>
           <a:prstGeom prst="rect">
             <a:avLst/>
           </a:prstGeom>
           <a:noFill/>
-          <a:ln w="0">
+          <a:ln>
             <a:noFill/>
           </a:ln>
         </p:spPr>
@@ -7034,7 +6937,6 @@
               <a:lnSpc>
                 <a:spcPct val="80000"/>
               </a:lnSpc>
-              <a:buNone/>
             </a:pPr>
             <a:r>
               <a:rPr b="1" lang="ru-RU" sz="2800" spc="-1" strike="noStrike" cap="all">
@@ -7053,7 +6955,7 @@
       </p:sp>
       <p:pic>
         <p:nvPicPr>
-          <p:cNvPr id="108" name="Picture 2" descr=""/>
+          <p:cNvPr id="158" name="Picture 2" descr=""/>
           <p:cNvPicPr/>
           <p:nvPr/>
         </p:nvPicPr>
@@ -7065,19 +6967,19 @@
         <p:spPr>
           <a:xfrm>
             <a:off x="10107720" y="69120"/>
-            <a:ext cx="1749600" cy="681120"/>
-          </a:xfrm>
-          <a:prstGeom prst="rect">
-            <a:avLst/>
-          </a:prstGeom>
-          <a:ln w="0">
+            <a:ext cx="1749240" cy="680760"/>
+          </a:xfrm>
+          <a:prstGeom prst="rect">
+            <a:avLst/>
+          </a:prstGeom>
+          <a:ln>
             <a:noFill/>
           </a:ln>
         </p:spPr>
       </p:pic>
       <p:pic>
         <p:nvPicPr>
-          <p:cNvPr id="109" name="Picture 4" descr="Иконка «Идея» — скачай бесплатно PNG и векторе"/>
+          <p:cNvPr id="159" name="Picture 4" descr=""/>
           <p:cNvPicPr/>
           <p:nvPr/>
         </p:nvPicPr>
@@ -7088,32 +6990,32 @@
         <p:spPr>
           <a:xfrm>
             <a:off x="10949400" y="869400"/>
-            <a:ext cx="1470600" cy="1470600"/>
-          </a:xfrm>
-          <a:prstGeom prst="rect">
-            <a:avLst/>
-          </a:prstGeom>
-          <a:ln w="0">
+            <a:ext cx="1470240" cy="1470240"/>
+          </a:xfrm>
+          <a:prstGeom prst="rect">
+            <a:avLst/>
+          </a:prstGeom>
+          <a:ln>
             <a:noFill/>
           </a:ln>
         </p:spPr>
       </p:pic>
       <p:sp>
         <p:nvSpPr>
-          <p:cNvPr id="110" name="Заголовок 1"/>
+          <p:cNvPr id="160" name="CustomShape 2"/>
           <p:cNvSpPr/>
           <p:nvPr/>
         </p:nvSpPr>
         <p:spPr>
           <a:xfrm>
             <a:off x="581760" y="2301120"/>
-            <a:ext cx="3567960" cy="398880"/>
+            <a:ext cx="3567600" cy="398520"/>
           </a:xfrm>
           <a:prstGeom prst="rect">
             <a:avLst/>
           </a:prstGeom>
           <a:noFill/>
-          <a:ln w="0">
+          <a:ln>
             <a:noFill/>
           </a:ln>
         </p:spPr>
@@ -7132,7 +7034,6 @@
               <a:lnSpc>
                 <a:spcPct val="80000"/>
               </a:lnSpc>
-              <a:buNone/>
             </a:pPr>
             <a:r>
               <a:rPr b="1" lang="ru-RU" sz="2800" spc="-1" strike="noStrike" cap="all">
@@ -7152,7 +7053,7 @@
       </p:sp>
       <p:pic>
         <p:nvPicPr>
-          <p:cNvPr id="111" name="Рисунок 7" descr=""/>
+          <p:cNvPr id="161" name="Рисунок 7" descr=""/>
           <p:cNvPicPr/>
           <p:nvPr/>
         </p:nvPicPr>
@@ -7163,32 +7064,32 @@
         <p:spPr>
           <a:xfrm>
             <a:off x="581760" y="2700000"/>
-            <a:ext cx="1218240" cy="313200"/>
-          </a:xfrm>
-          <a:prstGeom prst="rect">
-            <a:avLst/>
-          </a:prstGeom>
-          <a:ln w="0">
+            <a:ext cx="1217880" cy="312840"/>
+          </a:xfrm>
+          <a:prstGeom prst="rect">
+            <a:avLst/>
+          </a:prstGeom>
+          <a:ln>
             <a:noFill/>
           </a:ln>
         </p:spPr>
       </p:pic>
       <p:sp>
         <p:nvSpPr>
-          <p:cNvPr id="112" name="Заголовок 1"/>
+          <p:cNvPr id="162" name="CustomShape 3"/>
           <p:cNvSpPr/>
           <p:nvPr/>
         </p:nvSpPr>
         <p:spPr>
           <a:xfrm>
             <a:off x="587160" y="4320000"/>
-            <a:ext cx="4452840" cy="398880"/>
+            <a:ext cx="4452480" cy="398520"/>
           </a:xfrm>
           <a:prstGeom prst="rect">
             <a:avLst/>
           </a:prstGeom>
           <a:noFill/>
-          <a:ln w="0">
+          <a:ln>
             <a:noFill/>
           </a:ln>
         </p:spPr>
@@ -7207,7 +7108,6 @@
               <a:lnSpc>
                 <a:spcPct val="80000"/>
               </a:lnSpc>
-              <a:buNone/>
             </a:pPr>
             <a:r>
               <a:rPr b="1" lang="ru-RU" sz="2800" spc="-1" strike="noStrike" cap="all">
@@ -7227,7 +7127,7 @@
       </p:sp>
       <p:pic>
         <p:nvPicPr>
-          <p:cNvPr id="113" name="Рисунок 16" descr=""/>
+          <p:cNvPr id="163" name="Рисунок 16" descr=""/>
           <p:cNvPicPr/>
           <p:nvPr/>
         </p:nvPicPr>
@@ -7238,26 +7138,26 @@
         <p:spPr>
           <a:xfrm>
             <a:off x="587160" y="4726800"/>
-            <a:ext cx="1218240" cy="313200"/>
-          </a:xfrm>
-          <a:prstGeom prst="rect">
-            <a:avLst/>
-          </a:prstGeom>
-          <a:ln w="0">
+            <a:ext cx="1217880" cy="312840"/>
+          </a:xfrm>
+          <a:prstGeom prst="rect">
+            <a:avLst/>
+          </a:prstGeom>
+          <a:ln>
             <a:noFill/>
           </a:ln>
         </p:spPr>
       </p:pic>
       <p:sp>
         <p:nvSpPr>
-          <p:cNvPr id="114" name=""/>
+          <p:cNvPr id="164" name="CustomShape 4"/>
           <p:cNvSpPr/>
           <p:nvPr/>
         </p:nvSpPr>
         <p:spPr>
           <a:xfrm>
             <a:off x="540000" y="5040000"/>
-            <a:ext cx="11160000" cy="1080000"/>
+            <a:ext cx="11159640" cy="1079640"/>
           </a:xfrm>
           <a:prstGeom prst="rect">
             <a:avLst/>
@@ -7286,36 +7186,36 @@
           </a:bodyPr>
           <a:p>
             <a:pPr algn="just">
-              <a:buNone/>
+              <a:lnSpc>
+                <a:spcPct val="100000"/>
+              </a:lnSpc>
             </a:pPr>
             <a:r>
-              <a:rPr b="1" lang="ru-RU" sz="1800" spc="-1" strike="noStrike">
+              <a:rPr b="1" lang="ru-RU" sz="2400" spc="-1" strike="noStrike">
                 <a:solidFill>
                   <a:srgbClr val="0070ad"/>
                 </a:solidFill>
                 <a:latin typeface="Calibri"/>
+                <a:ea typeface="DejaVu Sans"/>
               </a:rPr>
-              <a:t>Применение проекта</a:t>
+              <a:t>Сокращение времени работы преподавательского состава при разработке документации, которое без автоматизации может занимать месяцы.</a:t>
             </a:r>
-            <a:endParaRPr b="1" lang="ru-RU" sz="1800" spc="-1" strike="noStrike">
-              <a:solidFill>
-                <a:srgbClr val="0070ad"/>
-              </a:solidFill>
-              <a:latin typeface="Calibri"/>
-            </a:endParaRPr>
-          </a:p>
-        </p:txBody>
-      </p:sp>
-      <p:sp>
-        <p:nvSpPr>
-          <p:cNvPr id="115" name=""/>
+            <a:endParaRPr b="0" lang="ru-RU" sz="2400" spc="-1" strike="noStrike">
+              <a:latin typeface="Arial"/>
+            </a:endParaRPr>
+          </a:p>
+        </p:txBody>
+      </p:sp>
+      <p:sp>
+        <p:nvSpPr>
+          <p:cNvPr id="165" name="CustomShape 5"/>
           <p:cNvSpPr/>
           <p:nvPr/>
         </p:nvSpPr>
         <p:spPr>
           <a:xfrm>
             <a:off x="540000" y="3060000"/>
-            <a:ext cx="11160000" cy="1080000"/>
+            <a:ext cx="11159640" cy="1079640"/>
           </a:xfrm>
           <a:prstGeom prst="rect">
             <a:avLst/>
@@ -7344,36 +7244,36 @@
           </a:bodyPr>
           <a:p>
             <a:pPr algn="just">
-              <a:buNone/>
+              <a:lnSpc>
+                <a:spcPct val="100000"/>
+              </a:lnSpc>
             </a:pPr>
             <a:r>
-              <a:rPr b="1" lang="ru-RU" sz="1800" spc="-1" strike="noStrike">
+              <a:rPr b="1" lang="ru-RU" sz="2400" spc="-1" strike="noStrike">
                 <a:solidFill>
                   <a:srgbClr val="0070ad"/>
                 </a:solidFill>
                 <a:latin typeface="Calibri"/>
+                <a:ea typeface="DejaVu Sans"/>
               </a:rPr>
-              <a:t>Задача проекта</a:t>
+              <a:t>Скрипт и приложение по обработке текста документов и вывод о схожества тем отдельных лекций в рамках направления подготовки на основе корреляционного анализа.</a:t>
             </a:r>
-            <a:endParaRPr b="1" lang="ru-RU" sz="1800" spc="-1" strike="noStrike">
-              <a:solidFill>
-                <a:srgbClr val="0070ad"/>
-              </a:solidFill>
-              <a:latin typeface="Calibri"/>
-            </a:endParaRPr>
-          </a:p>
-        </p:txBody>
-      </p:sp>
-      <p:sp>
-        <p:nvSpPr>
-          <p:cNvPr id="116" name=""/>
+            <a:endParaRPr b="0" lang="ru-RU" sz="2400" spc="-1" strike="noStrike">
+              <a:latin typeface="Arial"/>
+            </a:endParaRPr>
+          </a:p>
+        </p:txBody>
+      </p:sp>
+      <p:sp>
+        <p:nvSpPr>
+          <p:cNvPr id="166" name="CustomShape 6"/>
           <p:cNvSpPr/>
           <p:nvPr/>
         </p:nvSpPr>
         <p:spPr>
           <a:xfrm>
             <a:off x="540000" y="1080000"/>
-            <a:ext cx="11160000" cy="1080000"/>
+            <a:ext cx="11159640" cy="1079640"/>
           </a:xfrm>
           <a:prstGeom prst="rect">
             <a:avLst/>
@@ -7401,20 +7301,23 @@
             <a:noAutofit/>
           </a:bodyPr>
           <a:p>
+            <a:pPr>
+              <a:lnSpc>
+                <a:spcPct val="100000"/>
+              </a:lnSpc>
+            </a:pPr>
             <a:r>
-              <a:rPr b="1" lang="ru-RU" sz="1800" spc="-1" strike="noStrike">
+              <a:rPr b="1" lang="ru-RU" sz="2400" spc="-1" strike="noStrike">
                 <a:solidFill>
                   <a:srgbClr val="0070ad"/>
                 </a:solidFill>
                 <a:latin typeface="Calibri"/>
+                <a:ea typeface="DejaVu Sans"/>
               </a:rPr>
-              <a:t>Идея проекта</a:t>
+              <a:t>Использование нейролингвистического анализа для поддержки принятия решений при составлении рабочей программы дисциплины университета.</a:t>
             </a:r>
-            <a:endParaRPr b="1" lang="ru-RU" sz="1800" spc="-1" strike="noStrike">
-              <a:solidFill>
-                <a:srgbClr val="0070ad"/>
-              </a:solidFill>
-              <a:latin typeface="Calibri"/>
+            <a:endParaRPr b="0" lang="ru-RU" sz="2400" spc="-1" strike="noStrike">
+              <a:latin typeface="Arial"/>
             </a:endParaRPr>
           </a:p>
         </p:txBody>
@@ -7451,24 +7354,20 @@
       </p:grpSpPr>
       <p:sp>
         <p:nvSpPr>
-          <p:cNvPr id="117" name="PlaceHolder 1"/>
-          <p:cNvSpPr>
-            <a:spLocks noGrp="1"/>
-          </p:cNvSpPr>
-          <p:nvPr>
-            <p:ph type="title"/>
-          </p:nvPr>
+          <p:cNvPr id="167" name="TextShape 1"/>
+          <p:cNvSpPr txBox="1"/>
+          <p:nvPr/>
         </p:nvSpPr>
         <p:spPr>
           <a:xfrm>
             <a:off x="545760" y="285840"/>
-            <a:ext cx="8788320" cy="398880"/>
+            <a:ext cx="8787960" cy="398520"/>
           </a:xfrm>
           <a:prstGeom prst="rect">
             <a:avLst/>
           </a:prstGeom>
           <a:noFill/>
-          <a:ln w="0">
+          <a:ln>
             <a:noFill/>
           </a:ln>
         </p:spPr>
@@ -7481,7 +7380,6 @@
               <a:lnSpc>
                 <a:spcPct val="80000"/>
               </a:lnSpc>
-              <a:buNone/>
             </a:pPr>
             <a:r>
               <a:rPr b="1" lang="ru-RU" sz="2800" spc="-1" strike="noStrike" cap="all">
@@ -7500,7 +7398,7 @@
       </p:sp>
       <p:pic>
         <p:nvPicPr>
-          <p:cNvPr id="118" name="Picture 2" descr=""/>
+          <p:cNvPr id="168" name="Picture 2" descr=""/>
           <p:cNvPicPr/>
           <p:nvPr/>
         </p:nvPicPr>
@@ -7512,36 +7410,32 @@
         <p:spPr>
           <a:xfrm>
             <a:off x="10107720" y="69120"/>
-            <a:ext cx="1749600" cy="681120"/>
-          </a:xfrm>
-          <a:prstGeom prst="rect">
-            <a:avLst/>
-          </a:prstGeom>
-          <a:ln w="0">
+            <a:ext cx="1749240" cy="680760"/>
+          </a:xfrm>
+          <a:prstGeom prst="rect">
+            <a:avLst/>
+          </a:prstGeom>
+          <a:ln>
             <a:noFill/>
           </a:ln>
         </p:spPr>
       </p:pic>
       <p:sp>
         <p:nvSpPr>
-          <p:cNvPr id="119" name="PlaceHolder 2"/>
-          <p:cNvSpPr>
-            <a:spLocks noGrp="1"/>
-          </p:cNvSpPr>
-          <p:nvPr>
-            <p:ph type="subTitle"/>
-          </p:nvPr>
-        </p:nvSpPr>
-        <p:spPr>
-          <a:xfrm>
-            <a:off x="609480" y="273600"/>
-            <a:ext cx="10972440" cy="5307840"/>
+          <p:cNvPr id="169" name="TextShape 2"/>
+          <p:cNvSpPr txBox="1"/>
+          <p:nvPr/>
+        </p:nvSpPr>
+        <p:spPr>
+          <a:xfrm>
+            <a:off x="609480" y="1152000"/>
+            <a:ext cx="10972080" cy="5184000"/>
           </a:xfrm>
           <a:prstGeom prst="rect">
             <a:avLst/>
           </a:prstGeom>
           <a:noFill/>
-          <a:ln w="0">
+          <a:ln>
             <a:noFill/>
           </a:ln>
         </p:spPr>
@@ -7550,10 +7444,44 @@
             <a:noAutofit/>
           </a:bodyPr>
           <a:p>
-            <a:pPr algn="ctr">
-              <a:buNone/>
+            <a:pPr>
+              <a:lnSpc>
+                <a:spcPct val="100000"/>
+              </a:lnSpc>
             </a:pPr>
-            <a:endParaRPr b="0" lang="ru-RU" sz="3200" spc="-1" strike="noStrike">
+            <a:r>
+              <a:rPr b="1" lang="ru-RU" sz="3200" spc="-1" strike="noStrike">
+                <a:latin typeface="Arial"/>
+              </a:rPr>
+              <a:t>Рабочая программа дисциплины – </a:t>
+            </a:r>
+            <a:endParaRPr b="1" lang="ru-RU" sz="3200" spc="-1" strike="noStrike">
+              <a:latin typeface="Arial"/>
+            </a:endParaRPr>
+          </a:p>
+          <a:p>
+            <a:pPr>
+              <a:lnSpc>
+                <a:spcPct val="100000"/>
+              </a:lnSpc>
+            </a:pPr>
+            <a:endParaRPr b="1" lang="ru-RU" sz="3200" spc="-1" strike="noStrike">
+              <a:latin typeface="Arial"/>
+            </a:endParaRPr>
+          </a:p>
+          <a:p>
+            <a:pPr>
+              <a:lnSpc>
+                <a:spcPct val="100000"/>
+              </a:lnSpc>
+            </a:pPr>
+            <a:r>
+              <a:rPr b="1" lang="ru-RU" sz="3200" spc="-1" strike="noStrike">
+                <a:latin typeface="Arial"/>
+              </a:rPr>
+              <a:t>Проблема:</a:t>
+            </a:r>
+            <a:endParaRPr b="1" lang="ru-RU" sz="3200" spc="-1" strike="noStrike">
               <a:latin typeface="Arial"/>
             </a:endParaRPr>
           </a:p>
@@ -7591,24 +7519,20 @@
       </p:grpSpPr>
       <p:sp>
         <p:nvSpPr>
-          <p:cNvPr id="120" name="PlaceHolder 1"/>
-          <p:cNvSpPr>
-            <a:spLocks noGrp="1"/>
-          </p:cNvSpPr>
-          <p:nvPr>
-            <p:ph type="title"/>
-          </p:nvPr>
+          <p:cNvPr id="170" name="TextShape 1"/>
+          <p:cNvSpPr txBox="1"/>
+          <p:nvPr/>
         </p:nvSpPr>
         <p:spPr>
           <a:xfrm>
             <a:off x="545760" y="285840"/>
-            <a:ext cx="8788320" cy="398880"/>
+            <a:ext cx="8787960" cy="398520"/>
           </a:xfrm>
           <a:prstGeom prst="rect">
             <a:avLst/>
           </a:prstGeom>
           <a:noFill/>
-          <a:ln w="0">
+          <a:ln>
             <a:noFill/>
           </a:ln>
         </p:spPr>
@@ -7621,7 +7545,6 @@
               <a:lnSpc>
                 <a:spcPct val="80000"/>
               </a:lnSpc>
-              <a:buNone/>
             </a:pPr>
             <a:r>
               <a:rPr b="1" lang="ru-RU" sz="2800" spc="-1" strike="noStrike" cap="all">
@@ -7640,7 +7563,7 @@
       </p:sp>
       <p:pic>
         <p:nvPicPr>
-          <p:cNvPr id="121" name="Picture 1" descr=""/>
+          <p:cNvPr id="171" name="Picture 1" descr=""/>
           <p:cNvPicPr/>
           <p:nvPr/>
         </p:nvPicPr>
@@ -7652,12 +7575,155 @@
         <p:spPr>
           <a:xfrm>
             <a:off x="10107720" y="69120"/>
-            <a:ext cx="1749600" cy="681120"/>
-          </a:xfrm>
-          <a:prstGeom prst="rect">
-            <a:avLst/>
-          </a:prstGeom>
-          <a:ln w="0">
+            <a:ext cx="1749240" cy="680760"/>
+          </a:xfrm>
+          <a:prstGeom prst="rect">
+            <a:avLst/>
+          </a:prstGeom>
+          <a:ln>
+            <a:noFill/>
+          </a:ln>
+        </p:spPr>
+      </p:pic>
+      <p:sp>
+        <p:nvSpPr>
+          <p:cNvPr id="172" name="TextShape 2"/>
+          <p:cNvSpPr txBox="1"/>
+          <p:nvPr/>
+        </p:nvSpPr>
+        <p:spPr>
+          <a:xfrm>
+            <a:off x="609480" y="1080000"/>
+            <a:ext cx="3638520" cy="2808000"/>
+          </a:xfrm>
+          <a:prstGeom prst="rect">
+            <a:avLst/>
+          </a:prstGeom>
+          <a:noFill/>
+          <a:ln>
+            <a:noFill/>
+          </a:ln>
+        </p:spPr>
+        <p:txBody>
+          <a:bodyPr lIns="0" rIns="0" tIns="0" bIns="0" anchor="ctr">
+            <a:spAutoFit/>
+          </a:bodyPr>
+          <a:p>
+            <a:pPr algn="just"/>
+            <a:r>
+              <a:rPr b="0" lang="ru-RU" sz="3200" spc="-1" strike="noStrike">
+                <a:latin typeface="Arial"/>
+              </a:rPr>
+              <a:t>Каталог:</a:t>
+            </a:r>
+            <a:endParaRPr b="0" lang="ru-RU" sz="3200" spc="-1" strike="noStrike">
+              <a:latin typeface="Arial"/>
+            </a:endParaRPr>
+          </a:p>
+          <a:p>
+            <a:pPr algn="just"/>
+            <a:r>
+              <a:rPr b="0" lang="ru-RU" sz="3200" spc="-1" strike="noStrike">
+                <a:latin typeface="Arial"/>
+              </a:rPr>
+              <a:t>* Год</a:t>
+            </a:r>
+            <a:endParaRPr b="0" lang="ru-RU" sz="3200" spc="-1" strike="noStrike">
+              <a:latin typeface="Arial"/>
+            </a:endParaRPr>
+          </a:p>
+          <a:p>
+            <a:pPr algn="just"/>
+            <a:r>
+              <a:rPr b="0" lang="ru-RU" sz="3200" spc="-1" strike="noStrike">
+                <a:latin typeface="Arial"/>
+              </a:rPr>
+              <a:t>** Направление</a:t>
+            </a:r>
+            <a:endParaRPr b="0" lang="ru-RU" sz="3200" spc="-1" strike="noStrike">
+              <a:latin typeface="Arial"/>
+            </a:endParaRPr>
+          </a:p>
+          <a:p>
+            <a:pPr algn="just"/>
+            <a:r>
+              <a:rPr b="0" lang="ru-RU" sz="3200" spc="-1" strike="noStrike">
+                <a:latin typeface="Arial"/>
+              </a:rPr>
+              <a:t>*** Кафедра</a:t>
+            </a:r>
+            <a:endParaRPr b="0" lang="ru-RU" sz="3200" spc="-1" strike="noStrike">
+              <a:latin typeface="Arial"/>
+            </a:endParaRPr>
+          </a:p>
+          <a:p>
+            <a:pPr algn="just"/>
+            <a:r>
+              <a:rPr b="0" lang="ru-RU" sz="3200" spc="-1" strike="noStrike">
+                <a:latin typeface="Arial"/>
+              </a:rPr>
+              <a:t>**** Дисциплина</a:t>
+            </a:r>
+            <a:endParaRPr b="0" lang="ru-RU" sz="3200" spc="-1" strike="noStrike">
+              <a:latin typeface="Arial"/>
+            </a:endParaRPr>
+          </a:p>
+          <a:p>
+            <a:pPr algn="just"/>
+            <a:r>
+              <a:rPr b="0" lang="ru-RU" sz="3200" spc="-1" strike="noStrike">
+                <a:latin typeface="Arial"/>
+              </a:rPr>
+              <a:t>***** Лекции</a:t>
+            </a:r>
+            <a:endParaRPr b="0" lang="ru-RU" sz="3200" spc="-1" strike="noStrike">
+              <a:latin typeface="Arial"/>
+            </a:endParaRPr>
+          </a:p>
+        </p:txBody>
+      </p:sp>
+      <p:pic>
+        <p:nvPicPr>
+          <p:cNvPr id="173" name="" descr=""/>
+          <p:cNvPicPr/>
+          <p:nvPr/>
+        </p:nvPicPr>
+        <p:blipFill>
+          <a:blip r:embed="rId2"/>
+          <a:stretch/>
+        </p:blipFill>
+        <p:spPr>
+          <a:xfrm>
+            <a:off x="7488000" y="2173320"/>
+            <a:ext cx="4392000" cy="3154680"/>
+          </a:xfrm>
+          <a:prstGeom prst="rect">
+            <a:avLst/>
+          </a:prstGeom>
+          <a:ln>
+            <a:noFill/>
+          </a:ln>
+        </p:spPr>
+      </p:pic>
+      <p:pic>
+        <p:nvPicPr>
+          <p:cNvPr id="174" name="" descr=""/>
+          <p:cNvPicPr/>
+          <p:nvPr/>
+        </p:nvPicPr>
+        <p:blipFill>
+          <a:blip r:embed="rId3"/>
+          <a:stretch/>
+        </p:blipFill>
+        <p:spPr>
+          <a:xfrm>
+            <a:off x="3744000" y="1603800"/>
+            <a:ext cx="3830400" cy="4084200"/>
+          </a:xfrm>
+          <a:prstGeom prst="rect">
+            <a:avLst/>
+          </a:prstGeom>
+          <a:ln>
             <a:noFill/>
           </a:ln>
         </p:spPr>
@@ -7694,24 +7760,20 @@
       </p:grpSpPr>
       <p:sp>
         <p:nvSpPr>
-          <p:cNvPr id="122" name="PlaceHolder 1"/>
-          <p:cNvSpPr>
-            <a:spLocks noGrp="1"/>
-          </p:cNvSpPr>
-          <p:nvPr>
-            <p:ph type="title"/>
-          </p:nvPr>
+          <p:cNvPr id="175" name="TextShape 1"/>
+          <p:cNvSpPr txBox="1"/>
+          <p:nvPr/>
         </p:nvSpPr>
         <p:spPr>
           <a:xfrm>
             <a:off x="545760" y="285840"/>
-            <a:ext cx="8788320" cy="398880"/>
+            <a:ext cx="8787960" cy="398520"/>
           </a:xfrm>
           <a:prstGeom prst="rect">
             <a:avLst/>
           </a:prstGeom>
           <a:noFill/>
-          <a:ln w="0">
+          <a:ln>
             <a:noFill/>
           </a:ln>
         </p:spPr>
@@ -7724,7 +7786,6 @@
               <a:lnSpc>
                 <a:spcPct val="80000"/>
               </a:lnSpc>
-              <a:buNone/>
             </a:pPr>
             <a:r>
               <a:rPr b="1" lang="ru-RU" sz="2800" spc="-1" strike="noStrike" cap="all">
@@ -7743,7 +7804,7 @@
       </p:sp>
       <p:pic>
         <p:nvPicPr>
-          <p:cNvPr id="123" name="Picture 2" descr=""/>
+          <p:cNvPr id="176" name="Picture 2" descr=""/>
           <p:cNvPicPr/>
           <p:nvPr/>
         </p:nvPicPr>
@@ -7755,12 +7816,66 @@
         <p:spPr>
           <a:xfrm>
             <a:off x="10107720" y="69120"/>
-            <a:ext cx="1749600" cy="681120"/>
-          </a:xfrm>
-          <a:prstGeom prst="rect">
-            <a:avLst/>
-          </a:prstGeom>
-          <a:ln w="0">
+            <a:ext cx="1749240" cy="680760"/>
+          </a:xfrm>
+          <a:prstGeom prst="rect">
+            <a:avLst/>
+          </a:prstGeom>
+          <a:ln>
+            <a:noFill/>
+          </a:ln>
+        </p:spPr>
+      </p:pic>
+      <p:sp>
+        <p:nvSpPr>
+          <p:cNvPr id="177" name="TextShape 2"/>
+          <p:cNvSpPr txBox="1"/>
+          <p:nvPr/>
+        </p:nvSpPr>
+        <p:spPr>
+          <a:xfrm>
+            <a:off x="609480" y="4824000"/>
+            <a:ext cx="10932480" cy="757440"/>
+          </a:xfrm>
+          <a:prstGeom prst="rect">
+            <a:avLst/>
+          </a:prstGeom>
+          <a:noFill/>
+          <a:ln>
+            <a:noFill/>
+          </a:ln>
+        </p:spPr>
+        <p:txBody>
+          <a:bodyPr lIns="0" rIns="0" tIns="0" bIns="0" anchor="ctr">
+            <a:spAutoFit/>
+          </a:bodyPr>
+          <a:p>
+            <a:pPr algn="ctr"/>
+            <a:endParaRPr b="0" lang="ru-RU" sz="3200" spc="-1" strike="noStrike">
+              <a:latin typeface="Arial"/>
+            </a:endParaRPr>
+          </a:p>
+        </p:txBody>
+      </p:sp>
+      <p:pic>
+        <p:nvPicPr>
+          <p:cNvPr id="178" name="" descr=""/>
+          <p:cNvPicPr/>
+          <p:nvPr/>
+        </p:nvPicPr>
+        <p:blipFill>
+          <a:blip r:embed="rId2"/>
+          <a:stretch/>
+        </p:blipFill>
+        <p:spPr>
+          <a:xfrm>
+            <a:off x="720000" y="1195200"/>
+            <a:ext cx="10821960" cy="3628800"/>
+          </a:xfrm>
+          <a:prstGeom prst="rect">
+            <a:avLst/>
+          </a:prstGeom>
+          <a:ln>
             <a:noFill/>
           </a:ln>
         </p:spPr>
@@ -7797,24 +7912,20 @@
       </p:grpSpPr>
       <p:sp>
         <p:nvSpPr>
-          <p:cNvPr id="124" name="PlaceHolder 1"/>
-          <p:cNvSpPr>
-            <a:spLocks noGrp="1"/>
-          </p:cNvSpPr>
-          <p:nvPr>
-            <p:ph type="title"/>
-          </p:nvPr>
+          <p:cNvPr id="179" name="TextShape 1"/>
+          <p:cNvSpPr txBox="1"/>
+          <p:nvPr/>
         </p:nvSpPr>
         <p:spPr>
           <a:xfrm>
             <a:off x="545760" y="285840"/>
-            <a:ext cx="8788320" cy="398880"/>
+            <a:ext cx="8787960" cy="398520"/>
           </a:xfrm>
           <a:prstGeom prst="rect">
             <a:avLst/>
           </a:prstGeom>
           <a:noFill/>
-          <a:ln w="0">
+          <a:ln>
             <a:noFill/>
           </a:ln>
         </p:spPr>
@@ -7827,7 +7938,6 @@
               <a:lnSpc>
                 <a:spcPct val="80000"/>
               </a:lnSpc>
-              <a:buNone/>
             </a:pPr>
             <a:r>
               <a:rPr b="1" lang="ru-RU" sz="2800" spc="-1" strike="noStrike" cap="all">
@@ -7846,7 +7956,7 @@
       </p:sp>
       <p:pic>
         <p:nvPicPr>
-          <p:cNvPr id="125" name="Picture 2" descr=""/>
+          <p:cNvPr id="180" name="Picture 2" descr=""/>
           <p:cNvPicPr/>
           <p:nvPr/>
         </p:nvPicPr>
@@ -7858,16 +7968,47 @@
         <p:spPr>
           <a:xfrm>
             <a:off x="10107720" y="69120"/>
-            <a:ext cx="1749600" cy="681120"/>
-          </a:xfrm>
-          <a:prstGeom prst="rect">
-            <a:avLst/>
-          </a:prstGeom>
-          <a:ln w="0">
+            <a:ext cx="1749240" cy="680760"/>
+          </a:xfrm>
+          <a:prstGeom prst="rect">
+            <a:avLst/>
+          </a:prstGeom>
+          <a:ln>
             <a:noFill/>
           </a:ln>
         </p:spPr>
       </p:pic>
+      <p:sp>
+        <p:nvSpPr>
+          <p:cNvPr id="181" name="TextShape 2"/>
+          <p:cNvSpPr txBox="1"/>
+          <p:nvPr/>
+        </p:nvSpPr>
+        <p:spPr>
+          <a:xfrm>
+            <a:off x="609480" y="273600"/>
+            <a:ext cx="10972440" cy="5307840"/>
+          </a:xfrm>
+          <a:prstGeom prst="rect">
+            <a:avLst/>
+          </a:prstGeom>
+          <a:noFill/>
+          <a:ln>
+            <a:noFill/>
+          </a:ln>
+        </p:spPr>
+        <p:txBody>
+          <a:bodyPr lIns="0" rIns="0" tIns="0" bIns="0" anchor="ctr">
+            <a:spAutoFit/>
+          </a:bodyPr>
+          <a:p>
+            <a:pPr algn="ctr"/>
+            <a:endParaRPr b="0" lang="ru-RU" sz="3200" spc="-1" strike="noStrike">
+              <a:latin typeface="Arial"/>
+            </a:endParaRPr>
+          </a:p>
+        </p:txBody>
+      </p:sp>
     </p:spTree>
   </p:cSld>
   <mc:AlternateContent>
@@ -7898,26 +8039,45 @@
           <a:chExt cx="0" cy="0"/>
         </a:xfrm>
       </p:grpSpPr>
-      <p:sp>
-        <p:nvSpPr>
-          <p:cNvPr id="126" name="PlaceHolder 1"/>
-          <p:cNvSpPr>
-            <a:spLocks noGrp="1"/>
-          </p:cNvSpPr>
-          <p:nvPr>
-            <p:ph type="title"/>
-          </p:nvPr>
+      <p:pic>
+        <p:nvPicPr>
+          <p:cNvPr id="182" name="" descr=""/>
+          <p:cNvPicPr/>
+          <p:nvPr/>
+        </p:nvPicPr>
+        <p:blipFill>
+          <a:blip r:embed="rId1"/>
+          <a:stretch/>
+        </p:blipFill>
+        <p:spPr>
+          <a:xfrm>
+            <a:off x="3574800" y="1296000"/>
+            <a:ext cx="8396280" cy="4710240"/>
+          </a:xfrm>
+          <a:prstGeom prst="rect">
+            <a:avLst/>
+          </a:prstGeom>
+          <a:ln>
+            <a:noFill/>
+          </a:ln>
+        </p:spPr>
+      </p:pic>
+      <p:sp>
+        <p:nvSpPr>
+          <p:cNvPr id="183" name="TextShape 1"/>
+          <p:cNvSpPr txBox="1"/>
+          <p:nvPr/>
         </p:nvSpPr>
         <p:spPr>
           <a:xfrm>
             <a:off x="545760" y="285840"/>
-            <a:ext cx="8788320" cy="398880"/>
+            <a:ext cx="8787960" cy="398520"/>
           </a:xfrm>
           <a:prstGeom prst="rect">
             <a:avLst/>
           </a:prstGeom>
           <a:noFill/>
-          <a:ln w="0">
+          <a:ln>
             <a:noFill/>
           </a:ln>
         </p:spPr>
@@ -7930,7 +8090,6 @@
               <a:lnSpc>
                 <a:spcPct val="80000"/>
               </a:lnSpc>
-              <a:buNone/>
             </a:pPr>
             <a:r>
               <a:rPr b="1" lang="ru-RU" sz="2800" spc="-1" strike="noStrike" cap="all">
@@ -7949,28 +8108,77 @@
       </p:sp>
       <p:pic>
         <p:nvPicPr>
-          <p:cNvPr id="127" name="Picture 2" descr=""/>
+          <p:cNvPr id="184" name="Picture 2" descr=""/>
           <p:cNvPicPr/>
           <p:nvPr/>
         </p:nvPicPr>
         <p:blipFill>
-          <a:blip r:embed="rId1"/>
+          <a:blip r:embed="rId2"/>
           <a:srcRect l="34582" t="32269" r="11127" b="28161"/>
           <a:stretch/>
         </p:blipFill>
         <p:spPr>
           <a:xfrm>
             <a:off x="10107720" y="69120"/>
-            <a:ext cx="1749600" cy="681120"/>
-          </a:xfrm>
-          <a:prstGeom prst="rect">
-            <a:avLst/>
-          </a:prstGeom>
-          <a:ln w="0">
+            <a:ext cx="1749240" cy="680760"/>
+          </a:xfrm>
+          <a:prstGeom prst="rect">
+            <a:avLst/>
+          </a:prstGeom>
+          <a:ln>
             <a:noFill/>
           </a:ln>
         </p:spPr>
       </p:pic>
+      <p:sp>
+        <p:nvSpPr>
+          <p:cNvPr id="185" name="TextShape 2"/>
+          <p:cNvSpPr txBox="1"/>
+          <p:nvPr/>
+        </p:nvSpPr>
+        <p:spPr>
+          <a:xfrm>
+            <a:off x="609480" y="1008000"/>
+            <a:ext cx="3350520" cy="5328000"/>
+          </a:xfrm>
+          <a:prstGeom prst="rect">
+            <a:avLst/>
+          </a:prstGeom>
+          <a:noFill/>
+          <a:ln>
+            <a:noFill/>
+          </a:ln>
+        </p:spPr>
+        <p:txBody>
+          <a:bodyPr lIns="0" rIns="0" tIns="0" bIns="0" anchor="ctr">
+            <a:spAutoFit/>
+          </a:bodyPr>
+          <a:p>
+            <a:pPr algn="just"/>
+            <a:r>
+              <a:rPr b="0" lang="ru-RU" sz="3200" spc="-1" strike="noStrike">
+                <a:latin typeface="Arial"/>
+              </a:rPr>
+              <a:t>Корреляционная матрица показывает схожесть документов, сгруппированных по дисциплинам.</a:t>
+            </a:r>
+            <a:endParaRPr b="0" lang="ru-RU" sz="3200" spc="-1" strike="noStrike">
+              <a:latin typeface="Arial"/>
+            </a:endParaRPr>
+          </a:p>
+          <a:p>
+            <a:pPr algn="just"/>
+            <a:endParaRPr b="0" lang="ru-RU" sz="3200" spc="-1" strike="noStrike">
+              <a:latin typeface="Arial"/>
+            </a:endParaRPr>
+          </a:p>
+          <a:p>
+            <a:pPr algn="just"/>
+            <a:endParaRPr b="0" lang="ru-RU" sz="3200" spc="-1" strike="noStrike">
+              <a:latin typeface="Arial"/>
+            </a:endParaRPr>
+          </a:p>
+        </p:txBody>
+      </p:sp>
     </p:spTree>
   </p:cSld>
   <mc:AlternateContent>
@@ -8003,24 +8211,20 @@
       </p:grpSpPr>
       <p:sp>
         <p:nvSpPr>
-          <p:cNvPr id="128" name="PlaceHolder 1"/>
-          <p:cNvSpPr>
-            <a:spLocks noGrp="1"/>
-          </p:cNvSpPr>
-          <p:nvPr>
-            <p:ph type="title"/>
-          </p:nvPr>
+          <p:cNvPr id="186" name="TextShape 1"/>
+          <p:cNvSpPr txBox="1"/>
+          <p:nvPr/>
         </p:nvSpPr>
         <p:spPr>
           <a:xfrm>
             <a:off x="545760" y="285840"/>
-            <a:ext cx="8788320" cy="398880"/>
+            <a:ext cx="8787960" cy="398520"/>
           </a:xfrm>
           <a:prstGeom prst="rect">
             <a:avLst/>
           </a:prstGeom>
           <a:noFill/>
-          <a:ln w="0">
+          <a:ln>
             <a:noFill/>
           </a:ln>
         </p:spPr>
@@ -8033,7 +8237,6 @@
               <a:lnSpc>
                 <a:spcPct val="80000"/>
               </a:lnSpc>
-              <a:buNone/>
             </a:pPr>
             <a:r>
               <a:rPr b="1" lang="ru-RU" sz="2800" spc="-1" strike="noStrike" cap="all">
@@ -8052,7 +8255,7 @@
       </p:sp>
       <p:pic>
         <p:nvPicPr>
-          <p:cNvPr id="129" name="Picture 2" descr=""/>
+          <p:cNvPr id="187" name="Picture 2" descr=""/>
           <p:cNvPicPr/>
           <p:nvPr/>
         </p:nvPicPr>
@@ -8064,16 +8267,89 @@
         <p:spPr>
           <a:xfrm>
             <a:off x="10107720" y="69120"/>
-            <a:ext cx="1749600" cy="681120"/>
-          </a:xfrm>
-          <a:prstGeom prst="rect">
-            <a:avLst/>
-          </a:prstGeom>
-          <a:ln w="0">
+            <a:ext cx="1749240" cy="680760"/>
+          </a:xfrm>
+          <a:prstGeom prst="rect">
+            <a:avLst/>
+          </a:prstGeom>
+          <a:ln>
             <a:noFill/>
           </a:ln>
         </p:spPr>
       </p:pic>
+      <p:sp>
+        <p:nvSpPr>
+          <p:cNvPr id="188" name="TextShape 2"/>
+          <p:cNvSpPr txBox="1"/>
+          <p:nvPr/>
+        </p:nvSpPr>
+        <p:spPr>
+          <a:xfrm>
+            <a:off x="609480" y="1152000"/>
+            <a:ext cx="10972440" cy="5112000"/>
+          </a:xfrm>
+          <a:prstGeom prst="rect">
+            <a:avLst/>
+          </a:prstGeom>
+          <a:noFill/>
+          <a:ln>
+            <a:noFill/>
+          </a:ln>
+        </p:spPr>
+        <p:txBody>
+          <a:bodyPr lIns="0" rIns="0" tIns="0" bIns="0" anchor="ctr">
+            <a:spAutoFit/>
+          </a:bodyPr>
+          <a:p>
+            <a:pPr algn="ctr"/>
+            <a:r>
+              <a:rPr b="0" lang="ru-RU" sz="3200" spc="-1" strike="noStrike">
+                <a:latin typeface="Arial"/>
+              </a:rPr>
+              <a:t>У нас получилось...</a:t>
+            </a:r>
+            <a:endParaRPr b="0" i="1" lang="ru-RU" sz="3200" spc="-1" strike="noStrike">
+              <a:latin typeface="Arial"/>
+            </a:endParaRPr>
+          </a:p>
+          <a:p>
+            <a:pPr algn="ctr"/>
+            <a:endParaRPr b="0" i="1" lang="ru-RU" sz="3200" spc="-1" strike="noStrike">
+              <a:latin typeface="Arial"/>
+            </a:endParaRPr>
+          </a:p>
+          <a:p>
+            <a:pPr algn="ctr"/>
+            <a:r>
+              <a:rPr b="0" lang="ru-RU" sz="3200" spc="-1" strike="noStrike">
+                <a:latin typeface="Arial"/>
+              </a:rPr>
+              <a:t>Таким образом, </a:t>
+            </a:r>
+            <a:endParaRPr b="0" i="1" lang="ru-RU" sz="3200" spc="-1" strike="noStrike">
+              <a:latin typeface="Arial"/>
+            </a:endParaRPr>
+          </a:p>
+          <a:p>
+            <a:pPr algn="ctr"/>
+            <a:endParaRPr b="0" i="1" lang="ru-RU" sz="3200" spc="-1" strike="noStrike">
+              <a:latin typeface="Arial"/>
+            </a:endParaRPr>
+          </a:p>
+          <a:p>
+            <a:pPr algn="ctr"/>
+            <a:r>
+              <a:rPr b="0" i="1" lang="ru-RU" sz="3200" spc="-1" strike="noStrike">
+                <a:latin typeface="Arial"/>
+              </a:rPr>
+              <a:t>(Исходник: https://github.com/Amonimus/RPD_Samsonov)</a:t>
+            </a:r>
+            <a:endParaRPr b="0" i="1" lang="ru-RU" sz="3200" spc="-1" strike="noStrike">
+              <a:latin typeface="Arial"/>
+            </a:endParaRPr>
+          </a:p>
+        </p:txBody>
+      </p:sp>
     </p:spTree>
   </p:cSld>
   <mc:AlternateContent>
@@ -8106,7 +8382,7 @@
       </p:grpSpPr>
       <p:pic>
         <p:nvPicPr>
-          <p:cNvPr id="130" name="Picture 2" descr=""/>
+          <p:cNvPr id="189" name="Picture 2" descr=""/>
           <p:cNvPicPr/>
           <p:nvPr/>
         </p:nvPicPr>
@@ -8118,32 +8394,32 @@
         <p:spPr>
           <a:xfrm>
             <a:off x="10107720" y="69120"/>
-            <a:ext cx="1749600" cy="681120"/>
-          </a:xfrm>
-          <a:prstGeom prst="rect">
-            <a:avLst/>
-          </a:prstGeom>
-          <a:ln w="0">
+            <a:ext cx="1749240" cy="680760"/>
+          </a:xfrm>
+          <a:prstGeom prst="rect">
+            <a:avLst/>
+          </a:prstGeom>
+          <a:ln>
             <a:noFill/>
           </a:ln>
         </p:spPr>
       </p:pic>
       <p:sp>
         <p:nvSpPr>
-          <p:cNvPr id="131" name="Прямоугольник 3"/>
+          <p:cNvPr id="190" name="CustomShape 1"/>
           <p:cNvSpPr/>
           <p:nvPr/>
         </p:nvSpPr>
         <p:spPr>
           <a:xfrm>
             <a:off x="2198160" y="2525040"/>
-            <a:ext cx="8451720" cy="912960"/>
+            <a:ext cx="8451360" cy="912600"/>
           </a:xfrm>
           <a:prstGeom prst="rect">
             <a:avLst/>
           </a:prstGeom>
           <a:noFill/>
-          <a:ln w="0">
+          <a:ln>
             <a:noFill/>
           </a:ln>
         </p:spPr>
@@ -8154,7 +8430,7 @@
           <a:fontRef idx="minor"/>
         </p:style>
         <p:txBody>
-          <a:bodyPr lIns="90000" rIns="90000" tIns="45000" bIns="45000" anchor="t">
+          <a:bodyPr lIns="90000" rIns="90000" tIns="45000" bIns="45000">
             <a:spAutoFit/>
           </a:bodyPr>
           <a:p>
@@ -8162,7 +8438,6 @@
               <a:lnSpc>
                 <a:spcPct val="100000"/>
               </a:lnSpc>
-              <a:buNone/>
             </a:pPr>
             <a:r>
               <a:rPr b="1" lang="ru-RU" sz="5400" spc="-1" strike="noStrike">
@@ -8307,21 +8582,18 @@
             </a:schemeClr>
           </a:solidFill>
           <a:prstDash val="solid"/>
-          <a:miter/>
         </a:ln>
         <a:ln w="25400" cap="flat" cmpd="sng" algn="ctr">
           <a:solidFill>
             <a:schemeClr val="phClr"/>
           </a:solidFill>
           <a:prstDash val="solid"/>
-          <a:miter/>
         </a:ln>
         <a:ln w="38100" cap="flat" cmpd="sng" algn="ctr">
           <a:solidFill>
             <a:schemeClr val="phClr"/>
           </a:solidFill>
           <a:prstDash val="solid"/>
-          <a:miter/>
         </a:ln>
       </a:lnStyleLst>
       <a:effectStyleLst>
@@ -8533,21 +8805,18 @@
             </a:schemeClr>
           </a:solidFill>
           <a:prstDash val="solid"/>
-          <a:miter/>
         </a:ln>
         <a:ln w="25400" cap="flat" cmpd="sng" algn="ctr">
           <a:solidFill>
             <a:schemeClr val="phClr"/>
           </a:solidFill>
           <a:prstDash val="solid"/>
-          <a:miter/>
         </a:ln>
         <a:ln w="38100" cap="flat" cmpd="sng" algn="ctr">
           <a:solidFill>
             <a:schemeClr val="phClr"/>
           </a:solidFill>
           <a:prstDash val="solid"/>
-          <a:miter/>
         </a:ln>
       </a:lnStyleLst>
       <a:effectStyleLst>
@@ -8759,21 +9028,241 @@
             </a:schemeClr>
           </a:solidFill>
           <a:prstDash val="solid"/>
-          <a:miter/>
         </a:ln>
         <a:ln w="25400" cap="flat" cmpd="sng" algn="ctr">
           <a:solidFill>
             <a:schemeClr val="phClr"/>
           </a:solidFill>
           <a:prstDash val="solid"/>
-          <a:miter/>
         </a:ln>
         <a:ln w="38100" cap="flat" cmpd="sng" algn="ctr">
           <a:solidFill>
             <a:schemeClr val="phClr"/>
           </a:solidFill>
           <a:prstDash val="solid"/>
-          <a:miter/>
+        </a:ln>
+      </a:lnStyleLst>
+      <a:effectStyleLst>
+        <a:effectStyle>
+          <a:effectLst>
+            <a:outerShdw blurRad="40000" dist="20000" dir="5400000" rotWithShape="0">
+              <a:srgbClr val="000000">
+                <a:alpha val="38000"/>
+              </a:srgbClr>
+            </a:outerShdw>
+          </a:effectLst>
+        </a:effectStyle>
+        <a:effectStyle>
+          <a:effectLst>
+            <a:outerShdw blurRad="40000" dist="23000" dir="5400000" rotWithShape="0">
+              <a:srgbClr val="000000">
+                <a:alpha val="35000"/>
+              </a:srgbClr>
+            </a:outerShdw>
+          </a:effectLst>
+        </a:effectStyle>
+        <a:effectStyle>
+          <a:effectLst>
+            <a:outerShdw blurRad="40000" dist="23000" dir="5400000" rotWithShape="0">
+              <a:srgbClr val="000000">
+                <a:alpha val="35000"/>
+              </a:srgbClr>
+            </a:outerShdw>
+          </a:effectLst>
+          <a:scene3d>
+            <a:camera prst="orthographicFront">
+              <a:rot lat="0" lon="0" rev="0"/>
+            </a:camera>
+            <a:lightRig rig="threePt" dir="t">
+              <a:rot lat="0" lon="0" rev="1200000"/>
+            </a:lightRig>
+          </a:scene3d>
+          <a:sp3d>
+            <a:bevelT w="63500" h="25400"/>
+          </a:sp3d>
+        </a:effectStyle>
+      </a:effectStyleLst>
+      <a:bgFillStyleLst>
+        <a:solidFill>
+          <a:schemeClr val="phClr"/>
+        </a:solidFill>
+        <a:gradFill rotWithShape="1">
+          <a:gsLst>
+            <a:gs pos="0">
+              <a:schemeClr val="phClr">
+                <a:tint val="40000"/>
+                <a:satMod val="350000"/>
+              </a:schemeClr>
+            </a:gs>
+            <a:gs pos="40000">
+              <a:schemeClr val="phClr">
+                <a:tint val="45000"/>
+                <a:shade val="99000"/>
+                <a:satMod val="350000"/>
+              </a:schemeClr>
+            </a:gs>
+            <a:gs pos="100000">
+              <a:schemeClr val="phClr">
+                <a:shade val="20000"/>
+                <a:satMod val="255000"/>
+              </a:schemeClr>
+            </a:gs>
+          </a:gsLst>
+          <a:path path="circle">
+            <a:fillToRect l="50000" t="-80000" r="50000" b="180000"/>
+          </a:path>
+        </a:gradFill>
+        <a:gradFill rotWithShape="1">
+          <a:gsLst>
+            <a:gs pos="0">
+              <a:schemeClr val="phClr">
+                <a:tint val="80000"/>
+                <a:satMod val="300000"/>
+              </a:schemeClr>
+            </a:gs>
+            <a:gs pos="100000">
+              <a:schemeClr val="phClr">
+                <a:shade val="30000"/>
+                <a:satMod val="200000"/>
+              </a:schemeClr>
+            </a:gs>
+          </a:gsLst>
+          <a:path path="circle">
+            <a:fillToRect l="50000" t="50000" r="50000" b="50000"/>
+          </a:path>
+        </a:gradFill>
+      </a:bgFillStyleLst>
+    </a:fmtScheme>
+  </a:themeElements>
+</a:theme>
+</file>
+
+<file path=ppt/theme/theme4.xml><?xml version="1.0" encoding="utf-8"?>
+<a:theme xmlns:a="http://schemas.openxmlformats.org/drawingml/2006/main" name="Office Theme">
+  <a:themeElements>
+    <a:clrScheme name="Office">
+      <a:dk1>
+        <a:sysClr val="windowText" lastClr="000000"/>
+      </a:dk1>
+      <a:lt1>
+        <a:sysClr val="window" lastClr="FFFFFF"/>
+      </a:lt1>
+      <a:dk2>
+        <a:srgbClr val="44546a"/>
+      </a:dk2>
+      <a:lt2>
+        <a:srgbClr val="e7e6e6"/>
+      </a:lt2>
+      <a:accent1>
+        <a:srgbClr val="5b9bd5"/>
+      </a:accent1>
+      <a:accent2>
+        <a:srgbClr val="ed7d31"/>
+      </a:accent2>
+      <a:accent3>
+        <a:srgbClr val="a5a5a5"/>
+      </a:accent3>
+      <a:accent4>
+        <a:srgbClr val="ffc000"/>
+      </a:accent4>
+      <a:accent5>
+        <a:srgbClr val="4472c4"/>
+      </a:accent5>
+      <a:accent6>
+        <a:srgbClr val="70ad47"/>
+      </a:accent6>
+      <a:hlink>
+        <a:srgbClr val="0563c1"/>
+      </a:hlink>
+      <a:folHlink>
+        <a:srgbClr val="954f72"/>
+      </a:folHlink>
+    </a:clrScheme>
+    <a:fontScheme name="Office">
+      <a:majorFont>
+        <a:latin typeface="Arial"/>
+        <a:ea typeface="DejaVu Sans"/>
+        <a:cs typeface="DejaVu Sans"/>
+      </a:majorFont>
+      <a:minorFont>
+        <a:latin typeface="Arial"/>
+        <a:ea typeface="DejaVu Sans"/>
+        <a:cs typeface="DejaVu Sans"/>
+      </a:minorFont>
+    </a:fontScheme>
+    <a:fmtScheme name="Office">
+      <a:fillStyleLst>
+        <a:solidFill>
+          <a:schemeClr val="phClr"/>
+        </a:solidFill>
+        <a:gradFill rotWithShape="1">
+          <a:gsLst>
+            <a:gs pos="0">
+              <a:schemeClr val="phClr">
+                <a:tint val="50000"/>
+                <a:satMod val="300000"/>
+              </a:schemeClr>
+            </a:gs>
+            <a:gs pos="35000">
+              <a:schemeClr val="phClr">
+                <a:tint val="37000"/>
+                <a:satMod val="300000"/>
+              </a:schemeClr>
+            </a:gs>
+            <a:gs pos="100000">
+              <a:schemeClr val="phClr">
+                <a:tint val="15000"/>
+                <a:satMod val="350000"/>
+              </a:schemeClr>
+            </a:gs>
+          </a:gsLst>
+          <a:lin ang="16200000" scaled="1"/>
+        </a:gradFill>
+        <a:gradFill rotWithShape="1">
+          <a:gsLst>
+            <a:gs pos="0">
+              <a:schemeClr val="phClr">
+                <a:shade val="51000"/>
+                <a:satMod val="130000"/>
+              </a:schemeClr>
+            </a:gs>
+            <a:gs pos="80000">
+              <a:schemeClr val="phClr">
+                <a:shade val="93000"/>
+                <a:satMod val="130000"/>
+              </a:schemeClr>
+            </a:gs>
+            <a:gs pos="100000">
+              <a:schemeClr val="phClr">
+                <a:shade val="94000"/>
+                <a:satMod val="135000"/>
+              </a:schemeClr>
+            </a:gs>
+          </a:gsLst>
+          <a:lin ang="16200000" scaled="0"/>
+        </a:gradFill>
+      </a:fillStyleLst>
+      <a:lnStyleLst>
+        <a:ln w="9525" cap="flat" cmpd="sng" algn="ctr">
+          <a:solidFill>
+            <a:schemeClr val="phClr">
+              <a:shade val="95000"/>
+              <a:satMod val="105000"/>
+            </a:schemeClr>
+          </a:solidFill>
+          <a:prstDash val="solid"/>
+        </a:ln>
+        <a:ln w="25400" cap="flat" cmpd="sng" algn="ctr">
+          <a:solidFill>
+            <a:schemeClr val="phClr"/>
+          </a:solidFill>
+          <a:prstDash val="solid"/>
+        </a:ln>
+        <a:ln w="38100" cap="flat" cmpd="sng" algn="ctr">
+          <a:solidFill>
+            <a:schemeClr val="phClr"/>
+          </a:solidFill>
+          <a:prstDash val="solid"/>
         </a:ln>
       </a:lnStyleLst>
       <a:effectStyleLst>
